--- a/Terahertz Metrology/Ch3/Terahertz Metrology_Ch3.pptx
+++ b/Terahertz Metrology/Ch3/Terahertz Metrology_Ch3.pptx
@@ -5,7 +5,7 @@
     <p:sldMasterId id="2147483660" r:id="rId1"/>
   </p:sldMasterIdLst>
   <p:notesMasterIdLst>
-    <p:notesMasterId r:id="rId18"/>
+    <p:notesMasterId r:id="rId22"/>
   </p:notesMasterIdLst>
   <p:sldIdLst>
     <p:sldId id="258" r:id="rId2"/>
@@ -23,7 +23,11 @@
     <p:sldId id="303" r:id="rId14"/>
     <p:sldId id="304" r:id="rId15"/>
     <p:sldId id="305" r:id="rId16"/>
-    <p:sldId id="275" r:id="rId17"/>
+    <p:sldId id="306" r:id="rId17"/>
+    <p:sldId id="307" r:id="rId18"/>
+    <p:sldId id="308" r:id="rId19"/>
+    <p:sldId id="309" r:id="rId20"/>
+    <p:sldId id="275" r:id="rId21"/>
   </p:sldIdLst>
   <p:sldSz cx="9144000" cy="6858000" type="screen4x3"/>
   <p:notesSz cx="6858000" cy="9144000"/>
@@ -212,7 +216,7 @@
           <a:p>
             <a:fld id="{A9D6DECA-6E4E-4D09-9277-E151A2E3F74C}" type="datetimeFigureOut">
               <a:rPr lang="ko-KR" altLang="en-US" smtClean="0"/>
-              <a:t>2018-03-15</a:t>
+              <a:t>2018-03-16</a:t>
             </a:fld>
             <a:endParaRPr lang="ko-KR" altLang="en-US"/>
           </a:p>
@@ -1142,7 +1146,259 @@
     </p:spTree>
     <p:extLst>
       <p:ext uri="{BB962C8B-B14F-4D97-AF65-F5344CB8AC3E}">
-        <p14:creationId xmlns:p14="http://schemas.microsoft.com/office/powerpoint/2010/main" val="1671263539"/>
+        <p14:creationId xmlns:p14="http://schemas.microsoft.com/office/powerpoint/2010/main" val="2753642891"/>
+      </p:ext>
+    </p:extLst>
+  </p:cSld>
+  <p:clrMapOvr>
+    <a:masterClrMapping/>
+  </p:clrMapOvr>
+</p:notes>
+</file>
+
+<file path=ppt/notesSlides/notesSlide17.xml><?xml version="1.0" encoding="utf-8"?>
+<p:notes xmlns:a="http://schemas.openxmlformats.org/drawingml/2006/main" xmlns:r="http://schemas.openxmlformats.org/officeDocument/2006/relationships" xmlns:p="http://schemas.openxmlformats.org/presentationml/2006/main">
+  <p:cSld>
+    <p:spTree>
+      <p:nvGrpSpPr>
+        <p:cNvPr id="1" name=""/>
+        <p:cNvGrpSpPr/>
+        <p:nvPr/>
+      </p:nvGrpSpPr>
+      <p:grpSpPr>
+        <a:xfrm>
+          <a:off x="0" y="0"/>
+          <a:ext cx="0" cy="0"/>
+          <a:chOff x="0" y="0"/>
+          <a:chExt cx="0" cy="0"/>
+        </a:xfrm>
+      </p:grpSpPr>
+      <p:sp>
+        <p:nvSpPr>
+          <p:cNvPr id="2" name="슬라이드 이미지 개체 틀 1"/>
+          <p:cNvSpPr>
+            <a:spLocks noGrp="1" noRot="1" noChangeAspect="1"/>
+          </p:cNvSpPr>
+          <p:nvPr>
+            <p:ph type="sldImg"/>
+          </p:nvPr>
+        </p:nvSpPr>
+        <p:spPr/>
+      </p:sp>
+      <p:sp>
+        <p:nvSpPr>
+          <p:cNvPr id="3" name="슬라이드 노트 개체 틀 2"/>
+          <p:cNvSpPr>
+            <a:spLocks noGrp="1"/>
+          </p:cNvSpPr>
+          <p:nvPr>
+            <p:ph type="body" idx="1"/>
+          </p:nvPr>
+        </p:nvSpPr>
+        <p:spPr/>
+        <p:txBody>
+          <a:bodyPr/>
+          <a:lstStyle/>
+          <a:p>
+            <a:endParaRPr lang="ko-KR" altLang="en-US"/>
+          </a:p>
+        </p:txBody>
+      </p:sp>
+      <p:sp>
+        <p:nvSpPr>
+          <p:cNvPr id="4" name="슬라이드 번호 개체 틀 3"/>
+          <p:cNvSpPr>
+            <a:spLocks noGrp="1"/>
+          </p:cNvSpPr>
+          <p:nvPr>
+            <p:ph type="sldNum" sz="quarter" idx="10"/>
+          </p:nvPr>
+        </p:nvSpPr>
+        <p:spPr/>
+        <p:txBody>
+          <a:bodyPr/>
+          <a:lstStyle/>
+          <a:p>
+            <a:fld id="{6D0ABE42-EEBB-47F0-BC6E-2BB25FA03CFE}" type="slidenum">
+              <a:rPr lang="ko-KR" altLang="en-US" smtClean="0"/>
+              <a:t>17</a:t>
+            </a:fld>
+            <a:endParaRPr lang="ko-KR" altLang="en-US"/>
+          </a:p>
+        </p:txBody>
+      </p:sp>
+    </p:spTree>
+    <p:extLst>
+      <p:ext uri="{BB962C8B-B14F-4D97-AF65-F5344CB8AC3E}">
+        <p14:creationId xmlns:p14="http://schemas.microsoft.com/office/powerpoint/2010/main" val="824040959"/>
+      </p:ext>
+    </p:extLst>
+  </p:cSld>
+  <p:clrMapOvr>
+    <a:masterClrMapping/>
+  </p:clrMapOvr>
+</p:notes>
+</file>
+
+<file path=ppt/notesSlides/notesSlide18.xml><?xml version="1.0" encoding="utf-8"?>
+<p:notes xmlns:a="http://schemas.openxmlformats.org/drawingml/2006/main" xmlns:r="http://schemas.openxmlformats.org/officeDocument/2006/relationships" xmlns:p="http://schemas.openxmlformats.org/presentationml/2006/main">
+  <p:cSld>
+    <p:spTree>
+      <p:nvGrpSpPr>
+        <p:cNvPr id="1" name=""/>
+        <p:cNvGrpSpPr/>
+        <p:nvPr/>
+      </p:nvGrpSpPr>
+      <p:grpSpPr>
+        <a:xfrm>
+          <a:off x="0" y="0"/>
+          <a:ext cx="0" cy="0"/>
+          <a:chOff x="0" y="0"/>
+          <a:chExt cx="0" cy="0"/>
+        </a:xfrm>
+      </p:grpSpPr>
+      <p:sp>
+        <p:nvSpPr>
+          <p:cNvPr id="2" name="슬라이드 이미지 개체 틀 1"/>
+          <p:cNvSpPr>
+            <a:spLocks noGrp="1" noRot="1" noChangeAspect="1"/>
+          </p:cNvSpPr>
+          <p:nvPr>
+            <p:ph type="sldImg"/>
+          </p:nvPr>
+        </p:nvSpPr>
+        <p:spPr/>
+      </p:sp>
+      <p:sp>
+        <p:nvSpPr>
+          <p:cNvPr id="3" name="슬라이드 노트 개체 틀 2"/>
+          <p:cNvSpPr>
+            <a:spLocks noGrp="1"/>
+          </p:cNvSpPr>
+          <p:nvPr>
+            <p:ph type="body" idx="1"/>
+          </p:nvPr>
+        </p:nvSpPr>
+        <p:spPr/>
+        <p:txBody>
+          <a:bodyPr/>
+          <a:lstStyle/>
+          <a:p>
+            <a:endParaRPr lang="ko-KR" altLang="en-US"/>
+          </a:p>
+        </p:txBody>
+      </p:sp>
+      <p:sp>
+        <p:nvSpPr>
+          <p:cNvPr id="4" name="슬라이드 번호 개체 틀 3"/>
+          <p:cNvSpPr>
+            <a:spLocks noGrp="1"/>
+          </p:cNvSpPr>
+          <p:nvPr>
+            <p:ph type="sldNum" sz="quarter" idx="10"/>
+          </p:nvPr>
+        </p:nvSpPr>
+        <p:spPr/>
+        <p:txBody>
+          <a:bodyPr/>
+          <a:lstStyle/>
+          <a:p>
+            <a:fld id="{6D0ABE42-EEBB-47F0-BC6E-2BB25FA03CFE}" type="slidenum">
+              <a:rPr lang="ko-KR" altLang="en-US" smtClean="0"/>
+              <a:t>18</a:t>
+            </a:fld>
+            <a:endParaRPr lang="ko-KR" altLang="en-US"/>
+          </a:p>
+        </p:txBody>
+      </p:sp>
+    </p:spTree>
+    <p:extLst>
+      <p:ext uri="{BB962C8B-B14F-4D97-AF65-F5344CB8AC3E}">
+        <p14:creationId xmlns:p14="http://schemas.microsoft.com/office/powerpoint/2010/main" val="2596513449"/>
+      </p:ext>
+    </p:extLst>
+  </p:cSld>
+  <p:clrMapOvr>
+    <a:masterClrMapping/>
+  </p:clrMapOvr>
+</p:notes>
+</file>
+
+<file path=ppt/notesSlides/notesSlide19.xml><?xml version="1.0" encoding="utf-8"?>
+<p:notes xmlns:a="http://schemas.openxmlformats.org/drawingml/2006/main" xmlns:r="http://schemas.openxmlformats.org/officeDocument/2006/relationships" xmlns:p="http://schemas.openxmlformats.org/presentationml/2006/main">
+  <p:cSld>
+    <p:spTree>
+      <p:nvGrpSpPr>
+        <p:cNvPr id="1" name=""/>
+        <p:cNvGrpSpPr/>
+        <p:nvPr/>
+      </p:nvGrpSpPr>
+      <p:grpSpPr>
+        <a:xfrm>
+          <a:off x="0" y="0"/>
+          <a:ext cx="0" cy="0"/>
+          <a:chOff x="0" y="0"/>
+          <a:chExt cx="0" cy="0"/>
+        </a:xfrm>
+      </p:grpSpPr>
+      <p:sp>
+        <p:nvSpPr>
+          <p:cNvPr id="2" name="슬라이드 이미지 개체 틀 1"/>
+          <p:cNvSpPr>
+            <a:spLocks noGrp="1" noRot="1" noChangeAspect="1"/>
+          </p:cNvSpPr>
+          <p:nvPr>
+            <p:ph type="sldImg"/>
+          </p:nvPr>
+        </p:nvSpPr>
+        <p:spPr/>
+      </p:sp>
+      <p:sp>
+        <p:nvSpPr>
+          <p:cNvPr id="3" name="슬라이드 노트 개체 틀 2"/>
+          <p:cNvSpPr>
+            <a:spLocks noGrp="1"/>
+          </p:cNvSpPr>
+          <p:nvPr>
+            <p:ph type="body" idx="1"/>
+          </p:nvPr>
+        </p:nvSpPr>
+        <p:spPr/>
+        <p:txBody>
+          <a:bodyPr/>
+          <a:lstStyle/>
+          <a:p>
+            <a:endParaRPr lang="ko-KR" altLang="en-US"/>
+          </a:p>
+        </p:txBody>
+      </p:sp>
+      <p:sp>
+        <p:nvSpPr>
+          <p:cNvPr id="4" name="슬라이드 번호 개체 틀 3"/>
+          <p:cNvSpPr>
+            <a:spLocks noGrp="1"/>
+          </p:cNvSpPr>
+          <p:nvPr>
+            <p:ph type="sldNum" sz="quarter" idx="10"/>
+          </p:nvPr>
+        </p:nvSpPr>
+        <p:spPr/>
+        <p:txBody>
+          <a:bodyPr/>
+          <a:lstStyle/>
+          <a:p>
+            <a:fld id="{6D0ABE42-EEBB-47F0-BC6E-2BB25FA03CFE}" type="slidenum">
+              <a:rPr lang="ko-KR" altLang="en-US" smtClean="0"/>
+              <a:t>19</a:t>
+            </a:fld>
+            <a:endParaRPr lang="ko-KR" altLang="en-US"/>
+          </a:p>
+        </p:txBody>
+      </p:sp>
+    </p:spTree>
+    <p:extLst>
+      <p:ext uri="{BB962C8B-B14F-4D97-AF65-F5344CB8AC3E}">
+        <p14:creationId xmlns:p14="http://schemas.microsoft.com/office/powerpoint/2010/main" val="2869276564"/>
       </p:ext>
     </p:extLst>
   </p:cSld>
@@ -1227,6 +1483,90 @@
     <p:extLst>
       <p:ext uri="{BB962C8B-B14F-4D97-AF65-F5344CB8AC3E}">
         <p14:creationId xmlns:p14="http://schemas.microsoft.com/office/powerpoint/2010/main" val="3753383617"/>
+      </p:ext>
+    </p:extLst>
+  </p:cSld>
+  <p:clrMapOvr>
+    <a:masterClrMapping/>
+  </p:clrMapOvr>
+</p:notes>
+</file>
+
+<file path=ppt/notesSlides/notesSlide20.xml><?xml version="1.0" encoding="utf-8"?>
+<p:notes xmlns:a="http://schemas.openxmlformats.org/drawingml/2006/main" xmlns:r="http://schemas.openxmlformats.org/officeDocument/2006/relationships" xmlns:p="http://schemas.openxmlformats.org/presentationml/2006/main">
+  <p:cSld>
+    <p:spTree>
+      <p:nvGrpSpPr>
+        <p:cNvPr id="1" name=""/>
+        <p:cNvGrpSpPr/>
+        <p:nvPr/>
+      </p:nvGrpSpPr>
+      <p:grpSpPr>
+        <a:xfrm>
+          <a:off x="0" y="0"/>
+          <a:ext cx="0" cy="0"/>
+          <a:chOff x="0" y="0"/>
+          <a:chExt cx="0" cy="0"/>
+        </a:xfrm>
+      </p:grpSpPr>
+      <p:sp>
+        <p:nvSpPr>
+          <p:cNvPr id="2" name="슬라이드 이미지 개체 틀 1"/>
+          <p:cNvSpPr>
+            <a:spLocks noGrp="1" noRot="1" noChangeAspect="1"/>
+          </p:cNvSpPr>
+          <p:nvPr>
+            <p:ph type="sldImg"/>
+          </p:nvPr>
+        </p:nvSpPr>
+        <p:spPr/>
+      </p:sp>
+      <p:sp>
+        <p:nvSpPr>
+          <p:cNvPr id="3" name="슬라이드 노트 개체 틀 2"/>
+          <p:cNvSpPr>
+            <a:spLocks noGrp="1"/>
+          </p:cNvSpPr>
+          <p:nvPr>
+            <p:ph type="body" idx="1"/>
+          </p:nvPr>
+        </p:nvSpPr>
+        <p:spPr/>
+        <p:txBody>
+          <a:bodyPr/>
+          <a:lstStyle/>
+          <a:p>
+            <a:endParaRPr lang="ko-KR" altLang="en-US"/>
+          </a:p>
+        </p:txBody>
+      </p:sp>
+      <p:sp>
+        <p:nvSpPr>
+          <p:cNvPr id="4" name="슬라이드 번호 개체 틀 3"/>
+          <p:cNvSpPr>
+            <a:spLocks noGrp="1"/>
+          </p:cNvSpPr>
+          <p:nvPr>
+            <p:ph type="sldNum" sz="quarter" idx="10"/>
+          </p:nvPr>
+        </p:nvSpPr>
+        <p:spPr/>
+        <p:txBody>
+          <a:bodyPr/>
+          <a:lstStyle/>
+          <a:p>
+            <a:fld id="{6D0ABE42-EEBB-47F0-BC6E-2BB25FA03CFE}" type="slidenum">
+              <a:rPr lang="ko-KR" altLang="en-US" smtClean="0"/>
+              <a:t>20</a:t>
+            </a:fld>
+            <a:endParaRPr lang="ko-KR" altLang="en-US"/>
+          </a:p>
+        </p:txBody>
+      </p:sp>
+    </p:spTree>
+    <p:extLst>
+      <p:ext uri="{BB962C8B-B14F-4D97-AF65-F5344CB8AC3E}">
+        <p14:creationId xmlns:p14="http://schemas.microsoft.com/office/powerpoint/2010/main" val="1671263539"/>
       </p:ext>
     </p:extLst>
   </p:cSld>
@@ -1955,7 +2295,7 @@
           <a:p>
             <a:fld id="{78E89258-A40F-4400-BA1A-638141289729}" type="datetime1">
               <a:rPr lang="ko-KR" altLang="en-US" smtClean="0"/>
-              <a:t>2018-03-15</a:t>
+              <a:t>2018-03-16</a:t>
             </a:fld>
             <a:endParaRPr lang="ko-KR" altLang="en-US"/>
           </a:p>
@@ -2132,7 +2472,7 @@
           <a:p>
             <a:fld id="{CD116CEF-802E-43F7-8932-78519DF2A264}" type="datetime1">
               <a:rPr lang="ko-KR" altLang="en-US" smtClean="0"/>
-              <a:t>2018-03-15</a:t>
+              <a:t>2018-03-16</a:t>
             </a:fld>
             <a:endParaRPr lang="ko-KR" altLang="en-US"/>
           </a:p>
@@ -2312,7 +2652,7 @@
           <a:p>
             <a:fld id="{EFD9D7C3-1982-427D-BFA7-1AF9687AAB0F}" type="datetime1">
               <a:rPr lang="ko-KR" altLang="en-US" smtClean="0"/>
-              <a:t>2018-03-15</a:t>
+              <a:t>2018-03-16</a:t>
             </a:fld>
             <a:endParaRPr lang="ko-KR" altLang="en-US"/>
           </a:p>
@@ -2482,7 +2822,7 @@
           <a:p>
             <a:fld id="{EDD93E7F-B437-40E5-8ACB-B79696783EFA}" type="datetime1">
               <a:rPr lang="ko-KR" altLang="en-US" smtClean="0"/>
-              <a:t>2018-03-15</a:t>
+              <a:t>2018-03-16</a:t>
             </a:fld>
             <a:endParaRPr lang="ko-KR" altLang="en-US"/>
           </a:p>
@@ -2726,7 +3066,7 @@
           <a:p>
             <a:fld id="{DB249950-0BD4-4F6E-BE3F-CB53B7E2FD06}" type="datetime1">
               <a:rPr lang="ko-KR" altLang="en-US" smtClean="0"/>
-              <a:t>2018-03-15</a:t>
+              <a:t>2018-03-16</a:t>
             </a:fld>
             <a:endParaRPr lang="ko-KR" altLang="en-US"/>
           </a:p>
@@ -2958,7 +3298,7 @@
           <a:p>
             <a:fld id="{7B016D7E-32C0-4DB3-B6B3-0506A62840FB}" type="datetime1">
               <a:rPr lang="ko-KR" altLang="en-US" smtClean="0"/>
-              <a:t>2018-03-15</a:t>
+              <a:t>2018-03-16</a:t>
             </a:fld>
             <a:endParaRPr lang="ko-KR" altLang="en-US"/>
           </a:p>
@@ -3325,7 +3665,7 @@
           <a:p>
             <a:fld id="{B246672D-B3FD-4B2E-92C0-4A80DA670927}" type="datetime1">
               <a:rPr lang="ko-KR" altLang="en-US" smtClean="0"/>
-              <a:t>2018-03-15</a:t>
+              <a:t>2018-03-16</a:t>
             </a:fld>
             <a:endParaRPr lang="ko-KR" altLang="en-US"/>
           </a:p>
@@ -3443,7 +3783,7 @@
           <a:p>
             <a:fld id="{9B9B7D2E-B202-4D7A-9519-0C490A04EB9C}" type="datetime1">
               <a:rPr lang="ko-KR" altLang="en-US" smtClean="0"/>
-              <a:t>2018-03-15</a:t>
+              <a:t>2018-03-16</a:t>
             </a:fld>
             <a:endParaRPr lang="ko-KR" altLang="en-US"/>
           </a:p>
@@ -3538,7 +3878,7 @@
           <a:p>
             <a:fld id="{12FB9327-987E-47D6-AE2D-63CED8A79494}" type="datetime1">
               <a:rPr lang="ko-KR" altLang="en-US" smtClean="0"/>
-              <a:t>2018-03-15</a:t>
+              <a:t>2018-03-16</a:t>
             </a:fld>
             <a:endParaRPr lang="ko-KR" altLang="en-US"/>
           </a:p>
@@ -3815,7 +4155,7 @@
           <a:p>
             <a:fld id="{D8D87011-7294-4632-A156-4F695AB9E41C}" type="datetime1">
               <a:rPr lang="ko-KR" altLang="en-US" smtClean="0"/>
-              <a:t>2018-03-15</a:t>
+              <a:t>2018-03-16</a:t>
             </a:fld>
             <a:endParaRPr lang="ko-KR" altLang="en-US"/>
           </a:p>
@@ -4072,7 +4412,7 @@
           <a:p>
             <a:fld id="{1BDC7FDB-72DE-4D65-AF4F-510496DAF70F}" type="datetime1">
               <a:rPr lang="ko-KR" altLang="en-US" smtClean="0"/>
-              <a:t>2018-03-15</a:t>
+              <a:t>2018-03-16</a:t>
             </a:fld>
             <a:endParaRPr lang="ko-KR" altLang="en-US"/>
           </a:p>
@@ -4285,7 +4625,7 @@
           <a:p>
             <a:fld id="{9A286DBF-DB43-470A-A903-26374CB6EF47}" type="datetime1">
               <a:rPr lang="ko-KR" altLang="en-US" smtClean="0"/>
-              <a:t>2018-03-15</a:t>
+              <a:t>2018-03-16</a:t>
             </a:fld>
             <a:endParaRPr lang="ko-KR" altLang="en-US"/>
           </a:p>
@@ -4884,7 +5224,7 @@
           <a:p>
             <a:fld id="{32C03489-23FC-4021-B9AB-958EFB3C0FE7}" type="datetime1">
               <a:rPr lang="ko-KR" altLang="en-US" smtClean="0"/>
-              <a:t>2018-03-15</a:t>
+              <a:t>2018-03-16</a:t>
             </a:fld>
             <a:endParaRPr lang="ko-KR" altLang="en-US"/>
           </a:p>
@@ -5047,7 +5387,7 @@
           <a:p>
             <a:fld id="{7C8D4B38-891E-4F54-A70A-6E9745DD623C}" type="datetime1">
               <a:rPr lang="ko-KR" altLang="en-US" smtClean="0"/>
-              <a:t>2018-03-15</a:t>
+              <a:t>2018-03-16</a:t>
             </a:fld>
             <a:endParaRPr lang="ko-KR" altLang="en-US"/>
           </a:p>
@@ -5106,8 +5446,8 @@
           </a:p>
         </p:txBody>
       </p:sp>
-      <mc:AlternateContent xmlns:mc="http://schemas.openxmlformats.org/markup-compatibility/2006">
-        <mc:Choice xmlns:a14="http://schemas.microsoft.com/office/drawing/2010/main" Requires="a14">
+      <mc:AlternateContent xmlns:mc="http://schemas.openxmlformats.org/markup-compatibility/2006" xmlns:a14="http://schemas.microsoft.com/office/drawing/2010/main">
+        <mc:Choice Requires="a14">
           <p:sp>
             <p:nvSpPr>
               <p:cNvPr id="2" name="TextBox 1"/>
@@ -5130,6 +5470,7 @@
               </a:bodyPr>
               <a:lstStyle/>
               <a:p>
+                <a:pPr/>
                 <a14:m>
                   <m:oMathPara xmlns:m="http://schemas.openxmlformats.org/officeDocument/2006/math">
                     <m:oMathParaPr>
@@ -5469,7 +5810,7 @@
             </p:txBody>
           </p:sp>
         </mc:Choice>
-        <mc:Fallback>
+        <mc:Fallback xmlns="">
           <p:sp>
             <p:nvSpPr>
               <p:cNvPr id="2" name="TextBox 1"/>
@@ -5783,7 +6124,7 @@
           <a:p>
             <a:fld id="{F85A177F-6FD3-496B-8A9C-B332CA04E863}" type="datetime1">
               <a:rPr lang="ko-KR" altLang="en-US" smtClean="0"/>
-              <a:t>2018-03-15</a:t>
+              <a:t>2018-03-16</a:t>
             </a:fld>
             <a:endParaRPr lang="ko-KR" altLang="en-US"/>
           </a:p>
@@ -5917,12 +6258,6 @@
               </a:rPr>
               <a:t>.1 Amplitude</a:t>
             </a:r>
-            <a:endParaRPr lang="en-US" altLang="ko-KR" sz="2300" dirty="0" smtClean="0">
-              <a:solidFill>
-                <a:schemeClr val="bg1"/>
-              </a:solidFill>
-              <a:latin typeface="Arial" panose="020B0604020202020204" pitchFamily="34" charset="0"/>
-            </a:endParaRPr>
           </a:p>
         </p:txBody>
       </p:sp>
@@ -5943,7 +6278,7 @@
           <a:p>
             <a:fld id="{7C8D4B38-891E-4F54-A70A-6E9745DD623C}" type="datetime1">
               <a:rPr lang="ko-KR" altLang="en-US" smtClean="0"/>
-              <a:t>2018-03-15</a:t>
+              <a:t>2018-03-16</a:t>
             </a:fld>
             <a:endParaRPr lang="ko-KR" altLang="en-US"/>
           </a:p>
@@ -5995,20 +6330,12 @@
           <a:lstStyle/>
           <a:p>
             <a:r>
-              <a:rPr lang="en-US" altLang="ko-KR" dirty="0" err="1" smtClean="0">
-                <a:solidFill>
-                  <a:srgbClr val="3333FF"/>
-                </a:solidFill>
-              </a:rPr>
-              <a:t>Zeor</a:t>
-            </a:r>
-            <a:r>
               <a:rPr lang="en-US" altLang="ko-KR" dirty="0" smtClean="0">
                 <a:solidFill>
                   <a:srgbClr val="3333FF"/>
                 </a:solidFill>
               </a:rPr>
-              <a:t>-padding</a:t>
+              <a:t>Mechanical noise sources</a:t>
             </a:r>
             <a:endParaRPr lang="ko-KR" altLang="en-US" dirty="0">
               <a:solidFill>
@@ -6027,7 +6354,7 @@
         <p:spPr>
           <a:xfrm>
             <a:off x="628651" y="1153516"/>
-            <a:ext cx="7886700" cy="923330"/>
+            <a:ext cx="7886700" cy="646331"/>
           </a:xfrm>
           <a:prstGeom prst="rect">
             <a:avLst/>
@@ -6042,7 +6369,7 @@
           <a:p>
             <a:r>
               <a:rPr lang="en-US" altLang="ko-KR" dirty="0" smtClean="0"/>
-              <a:t> The frequency resolution of a time-domain spectroscopy may be improved by zero-padding. However the additional data points arising from a string of zeros carry no additional information</a:t>
+              <a:t>Vibrations, air currents in the beam paths, particulates in the air along the beam path, and thermal deformations.</a:t>
             </a:r>
             <a:endParaRPr lang="ko-KR" altLang="en-US" dirty="0"/>
           </a:p>
@@ -6057,7 +6384,7 @@
         <p:spPr>
           <a:xfrm>
             <a:off x="268165" y="6078224"/>
-            <a:ext cx="8607669" cy="253916"/>
+            <a:ext cx="8607669" cy="415498"/>
           </a:xfrm>
           <a:prstGeom prst="rect">
             <a:avLst/>
@@ -6071,43 +6398,1095 @@
           <a:lstStyle/>
           <a:p>
             <a:r>
+              <a:rPr lang="en-US" altLang="ko-KR" sz="1050" dirty="0" err="1">
+                <a:latin typeface="Times New Roman" panose="02020603050405020304" pitchFamily="18" charset="0"/>
+                <a:cs typeface="Times New Roman" panose="02020603050405020304" pitchFamily="18" charset="0"/>
+              </a:rPr>
+              <a:t>Hou</a:t>
+            </a:r>
+            <a:r>
               <a:rPr lang="en-US" altLang="ko-KR" sz="1050" dirty="0">
                 <a:latin typeface="Times New Roman" panose="02020603050405020304" pitchFamily="18" charset="0"/>
                 <a:cs typeface="Times New Roman" panose="02020603050405020304" pitchFamily="18" charset="0"/>
               </a:rPr>
-              <a:t>Hilbert, S. (</a:t>
-            </a:r>
-            <a:r>
-              <a:rPr lang="en-US" altLang="ko-KR" sz="1050" dirty="0" err="1">
+              <a:t>, L., W. Shi, and S. Chen, “Noise Analysis and Optimization of Terahertz Photoconductive Emitters,” </a:t>
+            </a:r>
+            <a:r>
+              <a:rPr lang="en-US" altLang="ko-KR" sz="1050" i="1" dirty="0">
                 <a:latin typeface="Times New Roman" panose="02020603050405020304" pitchFamily="18" charset="0"/>
                 <a:cs typeface="Times New Roman" panose="02020603050405020304" pitchFamily="18" charset="0"/>
               </a:rPr>
-              <a:t>n.d.</a:t>
+              <a:t>IEEE J. Selected Topics Quantum Electronics</a:t>
             </a:r>
             <a:r>
               <a:rPr lang="en-US" altLang="ko-KR" sz="1050" dirty="0">
                 <a:latin typeface="Times New Roman" panose="02020603050405020304" pitchFamily="18" charset="0"/>
                 <a:cs typeface="Times New Roman" panose="02020603050405020304" pitchFamily="18" charset="0"/>
               </a:rPr>
-              <a:t>). </a:t>
-            </a:r>
-            <a:r>
-              <a:rPr lang="en-US" altLang="ko-KR" sz="1050" i="1" dirty="0">
+              <a:t>, Vol. 19, </a:t>
+            </a:r>
+            <a:r>
+              <a:rPr lang="en-US" altLang="ko-KR" sz="1050" dirty="0" smtClean="0">
                 <a:latin typeface="Times New Roman" panose="02020603050405020304" pitchFamily="18" charset="0"/>
                 <a:cs typeface="Times New Roman" panose="02020603050405020304" pitchFamily="18" charset="0"/>
               </a:rPr>
-              <a:t>FFT Zero Padding</a:t>
-            </a:r>
-            <a:r>
-              <a:rPr lang="en-US" altLang="ko-KR" sz="1050" dirty="0">
-                <a:latin typeface="Times New Roman" panose="02020603050405020304" pitchFamily="18" charset="0"/>
-                <a:cs typeface="Times New Roman" panose="02020603050405020304" pitchFamily="18" charset="0"/>
-              </a:rPr>
-              <a:t>. Retrieved March 15, 2018, from http://www.bitweenie.com/listings/fft-zero-padding/</a:t>
-            </a:r>
-          </a:p>
-        </p:txBody>
-      </p:sp>
+              <a:t>2013.</a:t>
+            </a:r>
+            <a:endParaRPr lang="en-US" altLang="ko-KR" sz="1050" dirty="0">
+              <a:latin typeface="Times New Roman" panose="02020603050405020304" pitchFamily="18" charset="0"/>
+              <a:cs typeface="Times New Roman" panose="02020603050405020304" pitchFamily="18" charset="0"/>
+            </a:endParaRPr>
+          </a:p>
+        </p:txBody>
+      </p:sp>
+      <p:sp>
+        <p:nvSpPr>
+          <p:cNvPr id="8" name="TextBox 7"/>
+          <p:cNvSpPr txBox="1"/>
+          <p:nvPr/>
+        </p:nvSpPr>
+        <p:spPr>
+          <a:xfrm>
+            <a:off x="628651" y="1877421"/>
+            <a:ext cx="2865988" cy="369332"/>
+          </a:xfrm>
+          <a:prstGeom prst="rect">
+            <a:avLst/>
+          </a:prstGeom>
+          <a:noFill/>
+        </p:spPr>
+        <p:txBody>
+          <a:bodyPr wrap="square" rtlCol="0">
+            <a:spAutoFit/>
+          </a:bodyPr>
+          <a:lstStyle/>
+          <a:p>
+            <a:r>
+              <a:rPr lang="en-US" altLang="ko-KR" dirty="0" smtClean="0">
+                <a:solidFill>
+                  <a:srgbClr val="3333FF"/>
+                </a:solidFill>
+              </a:rPr>
+              <a:t>Thermal noise</a:t>
+            </a:r>
+            <a:endParaRPr lang="ko-KR" altLang="en-US" dirty="0">
+              <a:solidFill>
+                <a:srgbClr val="3333FF"/>
+              </a:solidFill>
+            </a:endParaRPr>
+          </a:p>
+        </p:txBody>
+      </p:sp>
+      <p:sp>
+        <p:nvSpPr>
+          <p:cNvPr id="12" name="TextBox 11"/>
+          <p:cNvSpPr txBox="1"/>
+          <p:nvPr/>
+        </p:nvSpPr>
+        <p:spPr>
+          <a:xfrm>
+            <a:off x="628651" y="2244650"/>
+            <a:ext cx="7886700" cy="646331"/>
+          </a:xfrm>
+          <a:prstGeom prst="rect">
+            <a:avLst/>
+          </a:prstGeom>
+          <a:noFill/>
+        </p:spPr>
+        <p:txBody>
+          <a:bodyPr wrap="square" rtlCol="0">
+            <a:spAutoFit/>
+          </a:bodyPr>
+          <a:lstStyle/>
+          <a:p>
+            <a:r>
+              <a:rPr lang="en-US" altLang="ko-KR" dirty="0"/>
+              <a:t>When the </a:t>
+            </a:r>
+            <a:r>
+              <a:rPr lang="en-US" altLang="ko-KR" dirty="0" err="1"/>
+              <a:t>photoexcited</a:t>
+            </a:r>
+            <a:r>
+              <a:rPr lang="en-US" altLang="ko-KR" dirty="0"/>
+              <a:t> carriers move </a:t>
+            </a:r>
+            <a:r>
+              <a:rPr lang="en-US" altLang="ko-KR" dirty="0" smtClean="0"/>
+              <a:t>across </a:t>
+            </a:r>
+            <a:r>
+              <a:rPr lang="en-US" altLang="ko-KR" dirty="0"/>
+              <a:t>the </a:t>
+            </a:r>
+            <a:r>
+              <a:rPr lang="en-US" altLang="ko-KR" dirty="0" smtClean="0"/>
+              <a:t>surface, the </a:t>
+            </a:r>
+            <a:r>
+              <a:rPr lang="en-US" altLang="ko-KR" dirty="0"/>
+              <a:t>thermal motion of carriers </a:t>
+            </a:r>
+            <a:r>
+              <a:rPr lang="en-US" altLang="ko-KR" dirty="0" smtClean="0"/>
+              <a:t>will cause </a:t>
+            </a:r>
+            <a:r>
+              <a:rPr lang="en-US" altLang="ko-KR" dirty="0"/>
+              <a:t>a fluctuation of electrodynamic potential across the </a:t>
+            </a:r>
+            <a:r>
+              <a:rPr lang="en-US" altLang="ko-KR" dirty="0" smtClean="0"/>
+              <a:t>PC antenna</a:t>
+            </a:r>
+            <a:r>
+              <a:rPr lang="en-US" altLang="ko-KR" dirty="0"/>
+              <a:t>.</a:t>
+            </a:r>
+            <a:endParaRPr lang="ko-KR" altLang="en-US" dirty="0"/>
+          </a:p>
+        </p:txBody>
+      </p:sp>
+      <p:pic>
+        <p:nvPicPr>
+          <p:cNvPr id="2" name="그림 1"/>
+          <p:cNvPicPr>
+            <a:picLocks noChangeAspect="1"/>
+          </p:cNvPicPr>
+          <p:nvPr/>
+        </p:nvPicPr>
+        <p:blipFill>
+          <a:blip r:embed="rId3"/>
+          <a:stretch>
+            <a:fillRect/>
+          </a:stretch>
+        </p:blipFill>
+        <p:spPr>
+          <a:xfrm>
+            <a:off x="6567821" y="2874397"/>
+            <a:ext cx="2308013" cy="1620000"/>
+          </a:xfrm>
+          <a:prstGeom prst="rect">
+            <a:avLst/>
+          </a:prstGeom>
+        </p:spPr>
+      </p:pic>
+      <p:sp>
+        <p:nvSpPr>
+          <p:cNvPr id="13" name="TextBox 12"/>
+          <p:cNvSpPr txBox="1"/>
+          <p:nvPr/>
+        </p:nvSpPr>
+        <p:spPr>
+          <a:xfrm>
+            <a:off x="628651" y="4020752"/>
+            <a:ext cx="3345472" cy="369332"/>
+          </a:xfrm>
+          <a:prstGeom prst="rect">
+            <a:avLst/>
+          </a:prstGeom>
+          <a:noFill/>
+        </p:spPr>
+        <p:txBody>
+          <a:bodyPr wrap="square" rtlCol="0">
+            <a:spAutoFit/>
+          </a:bodyPr>
+          <a:lstStyle/>
+          <a:p>
+            <a:r>
+              <a:rPr lang="en-US" altLang="ko-KR" dirty="0" err="1" smtClean="0">
+                <a:solidFill>
+                  <a:srgbClr val="3333FF"/>
+                </a:solidFill>
+              </a:rPr>
+              <a:t>Genration</a:t>
+            </a:r>
+            <a:r>
+              <a:rPr lang="en-US" altLang="ko-KR" dirty="0" smtClean="0">
+                <a:solidFill>
+                  <a:srgbClr val="3333FF"/>
+                </a:solidFill>
+              </a:rPr>
+              <a:t>-recombination noise</a:t>
+            </a:r>
+            <a:endParaRPr lang="ko-KR" altLang="en-US" dirty="0">
+              <a:solidFill>
+                <a:srgbClr val="3333FF"/>
+              </a:solidFill>
+            </a:endParaRPr>
+          </a:p>
+        </p:txBody>
+      </p:sp>
+      <p:sp>
+        <p:nvSpPr>
+          <p:cNvPr id="14" name="TextBox 13"/>
+          <p:cNvSpPr txBox="1"/>
+          <p:nvPr/>
+        </p:nvSpPr>
+        <p:spPr>
+          <a:xfrm>
+            <a:off x="628651" y="4387981"/>
+            <a:ext cx="7886700" cy="369332"/>
+          </a:xfrm>
+          <a:prstGeom prst="rect">
+            <a:avLst/>
+          </a:prstGeom>
+          <a:noFill/>
+        </p:spPr>
+        <p:txBody>
+          <a:bodyPr wrap="square" rtlCol="0">
+            <a:spAutoFit/>
+          </a:bodyPr>
+          <a:lstStyle/>
+          <a:p>
+            <a:r>
+              <a:rPr lang="en-US" altLang="ko-KR" dirty="0"/>
+              <a:t>The fluctuation of carriers can be described as</a:t>
+            </a:r>
+            <a:endParaRPr lang="ko-KR" altLang="en-US" dirty="0"/>
+          </a:p>
+        </p:txBody>
+      </p:sp>
+      <mc:AlternateContent xmlns:mc="http://schemas.openxmlformats.org/markup-compatibility/2006">
+        <mc:Choice xmlns:a14="http://schemas.microsoft.com/office/drawing/2010/main" Requires="a14">
+          <p:sp>
+            <p:nvSpPr>
+              <p:cNvPr id="3" name="TextBox 2"/>
+              <p:cNvSpPr txBox="1"/>
+              <p:nvPr/>
+            </p:nvSpPr>
+            <p:spPr>
+              <a:xfrm>
+                <a:off x="3574642" y="3215578"/>
+                <a:ext cx="1994713" cy="530530"/>
+              </a:xfrm>
+              <a:prstGeom prst="rect">
+                <a:avLst/>
+              </a:prstGeom>
+              <a:noFill/>
+            </p:spPr>
+            <p:txBody>
+              <a:bodyPr wrap="none" lIns="0" tIns="0" rIns="0" bIns="0" rtlCol="0">
+                <a:spAutoFit/>
+              </a:bodyPr>
+              <a:lstStyle/>
+              <a:p>
+                <a14:m>
+                  <m:oMathPara xmlns:m="http://schemas.openxmlformats.org/officeDocument/2006/math">
+                    <m:oMathParaPr>
+                      <m:jc m:val="centerGroup"/>
+                    </m:oMathParaPr>
+                    <m:oMath xmlns:m="http://schemas.openxmlformats.org/officeDocument/2006/math">
+                      <m:sSub>
+                        <m:sSubPr>
+                          <m:ctrlPr>
+                            <a:rPr lang="en-US" altLang="ko-KR" b="0" i="1" smtClean="0">
+                              <a:latin typeface="Cambria Math" panose="02040503050406030204" pitchFamily="18" charset="0"/>
+                            </a:rPr>
+                          </m:ctrlPr>
+                        </m:sSubPr>
+                        <m:e>
+                          <m:r>
+                            <a:rPr lang="en-US" altLang="ko-KR" b="0" i="1" smtClean="0">
+                              <a:latin typeface="Cambria Math" panose="02040503050406030204" pitchFamily="18" charset="0"/>
+                            </a:rPr>
+                            <m:t>𝑆</m:t>
+                          </m:r>
+                        </m:e>
+                        <m:sub>
+                          <m:r>
+                            <a:rPr lang="en-US" altLang="ko-KR" b="0" i="1" smtClean="0">
+                              <a:latin typeface="Cambria Math" panose="02040503050406030204" pitchFamily="18" charset="0"/>
+                            </a:rPr>
+                            <m:t>𝑇</m:t>
+                          </m:r>
+                        </m:sub>
+                      </m:sSub>
+                      <m:d>
+                        <m:dPr>
+                          <m:ctrlPr>
+                            <a:rPr lang="en-US" altLang="ko-KR" b="0" i="1" smtClean="0">
+                              <a:latin typeface="Cambria Math" panose="02040503050406030204" pitchFamily="18" charset="0"/>
+                            </a:rPr>
+                          </m:ctrlPr>
+                        </m:dPr>
+                        <m:e>
+                          <m:r>
+                            <a:rPr lang="en-US" altLang="ko-KR" b="0" i="1" smtClean="0">
+                              <a:latin typeface="Cambria Math" panose="02040503050406030204" pitchFamily="18" charset="0"/>
+                            </a:rPr>
+                            <m:t>𝜔</m:t>
+                          </m:r>
+                        </m:e>
+                      </m:d>
+                      <m:r>
+                        <a:rPr lang="en-US" altLang="ko-KR" b="0" i="1" smtClean="0">
+                          <a:latin typeface="Cambria Math" panose="02040503050406030204" pitchFamily="18" charset="0"/>
+                        </a:rPr>
+                        <m:t>=</m:t>
+                      </m:r>
+                      <m:f>
+                        <m:fPr>
+                          <m:ctrlPr>
+                            <a:rPr lang="en-US" altLang="ko-KR" b="0" i="1" smtClean="0">
+                              <a:latin typeface="Cambria Math" panose="02040503050406030204" pitchFamily="18" charset="0"/>
+                            </a:rPr>
+                          </m:ctrlPr>
+                        </m:fPr>
+                        <m:num>
+                          <m:r>
+                            <a:rPr lang="en-US" altLang="ko-KR" b="0" i="1" smtClean="0">
+                              <a:latin typeface="Cambria Math" panose="02040503050406030204" pitchFamily="18" charset="0"/>
+                            </a:rPr>
+                            <m:t>4</m:t>
+                          </m:r>
+                          <m:r>
+                            <a:rPr lang="en-US" altLang="ko-KR" b="0" i="1" smtClean="0">
+                              <a:latin typeface="Cambria Math" panose="02040503050406030204" pitchFamily="18" charset="0"/>
+                            </a:rPr>
+                            <m:t>𝑘𝑇𝑅</m:t>
+                          </m:r>
+                        </m:num>
+                        <m:den>
+                          <m:sSup>
+                            <m:sSupPr>
+                              <m:ctrlPr>
+                                <a:rPr lang="en-US" altLang="ko-KR" b="0" i="1" smtClean="0">
+                                  <a:latin typeface="Cambria Math" panose="02040503050406030204" pitchFamily="18" charset="0"/>
+                                </a:rPr>
+                              </m:ctrlPr>
+                            </m:sSupPr>
+                            <m:e>
+                              <m:r>
+                                <a:rPr lang="en-US" altLang="ko-KR" b="0" i="1" smtClean="0">
+                                  <a:latin typeface="Cambria Math" panose="02040503050406030204" pitchFamily="18" charset="0"/>
+                                </a:rPr>
+                                <m:t>𝑅</m:t>
+                              </m:r>
+                            </m:e>
+                            <m:sup>
+                              <m:r>
+                                <a:rPr lang="en-US" altLang="ko-KR" b="0" i="1" smtClean="0">
+                                  <a:latin typeface="Cambria Math" panose="02040503050406030204" pitchFamily="18" charset="0"/>
+                                </a:rPr>
+                                <m:t>2</m:t>
+                              </m:r>
+                            </m:sup>
+                          </m:sSup>
+                          <m:r>
+                            <a:rPr lang="en-US" altLang="ko-KR" b="0" i="1" smtClean="0">
+                              <a:latin typeface="Cambria Math" panose="02040503050406030204" pitchFamily="18" charset="0"/>
+                            </a:rPr>
+                            <m:t>+</m:t>
+                          </m:r>
+                          <m:sSup>
+                            <m:sSupPr>
+                              <m:ctrlPr>
+                                <a:rPr lang="en-US" altLang="ko-KR" b="0" i="1" smtClean="0">
+                                  <a:latin typeface="Cambria Math" panose="02040503050406030204" pitchFamily="18" charset="0"/>
+                                </a:rPr>
+                              </m:ctrlPr>
+                            </m:sSupPr>
+                            <m:e>
+                              <m:r>
+                                <a:rPr lang="en-US" altLang="ko-KR" b="0" i="1" smtClean="0">
+                                  <a:latin typeface="Cambria Math" panose="02040503050406030204" pitchFamily="18" charset="0"/>
+                                </a:rPr>
+                                <m:t>𝜔</m:t>
+                              </m:r>
+                            </m:e>
+                            <m:sup>
+                              <m:r>
+                                <a:rPr lang="en-US" altLang="ko-KR" b="0" i="1" smtClean="0">
+                                  <a:latin typeface="Cambria Math" panose="02040503050406030204" pitchFamily="18" charset="0"/>
+                                </a:rPr>
+                                <m:t>2</m:t>
+                              </m:r>
+                            </m:sup>
+                          </m:sSup>
+                          <m:sSup>
+                            <m:sSupPr>
+                              <m:ctrlPr>
+                                <a:rPr lang="en-US" altLang="ko-KR" b="0" i="1" smtClean="0">
+                                  <a:latin typeface="Cambria Math" panose="02040503050406030204" pitchFamily="18" charset="0"/>
+                                </a:rPr>
+                              </m:ctrlPr>
+                            </m:sSupPr>
+                            <m:e>
+                              <m:r>
+                                <a:rPr lang="en-US" altLang="ko-KR" b="0" i="1" smtClean="0">
+                                  <a:latin typeface="Cambria Math" panose="02040503050406030204" pitchFamily="18" charset="0"/>
+                                </a:rPr>
+                                <m:t>𝐿</m:t>
+                              </m:r>
+                            </m:e>
+                            <m:sup>
+                              <m:r>
+                                <a:rPr lang="en-US" altLang="ko-KR" b="0" i="1" smtClean="0">
+                                  <a:latin typeface="Cambria Math" panose="02040503050406030204" pitchFamily="18" charset="0"/>
+                                </a:rPr>
+                                <m:t>2</m:t>
+                              </m:r>
+                            </m:sup>
+                          </m:sSup>
+                        </m:den>
+                      </m:f>
+                    </m:oMath>
+                  </m:oMathPara>
+                </a14:m>
+                <a:endParaRPr lang="ko-KR" altLang="en-US" dirty="0"/>
+              </a:p>
+            </p:txBody>
+          </p:sp>
+        </mc:Choice>
+        <mc:Fallback>
+          <p:sp>
+            <p:nvSpPr>
+              <p:cNvPr id="3" name="TextBox 2"/>
+              <p:cNvSpPr txBox="1">
+                <a:spLocks noRot="1" noChangeAspect="1" noMove="1" noResize="1" noEditPoints="1" noAdjustHandles="1" noChangeArrowheads="1" noChangeShapeType="1" noTextEdit="1"/>
+              </p:cNvSpPr>
+              <p:nvPr/>
+            </p:nvSpPr>
+            <p:spPr>
+              <a:xfrm>
+                <a:off x="3574642" y="3215578"/>
+                <a:ext cx="1994713" cy="530530"/>
+              </a:xfrm>
+              <a:prstGeom prst="rect">
+                <a:avLst/>
+              </a:prstGeom>
+              <a:blipFill rotWithShape="0">
+                <a:blip r:embed="rId4"/>
+                <a:stretch>
+                  <a:fillRect/>
+                </a:stretch>
+              </a:blipFill>
+            </p:spPr>
+            <p:txBody>
+              <a:bodyPr/>
+              <a:lstStyle/>
+              <a:p>
+                <a:r>
+                  <a:rPr lang="ko-KR" altLang="en-US">
+                    <a:noFill/>
+                  </a:rPr>
+                  <a:t> </a:t>
+                </a:r>
+              </a:p>
+            </p:txBody>
+          </p:sp>
+        </mc:Fallback>
+      </mc:AlternateContent>
+      <p:pic>
+        <p:nvPicPr>
+          <p:cNvPr id="4" name="그림 3"/>
+          <p:cNvPicPr>
+            <a:picLocks noChangeAspect="1"/>
+          </p:cNvPicPr>
+          <p:nvPr/>
+        </p:nvPicPr>
+        <p:blipFill>
+          <a:blip r:embed="rId5"/>
+          <a:stretch>
+            <a:fillRect/>
+          </a:stretch>
+        </p:blipFill>
+        <p:spPr>
+          <a:xfrm>
+            <a:off x="6528142" y="4494397"/>
+            <a:ext cx="2387369" cy="1620000"/>
+          </a:xfrm>
+          <a:prstGeom prst="rect">
+            <a:avLst/>
+          </a:prstGeom>
+        </p:spPr>
+      </p:pic>
+      <mc:AlternateContent xmlns:mc="http://schemas.openxmlformats.org/markup-compatibility/2006">
+        <mc:Choice xmlns:a14="http://schemas.microsoft.com/office/drawing/2010/main" Requires="a14">
+          <p:sp>
+            <p:nvSpPr>
+              <p:cNvPr id="7" name="TextBox 6"/>
+              <p:cNvSpPr txBox="1"/>
+              <p:nvPr/>
+            </p:nvSpPr>
+            <p:spPr>
+              <a:xfrm>
+                <a:off x="800170" y="4967469"/>
+                <a:ext cx="2069990" cy="525978"/>
+              </a:xfrm>
+              <a:prstGeom prst="rect">
+                <a:avLst/>
+              </a:prstGeom>
+              <a:noFill/>
+            </p:spPr>
+            <p:txBody>
+              <a:bodyPr wrap="none" lIns="0" tIns="0" rIns="0" bIns="0" rtlCol="0">
+                <a:spAutoFit/>
+              </a:bodyPr>
+              <a:lstStyle/>
+              <a:p>
+                <a14:m>
+                  <m:oMathPara xmlns:m="http://schemas.openxmlformats.org/officeDocument/2006/math">
+                    <m:oMathParaPr>
+                      <m:jc m:val="centerGroup"/>
+                    </m:oMathParaPr>
+                    <m:oMath xmlns:m="http://schemas.openxmlformats.org/officeDocument/2006/math">
+                      <m:f>
+                        <m:fPr>
+                          <m:ctrlPr>
+                            <a:rPr lang="en-US" altLang="ko-KR" b="0" i="1" smtClean="0">
+                              <a:latin typeface="Cambria Math" panose="02040503050406030204" pitchFamily="18" charset="0"/>
+                            </a:rPr>
+                          </m:ctrlPr>
+                        </m:fPr>
+                        <m:num>
+                          <m:r>
+                            <a:rPr lang="en-US" altLang="ko-KR" b="0" i="1" smtClean="0">
+                              <a:latin typeface="Cambria Math" panose="02040503050406030204" pitchFamily="18" charset="0"/>
+                            </a:rPr>
+                            <m:t>𝑑</m:t>
+                          </m:r>
+                          <m:r>
+                            <a:rPr lang="en-US" altLang="ko-KR" b="0" i="1" smtClean="0">
+                              <a:latin typeface="Cambria Math" panose="02040503050406030204" pitchFamily="18" charset="0"/>
+                              <a:ea typeface="Cambria Math" panose="02040503050406030204" pitchFamily="18" charset="0"/>
+                            </a:rPr>
+                            <m:t>∆</m:t>
+                          </m:r>
+                          <m:r>
+                            <a:rPr lang="en-US" altLang="ko-KR" b="0" i="1" smtClean="0">
+                              <a:latin typeface="Cambria Math" panose="02040503050406030204" pitchFamily="18" charset="0"/>
+                              <a:ea typeface="Cambria Math" panose="02040503050406030204" pitchFamily="18" charset="0"/>
+                            </a:rPr>
+                            <m:t>𝑁</m:t>
+                          </m:r>
+                        </m:num>
+                        <m:den>
+                          <m:r>
+                            <a:rPr lang="en-US" altLang="ko-KR" b="0" i="1" smtClean="0">
+                              <a:latin typeface="Cambria Math" panose="02040503050406030204" pitchFamily="18" charset="0"/>
+                            </a:rPr>
+                            <m:t>𝑑𝑡</m:t>
+                          </m:r>
+                        </m:den>
+                      </m:f>
+                      <m:r>
+                        <a:rPr lang="en-US" altLang="ko-KR" b="0" i="1" smtClean="0">
+                          <a:latin typeface="Cambria Math" panose="02040503050406030204" pitchFamily="18" charset="0"/>
+                        </a:rPr>
+                        <m:t>=−</m:t>
+                      </m:r>
+                      <m:f>
+                        <m:fPr>
+                          <m:ctrlPr>
+                            <a:rPr lang="en-US" altLang="ko-KR" b="0" i="1" smtClean="0">
+                              <a:latin typeface="Cambria Math" panose="02040503050406030204" pitchFamily="18" charset="0"/>
+                            </a:rPr>
+                          </m:ctrlPr>
+                        </m:fPr>
+                        <m:num>
+                          <m:r>
+                            <a:rPr lang="en-US" altLang="ko-KR" b="0" i="1" smtClean="0">
+                              <a:latin typeface="Cambria Math" panose="02040503050406030204" pitchFamily="18" charset="0"/>
+                              <a:ea typeface="Cambria Math" panose="02040503050406030204" pitchFamily="18" charset="0"/>
+                            </a:rPr>
+                            <m:t>∆</m:t>
+                          </m:r>
+                          <m:r>
+                            <a:rPr lang="en-US" altLang="ko-KR" b="0" i="1" smtClean="0">
+                              <a:latin typeface="Cambria Math" panose="02040503050406030204" pitchFamily="18" charset="0"/>
+                              <a:ea typeface="Cambria Math" panose="02040503050406030204" pitchFamily="18" charset="0"/>
+                            </a:rPr>
+                            <m:t>𝑁</m:t>
+                          </m:r>
+                        </m:num>
+                        <m:den>
+                          <m:r>
+                            <a:rPr lang="en-US" altLang="ko-KR" b="0" i="1" smtClean="0">
+                              <a:latin typeface="Cambria Math" panose="02040503050406030204" pitchFamily="18" charset="0"/>
+                            </a:rPr>
+                            <m:t>𝜏</m:t>
+                          </m:r>
+                        </m:den>
+                      </m:f>
+                      <m:r>
+                        <a:rPr lang="en-US" altLang="ko-KR" b="0" i="1" smtClean="0">
+                          <a:latin typeface="Cambria Math" panose="02040503050406030204" pitchFamily="18" charset="0"/>
+                        </a:rPr>
+                        <m:t>+</m:t>
+                      </m:r>
+                      <m:r>
+                        <a:rPr lang="en-US" altLang="ko-KR" b="0" i="1" smtClean="0">
+                          <a:latin typeface="Cambria Math" panose="02040503050406030204" pitchFamily="18" charset="0"/>
+                        </a:rPr>
+                        <m:t>𝐻</m:t>
+                      </m:r>
+                      <m:r>
+                        <a:rPr lang="en-US" altLang="ko-KR" b="0" i="1" smtClean="0">
+                          <a:latin typeface="Cambria Math" panose="02040503050406030204" pitchFamily="18" charset="0"/>
+                        </a:rPr>
+                        <m:t>(</m:t>
+                      </m:r>
+                      <m:r>
+                        <a:rPr lang="en-US" altLang="ko-KR" b="0" i="1" smtClean="0">
+                          <a:latin typeface="Cambria Math" panose="02040503050406030204" pitchFamily="18" charset="0"/>
+                        </a:rPr>
+                        <m:t>𝑡</m:t>
+                      </m:r>
+                      <m:r>
+                        <a:rPr lang="en-US" altLang="ko-KR" b="0" i="1" smtClean="0">
+                          <a:latin typeface="Cambria Math" panose="02040503050406030204" pitchFamily="18" charset="0"/>
+                        </a:rPr>
+                        <m:t>)</m:t>
+                      </m:r>
+                    </m:oMath>
+                  </m:oMathPara>
+                </a14:m>
+                <a:endParaRPr lang="ko-KR" altLang="en-US" dirty="0"/>
+              </a:p>
+            </p:txBody>
+          </p:sp>
+        </mc:Choice>
+        <mc:Fallback>
+          <p:sp>
+            <p:nvSpPr>
+              <p:cNvPr id="7" name="TextBox 6"/>
+              <p:cNvSpPr txBox="1">
+                <a:spLocks noRot="1" noChangeAspect="1" noMove="1" noResize="1" noEditPoints="1" noAdjustHandles="1" noChangeArrowheads="1" noChangeShapeType="1" noTextEdit="1"/>
+              </p:cNvSpPr>
+              <p:nvPr/>
+            </p:nvSpPr>
+            <p:spPr>
+              <a:xfrm>
+                <a:off x="800170" y="4967469"/>
+                <a:ext cx="2069990" cy="525978"/>
+              </a:xfrm>
+              <a:prstGeom prst="rect">
+                <a:avLst/>
+              </a:prstGeom>
+              <a:blipFill rotWithShape="0">
+                <a:blip r:embed="rId6"/>
+                <a:stretch>
+                  <a:fillRect/>
+                </a:stretch>
+              </a:blipFill>
+            </p:spPr>
+            <p:txBody>
+              <a:bodyPr/>
+              <a:lstStyle/>
+              <a:p>
+                <a:r>
+                  <a:rPr lang="ko-KR" altLang="en-US">
+                    <a:noFill/>
+                  </a:rPr>
+                  <a:t> </a:t>
+                </a:r>
+              </a:p>
+            </p:txBody>
+          </p:sp>
+        </mc:Fallback>
+      </mc:AlternateContent>
+      <mc:AlternateContent xmlns:mc="http://schemas.openxmlformats.org/markup-compatibility/2006">
+        <mc:Choice xmlns:a14="http://schemas.microsoft.com/office/drawing/2010/main" Requires="a14">
+          <p:sp>
+            <p:nvSpPr>
+              <p:cNvPr id="15" name="TextBox 14"/>
+              <p:cNvSpPr txBox="1"/>
+              <p:nvPr/>
+            </p:nvSpPr>
+            <p:spPr>
+              <a:xfrm>
+                <a:off x="3630522" y="4845981"/>
+                <a:ext cx="1882951" cy="560410"/>
+              </a:xfrm>
+              <a:prstGeom prst="rect">
+                <a:avLst/>
+              </a:prstGeom>
+              <a:noFill/>
+            </p:spPr>
+            <p:txBody>
+              <a:bodyPr wrap="none" lIns="0" tIns="0" rIns="0" bIns="0" rtlCol="0">
+                <a:spAutoFit/>
+              </a:bodyPr>
+              <a:lstStyle/>
+              <a:p>
+                <a14:m>
+                  <m:oMathPara xmlns:m="http://schemas.openxmlformats.org/officeDocument/2006/math">
+                    <m:oMathParaPr>
+                      <m:jc m:val="centerGroup"/>
+                    </m:oMathParaPr>
+                    <m:oMath xmlns:m="http://schemas.openxmlformats.org/officeDocument/2006/math">
+                      <m:sSub>
+                        <m:sSubPr>
+                          <m:ctrlPr>
+                            <a:rPr lang="en-US" altLang="ko-KR" b="0" i="1" smtClean="0">
+                              <a:latin typeface="Cambria Math" panose="02040503050406030204" pitchFamily="18" charset="0"/>
+                            </a:rPr>
+                          </m:ctrlPr>
+                        </m:sSubPr>
+                        <m:e>
+                          <m:r>
+                            <a:rPr lang="en-US" altLang="ko-KR" b="0" i="1" smtClean="0">
+                              <a:latin typeface="Cambria Math" panose="02040503050406030204" pitchFamily="18" charset="0"/>
+                            </a:rPr>
+                            <m:t>𝑆</m:t>
+                          </m:r>
+                        </m:e>
+                        <m:sub>
+                          <m:r>
+                            <a:rPr lang="en-US" altLang="ko-KR" b="0" i="1" smtClean="0">
+                              <a:latin typeface="Cambria Math" panose="02040503050406030204" pitchFamily="18" charset="0"/>
+                            </a:rPr>
+                            <m:t>𝑁</m:t>
+                          </m:r>
+                        </m:sub>
+                      </m:sSub>
+                      <m:d>
+                        <m:dPr>
+                          <m:ctrlPr>
+                            <a:rPr lang="en-US" altLang="ko-KR" b="0" i="1" smtClean="0">
+                              <a:latin typeface="Cambria Math" panose="02040503050406030204" pitchFamily="18" charset="0"/>
+                            </a:rPr>
+                          </m:ctrlPr>
+                        </m:dPr>
+                        <m:e>
+                          <m:r>
+                            <a:rPr lang="en-US" altLang="ko-KR" b="0" i="1" smtClean="0">
+                              <a:latin typeface="Cambria Math" panose="02040503050406030204" pitchFamily="18" charset="0"/>
+                            </a:rPr>
+                            <m:t>𝜔</m:t>
+                          </m:r>
+                        </m:e>
+                      </m:d>
+                      <m:r>
+                        <a:rPr lang="en-US" altLang="ko-KR" b="0" i="1" smtClean="0">
+                          <a:latin typeface="Cambria Math" panose="02040503050406030204" pitchFamily="18" charset="0"/>
+                        </a:rPr>
+                        <m:t>=</m:t>
+                      </m:r>
+                      <m:f>
+                        <m:fPr>
+                          <m:ctrlPr>
+                            <a:rPr lang="en-US" altLang="ko-KR" b="0" i="1" smtClean="0">
+                              <a:latin typeface="Cambria Math" panose="02040503050406030204" pitchFamily="18" charset="0"/>
+                            </a:rPr>
+                          </m:ctrlPr>
+                        </m:fPr>
+                        <m:num>
+                          <m:r>
+                            <a:rPr lang="en-US" altLang="ko-KR" b="0" i="1" smtClean="0">
+                              <a:latin typeface="Cambria Math" panose="02040503050406030204" pitchFamily="18" charset="0"/>
+                            </a:rPr>
+                            <m:t>4</m:t>
+                          </m:r>
+                          <m:sSub>
+                            <m:sSubPr>
+                              <m:ctrlPr>
+                                <a:rPr lang="en-US" altLang="ko-KR" b="0" i="1" smtClean="0">
+                                  <a:latin typeface="Cambria Math" panose="02040503050406030204" pitchFamily="18" charset="0"/>
+                                </a:rPr>
+                              </m:ctrlPr>
+                            </m:sSubPr>
+                            <m:e>
+                              <m:r>
+                                <a:rPr lang="en-US" altLang="ko-KR" b="0" i="1" smtClean="0">
+                                  <a:latin typeface="Cambria Math" panose="02040503050406030204" pitchFamily="18" charset="0"/>
+                                </a:rPr>
+                                <m:t>𝑔</m:t>
+                              </m:r>
+                            </m:e>
+                            <m:sub>
+                              <m:r>
+                                <a:rPr lang="en-US" altLang="ko-KR" b="0" i="1" smtClean="0">
+                                  <a:latin typeface="Cambria Math" panose="02040503050406030204" pitchFamily="18" charset="0"/>
+                                </a:rPr>
+                                <m:t>0</m:t>
+                              </m:r>
+                            </m:sub>
+                          </m:sSub>
+                          <m:sSup>
+                            <m:sSupPr>
+                              <m:ctrlPr>
+                                <a:rPr lang="en-US" altLang="ko-KR" b="0" i="1" smtClean="0">
+                                  <a:latin typeface="Cambria Math" panose="02040503050406030204" pitchFamily="18" charset="0"/>
+                                </a:rPr>
+                              </m:ctrlPr>
+                            </m:sSupPr>
+                            <m:e>
+                              <m:r>
+                                <a:rPr lang="en-US" altLang="ko-KR" b="0" i="1" smtClean="0">
+                                  <a:latin typeface="Cambria Math" panose="02040503050406030204" pitchFamily="18" charset="0"/>
+                                </a:rPr>
+                                <m:t>𝜏</m:t>
+                              </m:r>
+                            </m:e>
+                            <m:sup>
+                              <m:r>
+                                <a:rPr lang="en-US" altLang="ko-KR" b="0" i="1" smtClean="0">
+                                  <a:latin typeface="Cambria Math" panose="02040503050406030204" pitchFamily="18" charset="0"/>
+                                </a:rPr>
+                                <m:t>2</m:t>
+                              </m:r>
+                            </m:sup>
+                          </m:sSup>
+                        </m:num>
+                        <m:den>
+                          <m:r>
+                            <a:rPr lang="en-US" altLang="ko-KR" b="0" i="1" smtClean="0">
+                              <a:latin typeface="Cambria Math" panose="02040503050406030204" pitchFamily="18" charset="0"/>
+                            </a:rPr>
+                            <m:t>1+</m:t>
+                          </m:r>
+                          <m:sSup>
+                            <m:sSupPr>
+                              <m:ctrlPr>
+                                <a:rPr lang="en-US" altLang="ko-KR" b="0" i="1" smtClean="0">
+                                  <a:latin typeface="Cambria Math" panose="02040503050406030204" pitchFamily="18" charset="0"/>
+                                </a:rPr>
+                              </m:ctrlPr>
+                            </m:sSupPr>
+                            <m:e>
+                              <m:r>
+                                <a:rPr lang="en-US" altLang="ko-KR" b="0" i="1" smtClean="0">
+                                  <a:latin typeface="Cambria Math" panose="02040503050406030204" pitchFamily="18" charset="0"/>
+                                </a:rPr>
+                                <m:t>𝜔</m:t>
+                              </m:r>
+                            </m:e>
+                            <m:sup>
+                              <m:r>
+                                <a:rPr lang="en-US" altLang="ko-KR" b="0" i="1" smtClean="0">
+                                  <a:latin typeface="Cambria Math" panose="02040503050406030204" pitchFamily="18" charset="0"/>
+                                </a:rPr>
+                                <m:t>2</m:t>
+                              </m:r>
+                            </m:sup>
+                          </m:sSup>
+                          <m:sSup>
+                            <m:sSupPr>
+                              <m:ctrlPr>
+                                <a:rPr lang="en-US" altLang="ko-KR" b="0" i="1" smtClean="0">
+                                  <a:latin typeface="Cambria Math" panose="02040503050406030204" pitchFamily="18" charset="0"/>
+                                </a:rPr>
+                              </m:ctrlPr>
+                            </m:sSupPr>
+                            <m:e>
+                              <m:r>
+                                <a:rPr lang="en-US" altLang="ko-KR" b="0" i="1" smtClean="0">
+                                  <a:latin typeface="Cambria Math" panose="02040503050406030204" pitchFamily="18" charset="0"/>
+                                </a:rPr>
+                                <m:t>𝜏</m:t>
+                              </m:r>
+                            </m:e>
+                            <m:sup>
+                              <m:r>
+                                <a:rPr lang="en-US" altLang="ko-KR" b="0" i="1" smtClean="0">
+                                  <a:latin typeface="Cambria Math" panose="02040503050406030204" pitchFamily="18" charset="0"/>
+                                </a:rPr>
+                                <m:t>2</m:t>
+                              </m:r>
+                            </m:sup>
+                          </m:sSup>
+                        </m:den>
+                      </m:f>
+                    </m:oMath>
+                  </m:oMathPara>
+                </a14:m>
+                <a:endParaRPr lang="ko-KR" altLang="en-US" dirty="0"/>
+              </a:p>
+            </p:txBody>
+          </p:sp>
+        </mc:Choice>
+        <mc:Fallback>
+          <p:sp>
+            <p:nvSpPr>
+              <p:cNvPr id="15" name="TextBox 14"/>
+              <p:cNvSpPr txBox="1">
+                <a:spLocks noRot="1" noChangeAspect="1" noMove="1" noResize="1" noEditPoints="1" noAdjustHandles="1" noChangeArrowheads="1" noChangeShapeType="1" noTextEdit="1"/>
+              </p:cNvSpPr>
+              <p:nvPr/>
+            </p:nvSpPr>
+            <p:spPr>
+              <a:xfrm>
+                <a:off x="3630522" y="4845981"/>
+                <a:ext cx="1882951" cy="560410"/>
+              </a:xfrm>
+              <a:prstGeom prst="rect">
+                <a:avLst/>
+              </a:prstGeom>
+              <a:blipFill rotWithShape="0">
+                <a:blip r:embed="rId7"/>
+                <a:stretch>
+                  <a:fillRect/>
+                </a:stretch>
+              </a:blipFill>
+            </p:spPr>
+            <p:txBody>
+              <a:bodyPr/>
+              <a:lstStyle/>
+              <a:p>
+                <a:r>
+                  <a:rPr lang="ko-KR" altLang="en-US">
+                    <a:noFill/>
+                  </a:rPr>
+                  <a:t> </a:t>
+                </a:r>
+              </a:p>
+            </p:txBody>
+          </p:sp>
+        </mc:Fallback>
+      </mc:AlternateContent>
+      <mc:AlternateContent xmlns:mc="http://schemas.openxmlformats.org/markup-compatibility/2006">
+        <mc:Choice xmlns:a14="http://schemas.microsoft.com/office/drawing/2010/main" Requires="a14">
+          <p:sp>
+            <p:nvSpPr>
+              <p:cNvPr id="17" name="TextBox 16"/>
+              <p:cNvSpPr txBox="1"/>
+              <p:nvPr/>
+            </p:nvSpPr>
+            <p:spPr>
+              <a:xfrm>
+                <a:off x="800170" y="3198332"/>
+                <a:ext cx="1719638" cy="525913"/>
+              </a:xfrm>
+              <a:prstGeom prst="rect">
+                <a:avLst/>
+              </a:prstGeom>
+              <a:noFill/>
+            </p:spPr>
+            <p:txBody>
+              <a:bodyPr wrap="none" lIns="0" tIns="0" rIns="0" bIns="0" rtlCol="0">
+                <a:spAutoFit/>
+              </a:bodyPr>
+              <a:lstStyle/>
+              <a:p>
+                <a14:m>
+                  <m:oMathPara xmlns:m="http://schemas.openxmlformats.org/officeDocument/2006/math">
+                    <m:oMathParaPr>
+                      <m:jc m:val="centerGroup"/>
+                    </m:oMathParaPr>
+                    <m:oMath xmlns:m="http://schemas.openxmlformats.org/officeDocument/2006/math">
+                      <m:r>
+                        <a:rPr lang="en-US" altLang="ko-KR" b="0" i="1" smtClean="0">
+                          <a:latin typeface="Cambria Math" panose="02040503050406030204" pitchFamily="18" charset="0"/>
+                        </a:rPr>
+                        <m:t>𝐿</m:t>
+                      </m:r>
+                      <m:f>
+                        <m:fPr>
+                          <m:ctrlPr>
+                            <a:rPr lang="en-US" altLang="ko-KR" b="0" i="1" smtClean="0">
+                              <a:latin typeface="Cambria Math" panose="02040503050406030204" pitchFamily="18" charset="0"/>
+                            </a:rPr>
+                          </m:ctrlPr>
+                        </m:fPr>
+                        <m:num>
+                          <m:r>
+                            <a:rPr lang="en-US" altLang="ko-KR" b="0" i="1" smtClean="0">
+                              <a:latin typeface="Cambria Math" panose="02040503050406030204" pitchFamily="18" charset="0"/>
+                            </a:rPr>
+                            <m:t>𝑑𝑖</m:t>
+                          </m:r>
+                        </m:num>
+                        <m:den>
+                          <m:r>
+                            <a:rPr lang="en-US" altLang="ko-KR" b="0" i="1" smtClean="0">
+                              <a:latin typeface="Cambria Math" panose="02040503050406030204" pitchFamily="18" charset="0"/>
+                            </a:rPr>
+                            <m:t>𝑑𝑡</m:t>
+                          </m:r>
+                        </m:den>
+                      </m:f>
+                      <m:r>
+                        <a:rPr lang="en-US" altLang="ko-KR" b="0" i="1" smtClean="0">
+                          <a:latin typeface="Cambria Math" panose="02040503050406030204" pitchFamily="18" charset="0"/>
+                        </a:rPr>
+                        <m:t>+</m:t>
+                      </m:r>
+                      <m:r>
+                        <a:rPr lang="en-US" altLang="ko-KR" b="0" i="1" smtClean="0">
+                          <a:latin typeface="Cambria Math" panose="02040503050406030204" pitchFamily="18" charset="0"/>
+                        </a:rPr>
+                        <m:t>𝑅𝑖</m:t>
+                      </m:r>
+                      <m:r>
+                        <a:rPr lang="en-US" altLang="ko-KR" b="0" i="1" smtClean="0">
+                          <a:latin typeface="Cambria Math" panose="02040503050406030204" pitchFamily="18" charset="0"/>
+                        </a:rPr>
+                        <m:t>=</m:t>
+                      </m:r>
+                      <m:r>
+                        <a:rPr lang="en-US" altLang="ko-KR" b="0" i="1" smtClean="0">
+                          <a:latin typeface="Cambria Math" panose="02040503050406030204" pitchFamily="18" charset="0"/>
+                        </a:rPr>
+                        <m:t>𝐻</m:t>
+                      </m:r>
+                      <m:r>
+                        <a:rPr lang="en-US" altLang="ko-KR" b="0" i="1" smtClean="0">
+                          <a:latin typeface="Cambria Math" panose="02040503050406030204" pitchFamily="18" charset="0"/>
+                        </a:rPr>
+                        <m:t>(</m:t>
+                      </m:r>
+                      <m:r>
+                        <a:rPr lang="en-US" altLang="ko-KR" b="0" i="1" smtClean="0">
+                          <a:latin typeface="Cambria Math" panose="02040503050406030204" pitchFamily="18" charset="0"/>
+                        </a:rPr>
+                        <m:t>𝑡</m:t>
+                      </m:r>
+                      <m:r>
+                        <a:rPr lang="en-US" altLang="ko-KR" b="0" i="1" smtClean="0">
+                          <a:latin typeface="Cambria Math" panose="02040503050406030204" pitchFamily="18" charset="0"/>
+                        </a:rPr>
+                        <m:t>)</m:t>
+                      </m:r>
+                    </m:oMath>
+                  </m:oMathPara>
+                </a14:m>
+                <a:endParaRPr lang="ko-KR" altLang="en-US" dirty="0"/>
+              </a:p>
+            </p:txBody>
+          </p:sp>
+        </mc:Choice>
+        <mc:Fallback>
+          <p:sp>
+            <p:nvSpPr>
+              <p:cNvPr id="17" name="TextBox 16"/>
+              <p:cNvSpPr txBox="1">
+                <a:spLocks noRot="1" noChangeAspect="1" noMove="1" noResize="1" noEditPoints="1" noAdjustHandles="1" noChangeArrowheads="1" noChangeShapeType="1" noTextEdit="1"/>
+              </p:cNvSpPr>
+              <p:nvPr/>
+            </p:nvSpPr>
+            <p:spPr>
+              <a:xfrm>
+                <a:off x="800170" y="3198332"/>
+                <a:ext cx="1719638" cy="525913"/>
+              </a:xfrm>
+              <a:prstGeom prst="rect">
+                <a:avLst/>
+              </a:prstGeom>
+              <a:blipFill rotWithShape="0">
+                <a:blip r:embed="rId8"/>
+                <a:stretch>
+                  <a:fillRect/>
+                </a:stretch>
+              </a:blipFill>
+            </p:spPr>
+            <p:txBody>
+              <a:bodyPr/>
+              <a:lstStyle/>
+              <a:p>
+                <a:r>
+                  <a:rPr lang="ko-KR" altLang="en-US">
+                    <a:noFill/>
+                  </a:rPr>
+                  <a:t> </a:t>
+                </a:r>
+              </a:p>
+            </p:txBody>
+          </p:sp>
+        </mc:Fallback>
+      </mc:AlternateContent>
     </p:spTree>
     <p:extLst>
       <p:ext uri="{BB962C8B-B14F-4D97-AF65-F5344CB8AC3E}">
@@ -6202,23 +7581,8 @@
                 </a:solidFill>
                 <a:latin typeface="Arial" panose="020B0604020202020204" pitchFamily="34" charset="0"/>
               </a:rPr>
-              <a:t>4</a:t>
-            </a:r>
-            <a:r>
-              <a:rPr lang="en-US" altLang="ko-KR" sz="2300" dirty="0" smtClean="0">
-                <a:solidFill>
-                  <a:schemeClr val="bg1"/>
-                </a:solidFill>
-                <a:latin typeface="Arial" panose="020B0604020202020204" pitchFamily="34" charset="0"/>
-              </a:rPr>
-              <a:t>.2 Phase</a:t>
-            </a:r>
-            <a:endParaRPr lang="en-US" altLang="ko-KR" sz="2300" dirty="0" smtClean="0">
-              <a:solidFill>
-                <a:schemeClr val="bg1"/>
-              </a:solidFill>
-              <a:latin typeface="Arial" panose="020B0604020202020204" pitchFamily="34" charset="0"/>
-            </a:endParaRPr>
+              <a:t>4.2 Phase</a:t>
+            </a:r>
           </a:p>
         </p:txBody>
       </p:sp>
@@ -6239,7 +7603,7 @@
           <a:p>
             <a:fld id="{7C8D4B38-891E-4F54-A70A-6E9745DD623C}" type="datetime1">
               <a:rPr lang="ko-KR" altLang="en-US" smtClean="0"/>
-              <a:t>2018-03-15</a:t>
+              <a:t>2018-03-16</a:t>
             </a:fld>
             <a:endParaRPr lang="ko-KR" altLang="en-US"/>
           </a:p>
@@ -6291,20 +7655,12 @@
           <a:lstStyle/>
           <a:p>
             <a:r>
-              <a:rPr lang="en-US" altLang="ko-KR" dirty="0" err="1" smtClean="0">
-                <a:solidFill>
-                  <a:srgbClr val="3333FF"/>
-                </a:solidFill>
-              </a:rPr>
-              <a:t>Zeor</a:t>
-            </a:r>
-            <a:r>
               <a:rPr lang="en-US" altLang="ko-KR" dirty="0" smtClean="0">
                 <a:solidFill>
                   <a:srgbClr val="3333FF"/>
                 </a:solidFill>
               </a:rPr>
-              <a:t>-padding</a:t>
+              <a:t>Electronical noise</a:t>
             </a:r>
             <a:endParaRPr lang="ko-KR" altLang="en-US" dirty="0">
               <a:solidFill>
@@ -6323,7 +7679,7 @@
         <p:spPr>
           <a:xfrm>
             <a:off x="628651" y="1153516"/>
-            <a:ext cx="7886700" cy="923330"/>
+            <a:ext cx="7886700" cy="646331"/>
           </a:xfrm>
           <a:prstGeom prst="rect">
             <a:avLst/>
@@ -6336,9 +7692,27 @@
           </a:bodyPr>
           <a:lstStyle/>
           <a:p>
+            <a:pPr marL="285750" indent="-285750">
+              <a:buFont typeface="Arial" panose="020B0604020202020204" pitchFamily="34" charset="0"/>
+              <a:buChar char="•"/>
+            </a:pPr>
             <a:r>
               <a:rPr lang="en-US" altLang="ko-KR" dirty="0" smtClean="0"/>
-              <a:t> The frequency resolution of a time-domain spectroscopy may be improved by zero-padding. However the additional data points arising from a string of zeros carry no additional information</a:t>
+              <a:t>Phase Jitter</a:t>
+            </a:r>
+          </a:p>
+          <a:p>
+            <a:pPr marL="285750" indent="-285750">
+              <a:buFont typeface="Arial" panose="020B0604020202020204" pitchFamily="34" charset="0"/>
+              <a:buChar char="•"/>
+            </a:pPr>
+            <a:r>
+              <a:rPr lang="en-US" altLang="ko-KR" dirty="0" smtClean="0"/>
+              <a:t>Imperfect synchronicity between the terahertz signal and detector </a:t>
+            </a:r>
+            <a:r>
+              <a:rPr lang="en-US" altLang="ko-KR" dirty="0" err="1" smtClean="0"/>
+              <a:t>triggrting</a:t>
             </a:r>
             <a:endParaRPr lang="ko-KR" altLang="en-US" dirty="0"/>
           </a:p>
@@ -6346,14 +7720,14 @@
       </p:sp>
       <p:sp>
         <p:nvSpPr>
-          <p:cNvPr id="11" name="TextBox 10"/>
+          <p:cNvPr id="8" name="TextBox 7"/>
           <p:cNvSpPr txBox="1"/>
           <p:nvPr/>
         </p:nvSpPr>
         <p:spPr>
           <a:xfrm>
-            <a:off x="268165" y="6078224"/>
-            <a:ext cx="8607669" cy="253916"/>
+            <a:off x="628651" y="2034795"/>
+            <a:ext cx="2865988" cy="369332"/>
           </a:xfrm>
           <a:prstGeom prst="rect">
             <a:avLst/>
@@ -6367,40 +7741,62 @@
           <a:lstStyle/>
           <a:p>
             <a:r>
-              <a:rPr lang="en-US" altLang="ko-KR" sz="1050" dirty="0">
-                <a:latin typeface="Times New Roman" panose="02020603050405020304" pitchFamily="18" charset="0"/>
-                <a:cs typeface="Times New Roman" panose="02020603050405020304" pitchFamily="18" charset="0"/>
-              </a:rPr>
-              <a:t>Hilbert, S. (</a:t>
-            </a:r>
-            <a:r>
-              <a:rPr lang="en-US" altLang="ko-KR" sz="1050" dirty="0" err="1">
-                <a:latin typeface="Times New Roman" panose="02020603050405020304" pitchFamily="18" charset="0"/>
-                <a:cs typeface="Times New Roman" panose="02020603050405020304" pitchFamily="18" charset="0"/>
-              </a:rPr>
-              <a:t>n.d.</a:t>
-            </a:r>
-            <a:r>
-              <a:rPr lang="en-US" altLang="ko-KR" sz="1050" dirty="0">
-                <a:latin typeface="Times New Roman" panose="02020603050405020304" pitchFamily="18" charset="0"/>
-                <a:cs typeface="Times New Roman" panose="02020603050405020304" pitchFamily="18" charset="0"/>
-              </a:rPr>
-              <a:t>). </a:t>
-            </a:r>
-            <a:r>
-              <a:rPr lang="en-US" altLang="ko-KR" sz="1050" i="1" dirty="0">
-                <a:latin typeface="Times New Roman" panose="02020603050405020304" pitchFamily="18" charset="0"/>
-                <a:cs typeface="Times New Roman" panose="02020603050405020304" pitchFamily="18" charset="0"/>
-              </a:rPr>
-              <a:t>FFT Zero Padding</a:t>
-            </a:r>
-            <a:r>
-              <a:rPr lang="en-US" altLang="ko-KR" sz="1050" dirty="0">
-                <a:latin typeface="Times New Roman" panose="02020603050405020304" pitchFamily="18" charset="0"/>
-                <a:cs typeface="Times New Roman" panose="02020603050405020304" pitchFamily="18" charset="0"/>
-              </a:rPr>
-              <a:t>. Retrieved March 15, 2018, from http://www.bitweenie.com/listings/fft-zero-padding/</a:t>
-            </a:r>
+              <a:rPr lang="en-US" altLang="ko-KR" dirty="0" smtClean="0">
+                <a:solidFill>
+                  <a:srgbClr val="3333FF"/>
+                </a:solidFill>
+              </a:rPr>
+              <a:t>Mechanical noise</a:t>
+            </a:r>
+            <a:endParaRPr lang="ko-KR" altLang="en-US" dirty="0">
+              <a:solidFill>
+                <a:srgbClr val="3333FF"/>
+              </a:solidFill>
+            </a:endParaRPr>
+          </a:p>
+        </p:txBody>
+      </p:sp>
+      <p:sp>
+        <p:nvSpPr>
+          <p:cNvPr id="12" name="TextBox 11"/>
+          <p:cNvSpPr txBox="1"/>
+          <p:nvPr/>
+        </p:nvSpPr>
+        <p:spPr>
+          <a:xfrm>
+            <a:off x="628651" y="2402024"/>
+            <a:ext cx="7886700" cy="646331"/>
+          </a:xfrm>
+          <a:prstGeom prst="rect">
+            <a:avLst/>
+          </a:prstGeom>
+          <a:noFill/>
+        </p:spPr>
+        <p:txBody>
+          <a:bodyPr wrap="square" rtlCol="0">
+            <a:spAutoFit/>
+          </a:bodyPr>
+          <a:lstStyle/>
+          <a:p>
+            <a:pPr marL="285750" indent="-285750">
+              <a:buFont typeface="Arial" panose="020B0604020202020204" pitchFamily="34" charset="0"/>
+              <a:buChar char="•"/>
+            </a:pPr>
+            <a:r>
+              <a:rPr lang="en-US" altLang="ko-KR" dirty="0" smtClean="0"/>
+              <a:t>Optical chopper (rise time, fall time)</a:t>
+            </a:r>
+          </a:p>
+          <a:p>
+            <a:pPr marL="285750" indent="-285750">
+              <a:buFont typeface="Arial" panose="020B0604020202020204" pitchFamily="34" charset="0"/>
+              <a:buChar char="•"/>
+            </a:pPr>
+            <a:r>
+              <a:rPr lang="en-US" altLang="ko-KR" dirty="0" smtClean="0"/>
+              <a:t>Vibration and air currents</a:t>
+            </a:r>
+            <a:endParaRPr lang="ko-KR" altLang="en-US" dirty="0"/>
           </a:p>
         </p:txBody>
       </p:sp>
@@ -6577,7 +7973,7 @@
           <a:p>
             <a:fld id="{F85A177F-6FD3-496B-8A9C-B332CA04E863}" type="datetime1">
               <a:rPr lang="ko-KR" altLang="en-US" smtClean="0"/>
-              <a:t>2018-03-15</a:t>
+              <a:t>2018-03-16</a:t>
             </a:fld>
             <a:endParaRPr lang="ko-KR" altLang="en-US"/>
           </a:p>
@@ -6702,12 +8098,6 @@
               </a:rPr>
               <a:t>5.1 Alignment Errors</a:t>
             </a:r>
-            <a:endParaRPr lang="en-US" altLang="ko-KR" sz="2300" dirty="0" smtClean="0">
-              <a:solidFill>
-                <a:schemeClr val="bg1"/>
-              </a:solidFill>
-              <a:latin typeface="Arial" panose="020B0604020202020204" pitchFamily="34" charset="0"/>
-            </a:endParaRPr>
           </a:p>
         </p:txBody>
       </p:sp>
@@ -6728,7 +8118,7 @@
           <a:p>
             <a:fld id="{7C8D4B38-891E-4F54-A70A-6E9745DD623C}" type="datetime1">
               <a:rPr lang="ko-KR" altLang="en-US" smtClean="0"/>
-              <a:t>2018-03-15</a:t>
+              <a:t>2018-03-16</a:t>
             </a:fld>
             <a:endParaRPr lang="ko-KR" altLang="en-US"/>
           </a:p>
@@ -6754,52 +8144,6 @@
               <a:t>15</a:t>
             </a:fld>
             <a:endParaRPr lang="ko-KR" altLang="en-US"/>
-          </a:p>
-        </p:txBody>
-      </p:sp>
-      <p:sp>
-        <p:nvSpPr>
-          <p:cNvPr id="5" name="TextBox 4"/>
-          <p:cNvSpPr txBox="1"/>
-          <p:nvPr/>
-        </p:nvSpPr>
-        <p:spPr>
-          <a:xfrm>
-            <a:off x="628651" y="786287"/>
-            <a:ext cx="2865988" cy="369332"/>
-          </a:xfrm>
-          <a:prstGeom prst="rect">
-            <a:avLst/>
-          </a:prstGeom>
-          <a:noFill/>
-        </p:spPr>
-        <p:txBody>
-          <a:bodyPr wrap="square" rtlCol="0">
-            <a:spAutoFit/>
-          </a:bodyPr>
-          <a:lstStyle/>
-          <a:p>
-            <a:r>
-              <a:rPr lang="en-US" altLang="ko-KR" dirty="0" err="1" smtClean="0">
-                <a:solidFill>
-                  <a:srgbClr val="3333FF"/>
-                </a:solidFill>
-              </a:rPr>
-              <a:t>Zeor</a:t>
-            </a:r>
-            <a:r>
-              <a:rPr lang="en-US" altLang="ko-KR" dirty="0" smtClean="0">
-                <a:solidFill>
-                  <a:srgbClr val="3333FF"/>
-                </a:solidFill>
-              </a:rPr>
-              <a:t>-padding</a:t>
-            </a:r>
-            <a:endParaRPr lang="ko-KR" altLang="en-US" dirty="0">
-              <a:solidFill>
-                <a:srgbClr val="3333FF"/>
-              </a:solidFill>
-            </a:endParaRPr>
           </a:p>
         </p:txBody>
       </p:sp>
@@ -6827,72 +8171,68 @@
           <a:p>
             <a:r>
               <a:rPr lang="en-US" altLang="ko-KR" dirty="0" smtClean="0"/>
-              <a:t> The frequency resolution of a time-domain spectroscopy may be improved by zero-padding. However the additional data points arising from a string of zeros carry no additional information</a:t>
+              <a:t>Misalignment not only reduces the signal, but also </a:t>
+            </a:r>
+            <a:r>
+              <a:rPr lang="en-US" altLang="ko-KR" dirty="0" err="1" smtClean="0"/>
+              <a:t>distrots</a:t>
+            </a:r>
+            <a:r>
+              <a:rPr lang="en-US" altLang="ko-KR" dirty="0" smtClean="0"/>
+              <a:t> the profile of the time-domain trace, leading to corresponding distortions in the spectral profile and a reduction in the available bandwidth.</a:t>
             </a:r>
             <a:endParaRPr lang="ko-KR" altLang="en-US" dirty="0"/>
           </a:p>
         </p:txBody>
       </p:sp>
-      <p:sp>
-        <p:nvSpPr>
-          <p:cNvPr id="11" name="TextBox 10"/>
-          <p:cNvSpPr txBox="1"/>
+      <p:pic>
+        <p:nvPicPr>
+          <p:cNvPr id="2" name="그림 1"/>
+          <p:cNvPicPr>
+            <a:picLocks noChangeAspect="1"/>
+          </p:cNvPicPr>
           <p:nvPr/>
-        </p:nvSpPr>
+        </p:nvPicPr>
+        <p:blipFill>
+          <a:blip r:embed="rId3"/>
+          <a:stretch>
+            <a:fillRect/>
+          </a:stretch>
+        </p:blipFill>
         <p:spPr>
           <a:xfrm>
-            <a:off x="268165" y="6078224"/>
-            <a:ext cx="8607669" cy="253916"/>
+            <a:off x="830873" y="2312377"/>
+            <a:ext cx="3363734" cy="2520000"/>
           </a:xfrm>
           <a:prstGeom prst="rect">
             <a:avLst/>
           </a:prstGeom>
-          <a:noFill/>
         </p:spPr>
-        <p:txBody>
-          <a:bodyPr wrap="square" rtlCol="0">
-            <a:spAutoFit/>
-          </a:bodyPr>
-          <a:lstStyle/>
-          <a:p>
-            <a:r>
-              <a:rPr lang="en-US" altLang="ko-KR" sz="1050" dirty="0">
-                <a:latin typeface="Times New Roman" panose="02020603050405020304" pitchFamily="18" charset="0"/>
-                <a:cs typeface="Times New Roman" panose="02020603050405020304" pitchFamily="18" charset="0"/>
-              </a:rPr>
-              <a:t>Hilbert, S. (</a:t>
-            </a:r>
-            <a:r>
-              <a:rPr lang="en-US" altLang="ko-KR" sz="1050" dirty="0" err="1">
-                <a:latin typeface="Times New Roman" panose="02020603050405020304" pitchFamily="18" charset="0"/>
-                <a:cs typeface="Times New Roman" panose="02020603050405020304" pitchFamily="18" charset="0"/>
-              </a:rPr>
-              <a:t>n.d.</a:t>
-            </a:r>
-            <a:r>
-              <a:rPr lang="en-US" altLang="ko-KR" sz="1050" dirty="0">
-                <a:latin typeface="Times New Roman" panose="02020603050405020304" pitchFamily="18" charset="0"/>
-                <a:cs typeface="Times New Roman" panose="02020603050405020304" pitchFamily="18" charset="0"/>
-              </a:rPr>
-              <a:t>). </a:t>
-            </a:r>
-            <a:r>
-              <a:rPr lang="en-US" altLang="ko-KR" sz="1050" i="1" dirty="0">
-                <a:latin typeface="Times New Roman" panose="02020603050405020304" pitchFamily="18" charset="0"/>
-                <a:cs typeface="Times New Roman" panose="02020603050405020304" pitchFamily="18" charset="0"/>
-              </a:rPr>
-              <a:t>FFT Zero Padding</a:t>
-            </a:r>
-            <a:r>
-              <a:rPr lang="en-US" altLang="ko-KR" sz="1050" dirty="0">
-                <a:latin typeface="Times New Roman" panose="02020603050405020304" pitchFamily="18" charset="0"/>
-                <a:cs typeface="Times New Roman" panose="02020603050405020304" pitchFamily="18" charset="0"/>
-              </a:rPr>
-              <a:t>. Retrieved March 15, 2018, from http://www.bitweenie.com/listings/fft-zero-padding/</a:t>
-            </a:r>
-          </a:p>
-        </p:txBody>
-      </p:sp>
+      </p:pic>
+      <p:pic>
+        <p:nvPicPr>
+          <p:cNvPr id="3" name="그림 2"/>
+          <p:cNvPicPr>
+            <a:picLocks noChangeAspect="1"/>
+          </p:cNvPicPr>
+          <p:nvPr/>
+        </p:nvPicPr>
+        <p:blipFill>
+          <a:blip r:embed="rId4"/>
+          <a:stretch>
+            <a:fillRect/>
+          </a:stretch>
+        </p:blipFill>
+        <p:spPr>
+          <a:xfrm>
+            <a:off x="4843769" y="2312377"/>
+            <a:ext cx="3351453" cy="2520000"/>
+          </a:xfrm>
+          <a:prstGeom prst="rect">
+            <a:avLst/>
+          </a:prstGeom>
+        </p:spPr>
+      </p:pic>
     </p:spTree>
     <p:extLst>
       <p:ext uri="{BB962C8B-B14F-4D97-AF65-F5344CB8AC3E}">
@@ -6981,14 +8321,600 @@
           <a:p>
             <a:pPr algn="ctr"/>
             <a:r>
-              <a:rPr lang="en-US" altLang="ko-KR" sz="2800" dirty="0" smtClean="0">
+              <a:rPr lang="en-US" altLang="ko-KR" sz="2300" dirty="0" smtClean="0">
                 <a:solidFill>
                   <a:schemeClr val="bg1"/>
                 </a:solidFill>
                 <a:latin typeface="Arial" panose="020B0604020202020204" pitchFamily="34" charset="0"/>
               </a:rPr>
-              <a:t>References</a:t>
-            </a:r>
+              <a:t>5.2 Focal Plane Defocusing</a:t>
+            </a:r>
+            <a:endParaRPr lang="en-US" altLang="ko-KR" sz="2300" dirty="0" smtClean="0">
+              <a:solidFill>
+                <a:schemeClr val="bg1"/>
+              </a:solidFill>
+              <a:latin typeface="Arial" panose="020B0604020202020204" pitchFamily="34" charset="0"/>
+            </a:endParaRPr>
+          </a:p>
+        </p:txBody>
+      </p:sp>
+      <p:sp>
+        <p:nvSpPr>
+          <p:cNvPr id="9" name="날짜 개체 틀 8"/>
+          <p:cNvSpPr>
+            <a:spLocks noGrp="1"/>
+          </p:cNvSpPr>
+          <p:nvPr>
+            <p:ph type="dt" sz="half" idx="10"/>
+          </p:nvPr>
+        </p:nvSpPr>
+        <p:spPr/>
+        <p:txBody>
+          <a:bodyPr/>
+          <a:lstStyle/>
+          <a:p>
+            <a:fld id="{7C8D4B38-891E-4F54-A70A-6E9745DD623C}" type="datetime1">
+              <a:rPr lang="ko-KR" altLang="en-US" smtClean="0"/>
+              <a:t>2018-03-16</a:t>
+            </a:fld>
+            <a:endParaRPr lang="ko-KR" altLang="en-US"/>
+          </a:p>
+        </p:txBody>
+      </p:sp>
+      <p:sp>
+        <p:nvSpPr>
+          <p:cNvPr id="10" name="슬라이드 번호 개체 틀 9"/>
+          <p:cNvSpPr>
+            <a:spLocks noGrp="1"/>
+          </p:cNvSpPr>
+          <p:nvPr>
+            <p:ph type="sldNum" sz="quarter" idx="12"/>
+          </p:nvPr>
+        </p:nvSpPr>
+        <p:spPr/>
+        <p:txBody>
+          <a:bodyPr/>
+          <a:lstStyle/>
+          <a:p>
+            <a:fld id="{8765F8EB-1186-4395-8E70-F957669279DD}" type="slidenum">
+              <a:rPr lang="ko-KR" altLang="en-US" smtClean="0"/>
+              <a:t>16</a:t>
+            </a:fld>
+            <a:endParaRPr lang="ko-KR" altLang="en-US"/>
+          </a:p>
+        </p:txBody>
+      </p:sp>
+      <p:sp>
+        <p:nvSpPr>
+          <p:cNvPr id="6" name="TextBox 5"/>
+          <p:cNvSpPr txBox="1"/>
+          <p:nvPr/>
+        </p:nvSpPr>
+        <p:spPr>
+          <a:xfrm>
+            <a:off x="628651" y="1153516"/>
+            <a:ext cx="7886700" cy="923330"/>
+          </a:xfrm>
+          <a:prstGeom prst="rect">
+            <a:avLst/>
+          </a:prstGeom>
+          <a:noFill/>
+        </p:spPr>
+        <p:txBody>
+          <a:bodyPr wrap="square" rtlCol="0">
+            <a:spAutoFit/>
+          </a:bodyPr>
+          <a:lstStyle/>
+          <a:p>
+            <a:r>
+              <a:rPr lang="en-US" altLang="ko-KR" dirty="0" smtClean="0"/>
+              <a:t>If the beam </a:t>
+            </a:r>
+            <a:r>
+              <a:rPr lang="en-US" altLang="ko-KR" dirty="0" err="1" smtClean="0"/>
+              <a:t>wavefront</a:t>
+            </a:r>
+            <a:r>
+              <a:rPr lang="en-US" altLang="ko-KR" dirty="0" smtClean="0"/>
+              <a:t> is substantially distorted by the presence of a dielectric object at tits waist, it will disturb beam propagation and especially its refocusing and terahertz-probe overlap at the detector.</a:t>
+            </a:r>
+            <a:endParaRPr lang="ko-KR" altLang="en-US" dirty="0"/>
+          </a:p>
+        </p:txBody>
+      </p:sp>
+      <p:sp>
+        <p:nvSpPr>
+          <p:cNvPr id="11" name="TextBox 10"/>
+          <p:cNvSpPr txBox="1"/>
+          <p:nvPr/>
+        </p:nvSpPr>
+        <p:spPr>
+          <a:xfrm>
+            <a:off x="268165" y="6078224"/>
+            <a:ext cx="8607669" cy="415498"/>
+          </a:xfrm>
+          <a:prstGeom prst="rect">
+            <a:avLst/>
+          </a:prstGeom>
+          <a:noFill/>
+        </p:spPr>
+        <p:txBody>
+          <a:bodyPr wrap="square" rtlCol="0">
+            <a:spAutoFit/>
+          </a:bodyPr>
+          <a:lstStyle/>
+          <a:p>
+            <a:r>
+              <a:rPr lang="en-US" altLang="ko-KR" sz="1050" dirty="0">
+                <a:latin typeface="Times New Roman" panose="02020603050405020304" pitchFamily="18" charset="0"/>
+                <a:cs typeface="Times New Roman" panose="02020603050405020304" pitchFamily="18" charset="0"/>
+              </a:rPr>
+              <a:t>Choi, D., et al., “Focused Beam Effect on Measuring Precise Optical Parameters of Liquid Water with Terahertz Time Domain Spectroscopy,” </a:t>
+            </a:r>
+            <a:r>
+              <a:rPr lang="en-US" altLang="ko-KR" sz="1050" i="1" dirty="0">
+                <a:latin typeface="Times New Roman" panose="02020603050405020304" pitchFamily="18" charset="0"/>
+                <a:cs typeface="Times New Roman" panose="02020603050405020304" pitchFamily="18" charset="0"/>
+              </a:rPr>
+              <a:t>2011 36</a:t>
+            </a:r>
+            <a:r>
+              <a:rPr lang="en-US" altLang="ko-KR" sz="1050" i="1" baseline="30000" dirty="0">
+                <a:latin typeface="Times New Roman" panose="02020603050405020304" pitchFamily="18" charset="0"/>
+                <a:cs typeface="Times New Roman" panose="02020603050405020304" pitchFamily="18" charset="0"/>
+              </a:rPr>
+              <a:t>th</a:t>
+            </a:r>
+            <a:r>
+              <a:rPr lang="en-US" altLang="ko-KR" sz="1050" i="1" dirty="0">
+                <a:latin typeface="Times New Roman" panose="02020603050405020304" pitchFamily="18" charset="0"/>
+                <a:cs typeface="Times New Roman" panose="02020603050405020304" pitchFamily="18" charset="0"/>
+              </a:rPr>
+              <a:t> </a:t>
+            </a:r>
+            <a:r>
+              <a:rPr lang="en-US" altLang="ko-KR" sz="1050" i="1" dirty="0" err="1">
+                <a:latin typeface="Times New Roman" panose="02020603050405020304" pitchFamily="18" charset="0"/>
+                <a:cs typeface="Times New Roman" panose="02020603050405020304" pitchFamily="18" charset="0"/>
+              </a:rPr>
+              <a:t>Onternational</a:t>
+            </a:r>
+            <a:r>
+              <a:rPr lang="en-US" altLang="ko-KR" sz="1050" i="1" dirty="0">
+                <a:latin typeface="Times New Roman" panose="02020603050405020304" pitchFamily="18" charset="0"/>
+                <a:cs typeface="Times New Roman" panose="02020603050405020304" pitchFamily="18" charset="0"/>
+              </a:rPr>
+              <a:t> Conference on Infrared, Millimeter and Terahertz Waves (IRMMW-THz)</a:t>
+            </a:r>
+            <a:r>
+              <a:rPr lang="en-US" altLang="ko-KR" sz="1050" dirty="0">
+                <a:latin typeface="Times New Roman" panose="02020603050405020304" pitchFamily="18" charset="0"/>
+                <a:cs typeface="Times New Roman" panose="02020603050405020304" pitchFamily="18" charset="0"/>
+              </a:rPr>
+              <a:t>, October </a:t>
+            </a:r>
+            <a:r>
+              <a:rPr lang="en-US" altLang="ko-KR" sz="1050" dirty="0" smtClean="0">
+                <a:latin typeface="Times New Roman" panose="02020603050405020304" pitchFamily="18" charset="0"/>
+                <a:cs typeface="Times New Roman" panose="02020603050405020304" pitchFamily="18" charset="0"/>
+              </a:rPr>
+              <a:t>2011.</a:t>
+            </a:r>
+            <a:endParaRPr lang="en-US" altLang="ko-KR" sz="1050" dirty="0">
+              <a:latin typeface="Times New Roman" panose="02020603050405020304" pitchFamily="18" charset="0"/>
+              <a:cs typeface="Times New Roman" panose="02020603050405020304" pitchFamily="18" charset="0"/>
+            </a:endParaRPr>
+          </a:p>
+        </p:txBody>
+      </p:sp>
+      <p:pic>
+        <p:nvPicPr>
+          <p:cNvPr id="4" name="그림 3"/>
+          <p:cNvPicPr>
+            <a:picLocks noChangeAspect="1"/>
+          </p:cNvPicPr>
+          <p:nvPr/>
+        </p:nvPicPr>
+        <p:blipFill>
+          <a:blip r:embed="rId3"/>
+          <a:stretch>
+            <a:fillRect/>
+          </a:stretch>
+        </p:blipFill>
+        <p:spPr>
+          <a:xfrm>
+            <a:off x="928686" y="2101057"/>
+            <a:ext cx="7286625" cy="1876425"/>
+          </a:xfrm>
+          <a:prstGeom prst="rect">
+            <a:avLst/>
+          </a:prstGeom>
+        </p:spPr>
+      </p:pic>
+      <p:pic>
+        <p:nvPicPr>
+          <p:cNvPr id="5" name="그림 4"/>
+          <p:cNvPicPr>
+            <a:picLocks noChangeAspect="1"/>
+          </p:cNvPicPr>
+          <p:nvPr/>
+        </p:nvPicPr>
+        <p:blipFill>
+          <a:blip r:embed="rId4"/>
+          <a:stretch>
+            <a:fillRect/>
+          </a:stretch>
+        </p:blipFill>
+        <p:spPr>
+          <a:xfrm>
+            <a:off x="1272219" y="3738919"/>
+            <a:ext cx="2956247" cy="2160000"/>
+          </a:xfrm>
+          <a:prstGeom prst="rect">
+            <a:avLst/>
+          </a:prstGeom>
+        </p:spPr>
+      </p:pic>
+      <p:pic>
+        <p:nvPicPr>
+          <p:cNvPr id="8" name="그림 7"/>
+          <p:cNvPicPr>
+            <a:picLocks noChangeAspect="1"/>
+          </p:cNvPicPr>
+          <p:nvPr/>
+        </p:nvPicPr>
+        <p:blipFill>
+          <a:blip r:embed="rId5"/>
+          <a:stretch>
+            <a:fillRect/>
+          </a:stretch>
+        </p:blipFill>
+        <p:spPr>
+          <a:xfrm>
+            <a:off x="4830003" y="3738919"/>
+            <a:ext cx="2783771" cy="2160000"/>
+          </a:xfrm>
+          <a:prstGeom prst="rect">
+            <a:avLst/>
+          </a:prstGeom>
+        </p:spPr>
+      </p:pic>
+    </p:spTree>
+    <p:extLst>
+      <p:ext uri="{BB962C8B-B14F-4D97-AF65-F5344CB8AC3E}">
+        <p14:creationId xmlns:p14="http://schemas.microsoft.com/office/powerpoint/2010/main" val="465360764"/>
+      </p:ext>
+    </p:extLst>
+  </p:cSld>
+  <p:clrMapOvr>
+    <a:masterClrMapping/>
+  </p:clrMapOvr>
+  <p:timing>
+    <p:tnLst>
+      <p:par>
+        <p:cTn id="1" dur="indefinite" restart="never" nodeType="tmRoot"/>
+      </p:par>
+    </p:tnLst>
+  </p:timing>
+</p:sld>
+</file>
+
+<file path=ppt/slides/slide17.xml><?xml version="1.0" encoding="utf-8"?>
+<p:sld xmlns:a="http://schemas.openxmlformats.org/drawingml/2006/main" xmlns:r="http://schemas.openxmlformats.org/officeDocument/2006/relationships" xmlns:p="http://schemas.openxmlformats.org/presentationml/2006/main">
+  <p:cSld>
+    <p:spTree>
+      <p:nvGrpSpPr>
+        <p:cNvPr id="1" name=""/>
+        <p:cNvGrpSpPr/>
+        <p:nvPr/>
+      </p:nvGrpSpPr>
+      <p:grpSpPr>
+        <a:xfrm>
+          <a:off x="0" y="0"/>
+          <a:ext cx="0" cy="0"/>
+          <a:chOff x="0" y="0"/>
+          <a:chExt cx="0" cy="0"/>
+        </a:xfrm>
+      </p:grpSpPr>
+      <p:sp>
+        <p:nvSpPr>
+          <p:cNvPr id="6199" name="Rectangle 55"/>
+          <p:cNvSpPr>
+            <a:spLocks noChangeArrowheads="1"/>
+          </p:cNvSpPr>
+          <p:nvPr/>
+        </p:nvSpPr>
+        <p:spPr bwMode="auto">
+          <a:xfrm>
+            <a:off x="0" y="0"/>
+            <a:ext cx="9144000" cy="692150"/>
+          </a:xfrm>
+          <a:prstGeom prst="rect">
+            <a:avLst/>
+          </a:prstGeom>
+          <a:solidFill>
+            <a:srgbClr val="3333FF"/>
+          </a:solidFill>
+          <a:ln>
+            <a:noFill/>
+          </a:ln>
+          <a:effectLst/>
+          <a:extLst>
+            <a:ext uri="{91240B29-F687-4F45-9708-019B960494DF}">
+              <a14:hiddenLine xmlns:a14="http://schemas.microsoft.com/office/drawing/2010/main" w="9525">
+                <a:solidFill>
+                  <a:schemeClr val="tx1"/>
+                </a:solidFill>
+                <a:miter lim="800000"/>
+                <a:headEnd/>
+                <a:tailEnd/>
+              </a14:hiddenLine>
+            </a:ext>
+            <a:ext uri="{AF507438-7753-43E0-B8FC-AC1667EBCBE1}">
+              <a14:hiddenEffects xmlns:a14="http://schemas.microsoft.com/office/drawing/2010/main">
+                <a:effectLst>
+                  <a:outerShdw dist="35921" dir="2700000" algn="ctr" rotWithShape="0">
+                    <a:schemeClr val="bg2"/>
+                  </a:outerShdw>
+                </a:effectLst>
+              </a14:hiddenEffects>
+            </a:ext>
+          </a:extLst>
+        </p:spPr>
+        <p:txBody>
+          <a:bodyPr wrap="none" anchor="ctr"/>
+          <a:lstStyle/>
+          <a:p>
+            <a:pPr algn="ctr"/>
+            <a:r>
+              <a:rPr lang="en-US" altLang="ko-KR" sz="2300" dirty="0" smtClean="0">
+                <a:solidFill>
+                  <a:schemeClr val="bg1"/>
+                </a:solidFill>
+                <a:latin typeface="Arial" panose="020B0604020202020204" pitchFamily="34" charset="0"/>
+              </a:rPr>
+              <a:t>5.3 Delay Line Errors</a:t>
+            </a:r>
+            <a:endParaRPr lang="en-US" altLang="ko-KR" sz="2300" dirty="0" smtClean="0">
+              <a:solidFill>
+                <a:schemeClr val="bg1"/>
+              </a:solidFill>
+              <a:latin typeface="Arial" panose="020B0604020202020204" pitchFamily="34" charset="0"/>
+            </a:endParaRPr>
+          </a:p>
+        </p:txBody>
+      </p:sp>
+      <p:sp>
+        <p:nvSpPr>
+          <p:cNvPr id="9" name="날짜 개체 틀 8"/>
+          <p:cNvSpPr>
+            <a:spLocks noGrp="1"/>
+          </p:cNvSpPr>
+          <p:nvPr>
+            <p:ph type="dt" sz="half" idx="10"/>
+          </p:nvPr>
+        </p:nvSpPr>
+        <p:spPr/>
+        <p:txBody>
+          <a:bodyPr/>
+          <a:lstStyle/>
+          <a:p>
+            <a:fld id="{7C8D4B38-891E-4F54-A70A-6E9745DD623C}" type="datetime1">
+              <a:rPr lang="ko-KR" altLang="en-US" smtClean="0"/>
+              <a:t>2018-03-16</a:t>
+            </a:fld>
+            <a:endParaRPr lang="ko-KR" altLang="en-US"/>
+          </a:p>
+        </p:txBody>
+      </p:sp>
+      <p:sp>
+        <p:nvSpPr>
+          <p:cNvPr id="10" name="슬라이드 번호 개체 틀 9"/>
+          <p:cNvSpPr>
+            <a:spLocks noGrp="1"/>
+          </p:cNvSpPr>
+          <p:nvPr>
+            <p:ph type="sldNum" sz="quarter" idx="12"/>
+          </p:nvPr>
+        </p:nvSpPr>
+        <p:spPr/>
+        <p:txBody>
+          <a:bodyPr/>
+          <a:lstStyle/>
+          <a:p>
+            <a:fld id="{8765F8EB-1186-4395-8E70-F957669279DD}" type="slidenum">
+              <a:rPr lang="ko-KR" altLang="en-US" smtClean="0"/>
+              <a:t>17</a:t>
+            </a:fld>
+            <a:endParaRPr lang="ko-KR" altLang="en-US"/>
+          </a:p>
+        </p:txBody>
+      </p:sp>
+      <p:sp>
+        <p:nvSpPr>
+          <p:cNvPr id="6" name="TextBox 5"/>
+          <p:cNvSpPr txBox="1"/>
+          <p:nvPr/>
+        </p:nvSpPr>
+        <p:spPr>
+          <a:xfrm>
+            <a:off x="628651" y="1153516"/>
+            <a:ext cx="7886700" cy="923330"/>
+          </a:xfrm>
+          <a:prstGeom prst="rect">
+            <a:avLst/>
+          </a:prstGeom>
+          <a:noFill/>
+        </p:spPr>
+        <p:txBody>
+          <a:bodyPr wrap="square" rtlCol="0">
+            <a:spAutoFit/>
+          </a:bodyPr>
+          <a:lstStyle/>
+          <a:p>
+            <a:r>
+              <a:rPr lang="en-US" altLang="ko-KR" dirty="0" smtClean="0"/>
+              <a:t>Misalignment not only reduces the signal, but also </a:t>
+            </a:r>
+            <a:r>
+              <a:rPr lang="en-US" altLang="ko-KR" dirty="0" err="1" smtClean="0"/>
+              <a:t>distrots</a:t>
+            </a:r>
+            <a:r>
+              <a:rPr lang="en-US" altLang="ko-KR" dirty="0" smtClean="0"/>
+              <a:t> the profile of the time-domain trace, leading to corresponding distortions in the spectral profile and a reduction in the available bandwidth.</a:t>
+            </a:r>
+            <a:endParaRPr lang="ko-KR" altLang="en-US" dirty="0"/>
+          </a:p>
+        </p:txBody>
+      </p:sp>
+      <p:sp>
+        <p:nvSpPr>
+          <p:cNvPr id="11" name="TextBox 10"/>
+          <p:cNvSpPr txBox="1"/>
+          <p:nvPr/>
+        </p:nvSpPr>
+        <p:spPr>
+          <a:xfrm>
+            <a:off x="268165" y="6078224"/>
+            <a:ext cx="8607669" cy="253916"/>
+          </a:xfrm>
+          <a:prstGeom prst="rect">
+            <a:avLst/>
+          </a:prstGeom>
+          <a:noFill/>
+        </p:spPr>
+        <p:txBody>
+          <a:bodyPr wrap="square" rtlCol="0">
+            <a:spAutoFit/>
+          </a:bodyPr>
+          <a:lstStyle/>
+          <a:p>
+            <a:r>
+              <a:rPr lang="en-US" altLang="ko-KR" sz="1050" dirty="0">
+                <a:latin typeface="Times New Roman" panose="02020603050405020304" pitchFamily="18" charset="0"/>
+                <a:cs typeface="Times New Roman" panose="02020603050405020304" pitchFamily="18" charset="0"/>
+              </a:rPr>
+              <a:t>Hilbert, S. (</a:t>
+            </a:r>
+            <a:r>
+              <a:rPr lang="en-US" altLang="ko-KR" sz="1050" dirty="0" err="1">
+                <a:latin typeface="Times New Roman" panose="02020603050405020304" pitchFamily="18" charset="0"/>
+                <a:cs typeface="Times New Roman" panose="02020603050405020304" pitchFamily="18" charset="0"/>
+              </a:rPr>
+              <a:t>n.d.</a:t>
+            </a:r>
+            <a:r>
+              <a:rPr lang="en-US" altLang="ko-KR" sz="1050" dirty="0">
+                <a:latin typeface="Times New Roman" panose="02020603050405020304" pitchFamily="18" charset="0"/>
+                <a:cs typeface="Times New Roman" panose="02020603050405020304" pitchFamily="18" charset="0"/>
+              </a:rPr>
+              <a:t>). </a:t>
+            </a:r>
+            <a:r>
+              <a:rPr lang="en-US" altLang="ko-KR" sz="1050" i="1" dirty="0">
+                <a:latin typeface="Times New Roman" panose="02020603050405020304" pitchFamily="18" charset="0"/>
+                <a:cs typeface="Times New Roman" panose="02020603050405020304" pitchFamily="18" charset="0"/>
+              </a:rPr>
+              <a:t>FFT Zero Padding</a:t>
+            </a:r>
+            <a:r>
+              <a:rPr lang="en-US" altLang="ko-KR" sz="1050" dirty="0">
+                <a:latin typeface="Times New Roman" panose="02020603050405020304" pitchFamily="18" charset="0"/>
+                <a:cs typeface="Times New Roman" panose="02020603050405020304" pitchFamily="18" charset="0"/>
+              </a:rPr>
+              <a:t>. Retrieved March 15, 2018, from http://www.bitweenie.com/listings/fft-zero-padding/</a:t>
+            </a:r>
+          </a:p>
+        </p:txBody>
+      </p:sp>
+    </p:spTree>
+    <p:extLst>
+      <p:ext uri="{BB962C8B-B14F-4D97-AF65-F5344CB8AC3E}">
+        <p14:creationId xmlns:p14="http://schemas.microsoft.com/office/powerpoint/2010/main" val="3260314029"/>
+      </p:ext>
+    </p:extLst>
+  </p:cSld>
+  <p:clrMapOvr>
+    <a:masterClrMapping/>
+  </p:clrMapOvr>
+  <p:timing>
+    <p:tnLst>
+      <p:par>
+        <p:cTn id="1" dur="indefinite" restart="never" nodeType="tmRoot"/>
+      </p:par>
+    </p:tnLst>
+  </p:timing>
+</p:sld>
+</file>
+
+<file path=ppt/slides/slide18.xml><?xml version="1.0" encoding="utf-8"?>
+<p:sld xmlns:a="http://schemas.openxmlformats.org/drawingml/2006/main" xmlns:r="http://schemas.openxmlformats.org/officeDocument/2006/relationships" xmlns:p="http://schemas.openxmlformats.org/presentationml/2006/main">
+  <p:cSld>
+    <p:spTree>
+      <p:nvGrpSpPr>
+        <p:cNvPr id="1" name=""/>
+        <p:cNvGrpSpPr/>
+        <p:nvPr/>
+      </p:nvGrpSpPr>
+      <p:grpSpPr>
+        <a:xfrm>
+          <a:off x="0" y="0"/>
+          <a:ext cx="0" cy="0"/>
+          <a:chOff x="0" y="0"/>
+          <a:chExt cx="0" cy="0"/>
+        </a:xfrm>
+      </p:grpSpPr>
+      <p:sp>
+        <p:nvSpPr>
+          <p:cNvPr id="6199" name="Rectangle 55"/>
+          <p:cNvSpPr>
+            <a:spLocks noChangeArrowheads="1"/>
+          </p:cNvSpPr>
+          <p:nvPr/>
+        </p:nvSpPr>
+        <p:spPr bwMode="auto">
+          <a:xfrm>
+            <a:off x="0" y="0"/>
+            <a:ext cx="9144000" cy="692150"/>
+          </a:xfrm>
+          <a:prstGeom prst="rect">
+            <a:avLst/>
+          </a:prstGeom>
+          <a:solidFill>
+            <a:srgbClr val="3333FF"/>
+          </a:solidFill>
+          <a:ln>
+            <a:noFill/>
+          </a:ln>
+          <a:effectLst/>
+          <a:extLst>
+            <a:ext uri="{91240B29-F687-4F45-9708-019B960494DF}">
+              <a14:hiddenLine xmlns:a14="http://schemas.microsoft.com/office/drawing/2010/main" w="9525">
+                <a:solidFill>
+                  <a:schemeClr val="tx1"/>
+                </a:solidFill>
+                <a:miter lim="800000"/>
+                <a:headEnd/>
+                <a:tailEnd/>
+              </a14:hiddenLine>
+            </a:ext>
+            <a:ext uri="{AF507438-7753-43E0-B8FC-AC1667EBCBE1}">
+              <a14:hiddenEffects xmlns:a14="http://schemas.microsoft.com/office/drawing/2010/main">
+                <a:effectLst>
+                  <a:outerShdw dist="35921" dir="2700000" algn="ctr" rotWithShape="0">
+                    <a:schemeClr val="bg2"/>
+                  </a:outerShdw>
+                </a:effectLst>
+              </a14:hiddenEffects>
+            </a:ext>
+          </a:extLst>
+        </p:spPr>
+        <p:txBody>
+          <a:bodyPr wrap="none" anchor="ctr"/>
+          <a:lstStyle/>
+          <a:p>
+            <a:pPr algn="ctr"/>
             <a:endParaRPr lang="en-US" altLang="ko-KR" sz="2800" dirty="0">
               <a:solidFill>
                 <a:schemeClr val="bg1"/>
@@ -7000,14 +8926,271 @@
       </p:sp>
       <p:sp>
         <p:nvSpPr>
-          <p:cNvPr id="2" name="TextBox 1"/>
+          <p:cNvPr id="2" name="직사각형 1"/>
+          <p:cNvSpPr/>
+          <p:nvPr/>
+        </p:nvSpPr>
+        <p:spPr>
+          <a:xfrm>
+            <a:off x="1286256" y="2004529"/>
+            <a:ext cx="6571488" cy="2848942"/>
+          </a:xfrm>
+          <a:prstGeom prst="rect">
+            <a:avLst/>
+          </a:prstGeom>
+          <a:noFill/>
+          <a:ln w="38100">
+            <a:solidFill>
+              <a:srgbClr val="3333FF"/>
+            </a:solidFill>
+          </a:ln>
+        </p:spPr>
+        <p:style>
+          <a:lnRef idx="2">
+            <a:schemeClr val="accent1">
+              <a:shade val="50000"/>
+            </a:schemeClr>
+          </a:lnRef>
+          <a:fillRef idx="1">
+            <a:schemeClr val="accent1"/>
+          </a:fillRef>
+          <a:effectRef idx="0">
+            <a:schemeClr val="accent1"/>
+          </a:effectRef>
+          <a:fontRef idx="minor">
+            <a:schemeClr val="lt1"/>
+          </a:fontRef>
+        </p:style>
+        <p:txBody>
+          <a:bodyPr rtlCol="0" anchor="ctr"/>
+          <a:lstStyle/>
+          <a:p>
+            <a:pPr algn="ctr"/>
+            <a:r>
+              <a:rPr lang="en-US" altLang="ko-KR" sz="3600" dirty="0" smtClean="0">
+                <a:solidFill>
+                  <a:srgbClr val="3333FF"/>
+                </a:solidFill>
+                <a:latin typeface="Arial" panose="020B0604020202020204" pitchFamily="34" charset="0"/>
+              </a:rPr>
+              <a:t>Terahertz Beam Profile</a:t>
+            </a:r>
+            <a:endParaRPr lang="en-US" altLang="ko-KR" sz="3600" dirty="0">
+              <a:solidFill>
+                <a:srgbClr val="3333FF"/>
+              </a:solidFill>
+              <a:latin typeface="Arial" panose="020B0604020202020204" pitchFamily="34" charset="0"/>
+            </a:endParaRPr>
+          </a:p>
+        </p:txBody>
+      </p:sp>
+      <p:sp>
+        <p:nvSpPr>
+          <p:cNvPr id="3" name="날짜 개체 틀 2"/>
+          <p:cNvSpPr>
+            <a:spLocks noGrp="1"/>
+          </p:cNvSpPr>
+          <p:nvPr>
+            <p:ph type="dt" sz="half" idx="10"/>
+          </p:nvPr>
+        </p:nvSpPr>
+        <p:spPr/>
+        <p:txBody>
+          <a:bodyPr/>
+          <a:lstStyle/>
+          <a:p>
+            <a:fld id="{F85A177F-6FD3-496B-8A9C-B332CA04E863}" type="datetime1">
+              <a:rPr lang="ko-KR" altLang="en-US" smtClean="0"/>
+              <a:t>2018-03-16</a:t>
+            </a:fld>
+            <a:endParaRPr lang="ko-KR" altLang="en-US"/>
+          </a:p>
+        </p:txBody>
+      </p:sp>
+      <p:sp>
+        <p:nvSpPr>
+          <p:cNvPr id="4" name="슬라이드 번호 개체 틀 3"/>
+          <p:cNvSpPr>
+            <a:spLocks noGrp="1"/>
+          </p:cNvSpPr>
+          <p:nvPr>
+            <p:ph type="sldNum" sz="quarter" idx="12"/>
+          </p:nvPr>
+        </p:nvSpPr>
+        <p:spPr/>
+        <p:txBody>
+          <a:bodyPr/>
+          <a:lstStyle/>
+          <a:p>
+            <a:fld id="{8765F8EB-1186-4395-8E70-F957669279DD}" type="slidenum">
+              <a:rPr lang="ko-KR" altLang="en-US" smtClean="0"/>
+              <a:t>18</a:t>
+            </a:fld>
+            <a:endParaRPr lang="ko-KR" altLang="en-US"/>
+          </a:p>
+        </p:txBody>
+      </p:sp>
+    </p:spTree>
+    <p:extLst>
+      <p:ext uri="{BB962C8B-B14F-4D97-AF65-F5344CB8AC3E}">
+        <p14:creationId xmlns:p14="http://schemas.microsoft.com/office/powerpoint/2010/main" val="996440136"/>
+      </p:ext>
+    </p:extLst>
+  </p:cSld>
+  <p:clrMapOvr>
+    <a:masterClrMapping/>
+  </p:clrMapOvr>
+  <p:timing>
+    <p:tnLst>
+      <p:par>
+        <p:cTn id="1" dur="indefinite" restart="never" nodeType="tmRoot"/>
+      </p:par>
+    </p:tnLst>
+  </p:timing>
+</p:sld>
+</file>
+
+<file path=ppt/slides/slide19.xml><?xml version="1.0" encoding="utf-8"?>
+<p:sld xmlns:a="http://schemas.openxmlformats.org/drawingml/2006/main" xmlns:r="http://schemas.openxmlformats.org/officeDocument/2006/relationships" xmlns:p="http://schemas.openxmlformats.org/presentationml/2006/main">
+  <p:cSld>
+    <p:spTree>
+      <p:nvGrpSpPr>
+        <p:cNvPr id="1" name=""/>
+        <p:cNvGrpSpPr/>
+        <p:nvPr/>
+      </p:nvGrpSpPr>
+      <p:grpSpPr>
+        <a:xfrm>
+          <a:off x="0" y="0"/>
+          <a:ext cx="0" cy="0"/>
+          <a:chOff x="0" y="0"/>
+          <a:chExt cx="0" cy="0"/>
+        </a:xfrm>
+      </p:grpSpPr>
+      <p:sp>
+        <p:nvSpPr>
+          <p:cNvPr id="6199" name="Rectangle 55"/>
+          <p:cNvSpPr>
+            <a:spLocks noChangeArrowheads="1"/>
+          </p:cNvSpPr>
+          <p:nvPr/>
+        </p:nvSpPr>
+        <p:spPr bwMode="auto">
+          <a:xfrm>
+            <a:off x="0" y="0"/>
+            <a:ext cx="9144000" cy="692150"/>
+          </a:xfrm>
+          <a:prstGeom prst="rect">
+            <a:avLst/>
+          </a:prstGeom>
+          <a:solidFill>
+            <a:srgbClr val="3333FF"/>
+          </a:solidFill>
+          <a:ln>
+            <a:noFill/>
+          </a:ln>
+          <a:effectLst/>
+          <a:extLst>
+            <a:ext uri="{91240B29-F687-4F45-9708-019B960494DF}">
+              <a14:hiddenLine xmlns:a14="http://schemas.microsoft.com/office/drawing/2010/main" w="9525">
+                <a:solidFill>
+                  <a:schemeClr val="tx1"/>
+                </a:solidFill>
+                <a:miter lim="800000"/>
+                <a:headEnd/>
+                <a:tailEnd/>
+              </a14:hiddenLine>
+            </a:ext>
+            <a:ext uri="{AF507438-7753-43E0-B8FC-AC1667EBCBE1}">
+              <a14:hiddenEffects xmlns:a14="http://schemas.microsoft.com/office/drawing/2010/main">
+                <a:effectLst>
+                  <a:outerShdw dist="35921" dir="2700000" algn="ctr" rotWithShape="0">
+                    <a:schemeClr val="bg2"/>
+                  </a:outerShdw>
+                </a:effectLst>
+              </a14:hiddenEffects>
+            </a:ext>
+          </a:extLst>
+        </p:spPr>
+        <p:txBody>
+          <a:bodyPr wrap="none" anchor="ctr"/>
+          <a:lstStyle/>
+          <a:p>
+            <a:pPr algn="ctr"/>
+            <a:r>
+              <a:rPr lang="en-US" altLang="ko-KR" sz="2300" dirty="0" smtClean="0">
+                <a:solidFill>
+                  <a:schemeClr val="bg1"/>
+                </a:solidFill>
+                <a:latin typeface="Arial" panose="020B0604020202020204" pitchFamily="34" charset="0"/>
+              </a:rPr>
+              <a:t>6. Terahertz Beam Profile</a:t>
+            </a:r>
+            <a:endParaRPr lang="en-US" altLang="ko-KR" sz="2300" dirty="0" smtClean="0">
+              <a:solidFill>
+                <a:schemeClr val="bg1"/>
+              </a:solidFill>
+              <a:latin typeface="Arial" panose="020B0604020202020204" pitchFamily="34" charset="0"/>
+            </a:endParaRPr>
+          </a:p>
+        </p:txBody>
+      </p:sp>
+      <p:sp>
+        <p:nvSpPr>
+          <p:cNvPr id="9" name="날짜 개체 틀 8"/>
+          <p:cNvSpPr>
+            <a:spLocks noGrp="1"/>
+          </p:cNvSpPr>
+          <p:nvPr>
+            <p:ph type="dt" sz="half" idx="10"/>
+          </p:nvPr>
+        </p:nvSpPr>
+        <p:spPr/>
+        <p:txBody>
+          <a:bodyPr/>
+          <a:lstStyle/>
+          <a:p>
+            <a:fld id="{7C8D4B38-891E-4F54-A70A-6E9745DD623C}" type="datetime1">
+              <a:rPr lang="ko-KR" altLang="en-US" smtClean="0"/>
+              <a:t>2018-03-16</a:t>
+            </a:fld>
+            <a:endParaRPr lang="ko-KR" altLang="en-US"/>
+          </a:p>
+        </p:txBody>
+      </p:sp>
+      <p:sp>
+        <p:nvSpPr>
+          <p:cNvPr id="10" name="슬라이드 번호 개체 틀 9"/>
+          <p:cNvSpPr>
+            <a:spLocks noGrp="1"/>
+          </p:cNvSpPr>
+          <p:nvPr>
+            <p:ph type="sldNum" sz="quarter" idx="12"/>
+          </p:nvPr>
+        </p:nvSpPr>
+        <p:spPr/>
+        <p:txBody>
+          <a:bodyPr/>
+          <a:lstStyle/>
+          <a:p>
+            <a:fld id="{8765F8EB-1186-4395-8E70-F957669279DD}" type="slidenum">
+              <a:rPr lang="ko-KR" altLang="en-US" smtClean="0"/>
+              <a:t>19</a:t>
+            </a:fld>
+            <a:endParaRPr lang="ko-KR" altLang="en-US"/>
+          </a:p>
+        </p:txBody>
+      </p:sp>
+      <p:sp>
+        <p:nvSpPr>
+          <p:cNvPr id="6" name="TextBox 5"/>
           <p:cNvSpPr txBox="1"/>
           <p:nvPr/>
         </p:nvSpPr>
         <p:spPr>
           <a:xfrm>
-            <a:off x="268165" y="1362807"/>
-            <a:ext cx="8607669" cy="2585323"/>
+            <a:off x="628651" y="1153516"/>
+            <a:ext cx="7886700" cy="923330"/>
           </a:xfrm>
           <a:prstGeom prst="rect">
             <a:avLst/>
@@ -7020,316 +9203,86 @@
           </a:bodyPr>
           <a:lstStyle/>
           <a:p>
-            <a:pPr marL="285750" indent="-285750">
-              <a:buFont typeface="Arial" panose="020B0604020202020204" pitchFamily="34" charset="0"/>
-              <a:buChar char="•"/>
-            </a:pPr>
-            <a:r>
-              <a:rPr lang="en-US" altLang="ko-KR" dirty="0" err="1" smtClean="0">
+            <a:r>
+              <a:rPr lang="en-US" altLang="ko-KR" dirty="0" smtClean="0"/>
+              <a:t>Misalignment not only reduces the signal, but also </a:t>
+            </a:r>
+            <a:r>
+              <a:rPr lang="en-US" altLang="ko-KR" dirty="0" err="1" smtClean="0"/>
+              <a:t>distrots</a:t>
+            </a:r>
+            <a:r>
+              <a:rPr lang="en-US" altLang="ko-KR" dirty="0" smtClean="0"/>
+              <a:t> the profile of the time-domain trace, leading to corresponding distortions in the spectral profile and a reduction in the available bandwidth.</a:t>
+            </a:r>
+            <a:endParaRPr lang="ko-KR" altLang="en-US" dirty="0"/>
+          </a:p>
+        </p:txBody>
+      </p:sp>
+      <p:sp>
+        <p:nvSpPr>
+          <p:cNvPr id="11" name="TextBox 10"/>
+          <p:cNvSpPr txBox="1"/>
+          <p:nvPr/>
+        </p:nvSpPr>
+        <p:spPr>
+          <a:xfrm>
+            <a:off x="268165" y="6078224"/>
+            <a:ext cx="8607669" cy="253916"/>
+          </a:xfrm>
+          <a:prstGeom prst="rect">
+            <a:avLst/>
+          </a:prstGeom>
+          <a:noFill/>
+        </p:spPr>
+        <p:txBody>
+          <a:bodyPr wrap="square" rtlCol="0">
+            <a:spAutoFit/>
+          </a:bodyPr>
+          <a:lstStyle/>
+          <a:p>
+            <a:r>
+              <a:rPr lang="en-US" altLang="ko-KR" sz="1050" dirty="0">
                 <a:latin typeface="Times New Roman" panose="02020603050405020304" pitchFamily="18" charset="0"/>
                 <a:cs typeface="Times New Roman" panose="02020603050405020304" pitchFamily="18" charset="0"/>
               </a:rPr>
-              <a:t>Ratcliffe</a:t>
-            </a:r>
-            <a:r>
-              <a:rPr lang="en-US" altLang="ko-KR" dirty="0">
+              <a:t>Hilbert, S. (</a:t>
+            </a:r>
+            <a:r>
+              <a:rPr lang="en-US" altLang="ko-KR" sz="1050" dirty="0" err="1">
                 <a:latin typeface="Times New Roman" panose="02020603050405020304" pitchFamily="18" charset="0"/>
                 <a:cs typeface="Times New Roman" panose="02020603050405020304" pitchFamily="18" charset="0"/>
               </a:rPr>
-              <a:t>, C., </a:t>
-            </a:r>
-            <a:r>
-              <a:rPr lang="en-US" altLang="ko-KR" dirty="0" smtClean="0">
+              <a:t>n.d.</a:t>
+            </a:r>
+            <a:r>
+              <a:rPr lang="en-US" altLang="ko-KR" sz="1050" dirty="0">
                 <a:latin typeface="Times New Roman" panose="02020603050405020304" pitchFamily="18" charset="0"/>
                 <a:cs typeface="Times New Roman" panose="02020603050405020304" pitchFamily="18" charset="0"/>
               </a:rPr>
-              <a:t>and </a:t>
-            </a:r>
-            <a:r>
-              <a:rPr lang="en-US" altLang="ko-KR" dirty="0" err="1">
+              <a:t>). </a:t>
+            </a:r>
+            <a:r>
+              <a:rPr lang="en-US" altLang="ko-KR" sz="1050" i="1" dirty="0">
                 <a:latin typeface="Times New Roman" panose="02020603050405020304" pitchFamily="18" charset="0"/>
                 <a:cs typeface="Times New Roman" panose="02020603050405020304" pitchFamily="18" charset="0"/>
               </a:rPr>
-              <a:t>Ratcliffe</a:t>
-            </a:r>
-            <a:r>
-              <a:rPr lang="en-US" altLang="ko-KR" dirty="0">
+              <a:t>FFT Zero Padding</a:t>
+            </a:r>
+            <a:r>
+              <a:rPr lang="en-US" altLang="ko-KR" sz="1050" dirty="0">
                 <a:latin typeface="Times New Roman" panose="02020603050405020304" pitchFamily="18" charset="0"/>
                 <a:cs typeface="Times New Roman" panose="02020603050405020304" pitchFamily="18" charset="0"/>
               </a:rPr>
-              <a:t>, </a:t>
-            </a:r>
-            <a:r>
-              <a:rPr lang="en-US" altLang="ko-KR" dirty="0" smtClean="0">
-                <a:latin typeface="Times New Roman" panose="02020603050405020304" pitchFamily="18" charset="0"/>
-                <a:cs typeface="Times New Roman" panose="02020603050405020304" pitchFamily="18" charset="0"/>
-              </a:rPr>
-              <a:t>B., </a:t>
-            </a:r>
-            <a:r>
-              <a:rPr lang="en-US" altLang="ko-KR" i="1" dirty="0">
-                <a:latin typeface="Times New Roman" panose="02020603050405020304" pitchFamily="18" charset="0"/>
-                <a:cs typeface="Times New Roman" panose="02020603050405020304" pitchFamily="18" charset="0"/>
-              </a:rPr>
-              <a:t>Doubt-Free Uncertainty In </a:t>
-            </a:r>
-            <a:r>
-              <a:rPr lang="en-US" altLang="ko-KR" i="1" dirty="0" smtClean="0">
-                <a:latin typeface="Times New Roman" panose="02020603050405020304" pitchFamily="18" charset="0"/>
-                <a:cs typeface="Times New Roman" panose="02020603050405020304" pitchFamily="18" charset="0"/>
-              </a:rPr>
-              <a:t>Measurement: An </a:t>
-            </a:r>
-            <a:r>
-              <a:rPr lang="en-US" altLang="ko-KR" i="1" dirty="0">
-                <a:latin typeface="Times New Roman" panose="02020603050405020304" pitchFamily="18" charset="0"/>
-                <a:cs typeface="Times New Roman" panose="02020603050405020304" pitchFamily="18" charset="0"/>
-              </a:rPr>
-              <a:t>Introduction for Engineers and </a:t>
-            </a:r>
-            <a:r>
-              <a:rPr lang="en-US" altLang="ko-KR" i="1" dirty="0" smtClean="0">
-                <a:latin typeface="Times New Roman" panose="02020603050405020304" pitchFamily="18" charset="0"/>
-                <a:cs typeface="Times New Roman" panose="02020603050405020304" pitchFamily="18" charset="0"/>
-              </a:rPr>
-              <a:t>Students</a:t>
-            </a:r>
-            <a:r>
-              <a:rPr lang="en-US" altLang="ko-KR" dirty="0">
-                <a:latin typeface="Times New Roman" panose="02020603050405020304" pitchFamily="18" charset="0"/>
-                <a:cs typeface="Times New Roman" panose="02020603050405020304" pitchFamily="18" charset="0"/>
-              </a:rPr>
-              <a:t>,</a:t>
-            </a:r>
-            <a:r>
-              <a:rPr lang="en-US" altLang="ko-KR" dirty="0" smtClean="0">
-                <a:latin typeface="Times New Roman" panose="02020603050405020304" pitchFamily="18" charset="0"/>
-                <a:cs typeface="Times New Roman" panose="02020603050405020304" pitchFamily="18" charset="0"/>
-              </a:rPr>
-              <a:t> </a:t>
-            </a:r>
-            <a:r>
-              <a:rPr lang="en-US" altLang="ko-KR" dirty="0">
-                <a:latin typeface="Times New Roman" panose="02020603050405020304" pitchFamily="18" charset="0"/>
-                <a:cs typeface="Times New Roman" panose="02020603050405020304" pitchFamily="18" charset="0"/>
-              </a:rPr>
-              <a:t>Cham: </a:t>
-            </a:r>
-            <a:r>
-              <a:rPr lang="en-US" altLang="ko-KR" dirty="0" smtClean="0">
-                <a:latin typeface="Times New Roman" panose="02020603050405020304" pitchFamily="18" charset="0"/>
-                <a:cs typeface="Times New Roman" panose="02020603050405020304" pitchFamily="18" charset="0"/>
-              </a:rPr>
-              <a:t>Springer, 2015, pp. 9-18.</a:t>
-            </a:r>
-          </a:p>
-          <a:p>
-            <a:pPr marL="285750" indent="-285750">
-              <a:buFont typeface="Arial" panose="020B0604020202020204" pitchFamily="34" charset="0"/>
-              <a:buChar char="•"/>
-            </a:pPr>
-            <a:r>
-              <a:rPr lang="en-US" altLang="ko-KR" dirty="0" err="1" smtClean="0">
-                <a:latin typeface="Times New Roman" panose="02020603050405020304" pitchFamily="18" charset="0"/>
-                <a:cs typeface="Times New Roman" panose="02020603050405020304" pitchFamily="18" charset="0"/>
-              </a:rPr>
-              <a:t>Tripathi</a:t>
-            </a:r>
-            <a:r>
-              <a:rPr lang="en-US" altLang="ko-KR" dirty="0" smtClean="0">
-                <a:latin typeface="Times New Roman" panose="02020603050405020304" pitchFamily="18" charset="0"/>
-                <a:cs typeface="Times New Roman" panose="02020603050405020304" pitchFamily="18" charset="0"/>
-              </a:rPr>
-              <a:t>, S. R., et al., “</a:t>
-            </a:r>
-            <a:r>
-              <a:rPr lang="en-US" altLang="ko-KR" dirty="0" err="1" smtClean="0">
-                <a:latin typeface="Times New Roman" panose="02020603050405020304" pitchFamily="18" charset="0"/>
-                <a:cs typeface="Times New Roman" panose="02020603050405020304" pitchFamily="18" charset="0"/>
-              </a:rPr>
-              <a:t>Pratical</a:t>
-            </a:r>
-            <a:r>
-              <a:rPr lang="en-US" altLang="ko-KR" dirty="0" smtClean="0">
-                <a:latin typeface="Times New Roman" panose="02020603050405020304" pitchFamily="18" charset="0"/>
-                <a:cs typeface="Times New Roman" panose="02020603050405020304" pitchFamily="18" charset="0"/>
-              </a:rPr>
-              <a:t> Method to Estimate the Standard Deviation in Absorption Coefficients Measured with THz Time-Domain Spectroscopy,” </a:t>
-            </a:r>
-            <a:r>
-              <a:rPr lang="en-US" altLang="ko-KR" i="1" dirty="0" smtClean="0">
-                <a:latin typeface="Times New Roman" panose="02020603050405020304" pitchFamily="18" charset="0"/>
-                <a:cs typeface="Times New Roman" panose="02020603050405020304" pitchFamily="18" charset="0"/>
-              </a:rPr>
-              <a:t>Opt. </a:t>
-            </a:r>
-            <a:r>
-              <a:rPr lang="en-US" altLang="ko-KR" i="1" dirty="0" err="1" smtClean="0">
-                <a:latin typeface="Times New Roman" panose="02020603050405020304" pitchFamily="18" charset="0"/>
-                <a:cs typeface="Times New Roman" panose="02020603050405020304" pitchFamily="18" charset="0"/>
-              </a:rPr>
-              <a:t>Commun</a:t>
-            </a:r>
-            <a:r>
-              <a:rPr lang="en-US" altLang="ko-KR" dirty="0" smtClean="0">
-                <a:latin typeface="Times New Roman" panose="02020603050405020304" pitchFamily="18" charset="0"/>
-                <a:cs typeface="Times New Roman" panose="02020603050405020304" pitchFamily="18" charset="0"/>
-              </a:rPr>
-              <a:t>., Vol. 283, 2010, pp. 2488-2491</a:t>
-            </a:r>
-            <a:r>
-              <a:rPr lang="en-US" altLang="ko-KR" dirty="0" smtClean="0">
-                <a:latin typeface="Times New Roman" panose="02020603050405020304" pitchFamily="18" charset="0"/>
-                <a:cs typeface="Times New Roman" panose="02020603050405020304" pitchFamily="18" charset="0"/>
-              </a:rPr>
-              <a:t>.</a:t>
-            </a:r>
-          </a:p>
-          <a:p>
-            <a:pPr marL="285750" indent="-285750">
-              <a:buFont typeface="Arial" panose="020B0604020202020204" pitchFamily="34" charset="0"/>
-              <a:buChar char="•"/>
-            </a:pPr>
-            <a:r>
-              <a:rPr lang="en-US" altLang="ko-KR" dirty="0">
-                <a:latin typeface="Times New Roman" panose="02020603050405020304" pitchFamily="18" charset="0"/>
-                <a:cs typeface="Times New Roman" panose="02020603050405020304" pitchFamily="18" charset="0"/>
-              </a:rPr>
-              <a:t>Hilbert, S. (</a:t>
-            </a:r>
-            <a:r>
-              <a:rPr lang="en-US" altLang="ko-KR" dirty="0" err="1">
-                <a:latin typeface="Times New Roman" panose="02020603050405020304" pitchFamily="18" charset="0"/>
-                <a:cs typeface="Times New Roman" panose="02020603050405020304" pitchFamily="18" charset="0"/>
-              </a:rPr>
-              <a:t>n.d.</a:t>
-            </a:r>
-            <a:r>
-              <a:rPr lang="en-US" altLang="ko-KR" dirty="0">
-                <a:latin typeface="Times New Roman" panose="02020603050405020304" pitchFamily="18" charset="0"/>
-                <a:cs typeface="Times New Roman" panose="02020603050405020304" pitchFamily="18" charset="0"/>
-              </a:rPr>
-              <a:t>). </a:t>
-            </a:r>
-            <a:r>
-              <a:rPr lang="en-US" altLang="ko-KR" i="1" dirty="0">
-                <a:latin typeface="Times New Roman" panose="02020603050405020304" pitchFamily="18" charset="0"/>
-                <a:cs typeface="Times New Roman" panose="02020603050405020304" pitchFamily="18" charset="0"/>
-              </a:rPr>
-              <a:t>FFT Zero Padding</a:t>
-            </a:r>
-            <a:r>
-              <a:rPr lang="en-US" altLang="ko-KR" dirty="0">
-                <a:latin typeface="Times New Roman" panose="02020603050405020304" pitchFamily="18" charset="0"/>
-                <a:cs typeface="Times New Roman" panose="02020603050405020304" pitchFamily="18" charset="0"/>
-              </a:rPr>
-              <a:t>. Retrieved March 15, 2018, </a:t>
-            </a:r>
-            <a:r>
-              <a:rPr lang="en-US" altLang="ko-KR" dirty="0" smtClean="0">
-                <a:latin typeface="Times New Roman" panose="02020603050405020304" pitchFamily="18" charset="0"/>
-                <a:cs typeface="Times New Roman" panose="02020603050405020304" pitchFamily="18" charset="0"/>
-              </a:rPr>
-              <a:t>from http</a:t>
-            </a:r>
-            <a:r>
-              <a:rPr lang="en-US" altLang="ko-KR" dirty="0">
-                <a:latin typeface="Times New Roman" panose="02020603050405020304" pitchFamily="18" charset="0"/>
-                <a:cs typeface="Times New Roman" panose="02020603050405020304" pitchFamily="18" charset="0"/>
-              </a:rPr>
-              <a:t>://www.bitweenie.com/listings/fft-zero-padding</a:t>
-            </a:r>
-            <a:r>
-              <a:rPr lang="en-US" altLang="ko-KR" dirty="0" smtClean="0">
-                <a:latin typeface="Times New Roman" panose="02020603050405020304" pitchFamily="18" charset="0"/>
-                <a:cs typeface="Times New Roman" panose="02020603050405020304" pitchFamily="18" charset="0"/>
-              </a:rPr>
-              <a:t>/</a:t>
-            </a:r>
-          </a:p>
-          <a:p>
-            <a:pPr marL="285750" indent="-285750">
-              <a:buFont typeface="Arial" panose="020B0604020202020204" pitchFamily="34" charset="0"/>
-              <a:buChar char="•"/>
-            </a:pPr>
-            <a:r>
-              <a:rPr lang="en-US" altLang="ko-KR" dirty="0" smtClean="0">
-                <a:latin typeface="Times New Roman" panose="02020603050405020304" pitchFamily="18" charset="0"/>
-                <a:cs typeface="Times New Roman" panose="02020603050405020304" pitchFamily="18" charset="0"/>
-              </a:rPr>
-              <a:t>Jepsen, P. U., and B. M. Fischer, “Dynamic Range in Terahertz Time-Domain Transmission and Reflection Spectroscopy,” </a:t>
-            </a:r>
-            <a:r>
-              <a:rPr lang="en-US" altLang="ko-KR" i="1" dirty="0" smtClean="0">
-                <a:latin typeface="Times New Roman" panose="02020603050405020304" pitchFamily="18" charset="0"/>
-                <a:cs typeface="Times New Roman" panose="02020603050405020304" pitchFamily="18" charset="0"/>
-              </a:rPr>
-              <a:t>Opt. Lett</a:t>
-            </a:r>
-            <a:r>
-              <a:rPr lang="en-US" altLang="ko-KR" dirty="0" smtClean="0">
-                <a:latin typeface="Times New Roman" panose="02020603050405020304" pitchFamily="18" charset="0"/>
-                <a:cs typeface="Times New Roman" panose="02020603050405020304" pitchFamily="18" charset="0"/>
-              </a:rPr>
-              <a:t>., Vol. 30, 2005, pp. 29-31.</a:t>
-            </a:r>
-            <a:endParaRPr lang="en-US" altLang="ko-KR" dirty="0" smtClean="0">
-              <a:latin typeface="Times New Roman" panose="02020603050405020304" pitchFamily="18" charset="0"/>
-              <a:cs typeface="Times New Roman" panose="02020603050405020304" pitchFamily="18" charset="0"/>
-            </a:endParaRPr>
-          </a:p>
-        </p:txBody>
-      </p:sp>
-      <p:sp>
-        <p:nvSpPr>
-          <p:cNvPr id="3" name="날짜 개체 틀 2"/>
-          <p:cNvSpPr>
-            <a:spLocks noGrp="1"/>
-          </p:cNvSpPr>
-          <p:nvPr>
-            <p:ph type="dt" sz="half" idx="10"/>
-          </p:nvPr>
-        </p:nvSpPr>
-        <p:spPr/>
-        <p:txBody>
-          <a:bodyPr/>
-          <a:lstStyle/>
-          <a:p>
-            <a:fld id="{6509A91F-0059-474E-BAEC-65E67593FE25}" type="datetime1">
-              <a:rPr lang="ko-KR" altLang="en-US" smtClean="0"/>
-              <a:t>2018-03-15</a:t>
-            </a:fld>
-            <a:endParaRPr lang="ko-KR" altLang="en-US"/>
-          </a:p>
-        </p:txBody>
-      </p:sp>
-      <p:sp>
-        <p:nvSpPr>
-          <p:cNvPr id="4" name="슬라이드 번호 개체 틀 3"/>
-          <p:cNvSpPr>
-            <a:spLocks noGrp="1"/>
-          </p:cNvSpPr>
-          <p:nvPr>
-            <p:ph type="sldNum" sz="quarter" idx="12"/>
-          </p:nvPr>
-        </p:nvSpPr>
-        <p:spPr/>
-        <p:txBody>
-          <a:bodyPr/>
-          <a:lstStyle/>
-          <a:p>
-            <a:fld id="{8765F8EB-1186-4395-8E70-F957669279DD}" type="slidenum">
-              <a:rPr lang="ko-KR" altLang="en-US" smtClean="0"/>
-              <a:t>16</a:t>
-            </a:fld>
-            <a:endParaRPr lang="ko-KR" altLang="en-US"/>
+              <a:t>. Retrieved March 15, 2018, from http://www.bitweenie.com/listings/fft-zero-padding/</a:t>
+            </a:r>
           </a:p>
         </p:txBody>
       </p:sp>
     </p:spTree>
     <p:extLst>
       <p:ext uri="{BB962C8B-B14F-4D97-AF65-F5344CB8AC3E}">
-        <p14:creationId xmlns:p14="http://schemas.microsoft.com/office/powerpoint/2010/main" val="3518239763"/>
+        <p14:creationId xmlns:p14="http://schemas.microsoft.com/office/powerpoint/2010/main" val="3515582539"/>
       </p:ext>
     </p:extLst>
   </p:cSld>
@@ -7661,7 +9614,7 @@
           <a:p>
             <a:fld id="{D71C2118-E1AA-468B-9259-8864ED518988}" type="datetime1">
               <a:rPr lang="ko-KR" altLang="en-US" smtClean="0"/>
-              <a:t>2018-03-15</a:t>
+              <a:t>2018-03-16</a:t>
             </a:fld>
             <a:endParaRPr lang="ko-KR" altLang="en-US"/>
           </a:p>
@@ -7710,7 +9663,7 @@
 </p:sld>
 </file>
 
-<file path=ppt/slides/slide3.xml><?xml version="1.0" encoding="utf-8"?>
+<file path=ppt/slides/slide20.xml><?xml version="1.0" encoding="utf-8"?>
 <p:sld xmlns:a="http://schemas.openxmlformats.org/drawingml/2006/main" xmlns:r="http://schemas.openxmlformats.org/officeDocument/2006/relationships" xmlns:p="http://schemas.openxmlformats.org/presentationml/2006/main">
   <p:cSld>
     <p:spTree>
@@ -7777,6 +9730,528 @@
           <a:lstStyle/>
           <a:p>
             <a:pPr algn="ctr"/>
+            <a:r>
+              <a:rPr lang="en-US" altLang="ko-KR" sz="2800" dirty="0" smtClean="0">
+                <a:solidFill>
+                  <a:schemeClr val="bg1"/>
+                </a:solidFill>
+                <a:latin typeface="Arial" panose="020B0604020202020204" pitchFamily="34" charset="0"/>
+              </a:rPr>
+              <a:t>References</a:t>
+            </a:r>
+            <a:endParaRPr lang="en-US" altLang="ko-KR" sz="2800" dirty="0">
+              <a:solidFill>
+                <a:schemeClr val="bg1"/>
+              </a:solidFill>
+              <a:latin typeface="Arial" panose="020B0604020202020204" pitchFamily="34" charset="0"/>
+            </a:endParaRPr>
+          </a:p>
+        </p:txBody>
+      </p:sp>
+      <p:sp>
+        <p:nvSpPr>
+          <p:cNvPr id="2" name="TextBox 1"/>
+          <p:cNvSpPr txBox="1"/>
+          <p:nvPr/>
+        </p:nvSpPr>
+        <p:spPr>
+          <a:xfrm>
+            <a:off x="268165" y="1362807"/>
+            <a:ext cx="8607669" cy="4524315"/>
+          </a:xfrm>
+          <a:prstGeom prst="rect">
+            <a:avLst/>
+          </a:prstGeom>
+          <a:noFill/>
+        </p:spPr>
+        <p:txBody>
+          <a:bodyPr wrap="square" rtlCol="0">
+            <a:spAutoFit/>
+          </a:bodyPr>
+          <a:lstStyle/>
+          <a:p>
+            <a:pPr marL="285750" indent="-285750">
+              <a:buFont typeface="Arial" panose="020B0604020202020204" pitchFamily="34" charset="0"/>
+              <a:buChar char="•"/>
+            </a:pPr>
+            <a:r>
+              <a:rPr lang="en-US" altLang="ko-KR" dirty="0" err="1" smtClean="0">
+                <a:latin typeface="Times New Roman" panose="02020603050405020304" pitchFamily="18" charset="0"/>
+                <a:cs typeface="Times New Roman" panose="02020603050405020304" pitchFamily="18" charset="0"/>
+              </a:rPr>
+              <a:t>Ratcliffe</a:t>
+            </a:r>
+            <a:r>
+              <a:rPr lang="en-US" altLang="ko-KR" dirty="0">
+                <a:latin typeface="Times New Roman" panose="02020603050405020304" pitchFamily="18" charset="0"/>
+                <a:cs typeface="Times New Roman" panose="02020603050405020304" pitchFamily="18" charset="0"/>
+              </a:rPr>
+              <a:t>, C., </a:t>
+            </a:r>
+            <a:r>
+              <a:rPr lang="en-US" altLang="ko-KR" dirty="0" smtClean="0">
+                <a:latin typeface="Times New Roman" panose="02020603050405020304" pitchFamily="18" charset="0"/>
+                <a:cs typeface="Times New Roman" panose="02020603050405020304" pitchFamily="18" charset="0"/>
+              </a:rPr>
+              <a:t>and </a:t>
+            </a:r>
+            <a:r>
+              <a:rPr lang="en-US" altLang="ko-KR" dirty="0" err="1">
+                <a:latin typeface="Times New Roman" panose="02020603050405020304" pitchFamily="18" charset="0"/>
+                <a:cs typeface="Times New Roman" panose="02020603050405020304" pitchFamily="18" charset="0"/>
+              </a:rPr>
+              <a:t>Ratcliffe</a:t>
+            </a:r>
+            <a:r>
+              <a:rPr lang="en-US" altLang="ko-KR" dirty="0">
+                <a:latin typeface="Times New Roman" panose="02020603050405020304" pitchFamily="18" charset="0"/>
+                <a:cs typeface="Times New Roman" panose="02020603050405020304" pitchFamily="18" charset="0"/>
+              </a:rPr>
+              <a:t>, </a:t>
+            </a:r>
+            <a:r>
+              <a:rPr lang="en-US" altLang="ko-KR" dirty="0" smtClean="0">
+                <a:latin typeface="Times New Roman" panose="02020603050405020304" pitchFamily="18" charset="0"/>
+                <a:cs typeface="Times New Roman" panose="02020603050405020304" pitchFamily="18" charset="0"/>
+              </a:rPr>
+              <a:t>B., </a:t>
+            </a:r>
+            <a:r>
+              <a:rPr lang="en-US" altLang="ko-KR" i="1" dirty="0">
+                <a:latin typeface="Times New Roman" panose="02020603050405020304" pitchFamily="18" charset="0"/>
+                <a:cs typeface="Times New Roman" panose="02020603050405020304" pitchFamily="18" charset="0"/>
+              </a:rPr>
+              <a:t>Doubt-Free Uncertainty In </a:t>
+            </a:r>
+            <a:r>
+              <a:rPr lang="en-US" altLang="ko-KR" i="1" dirty="0" smtClean="0">
+                <a:latin typeface="Times New Roman" panose="02020603050405020304" pitchFamily="18" charset="0"/>
+                <a:cs typeface="Times New Roman" panose="02020603050405020304" pitchFamily="18" charset="0"/>
+              </a:rPr>
+              <a:t>Measurement: An </a:t>
+            </a:r>
+            <a:r>
+              <a:rPr lang="en-US" altLang="ko-KR" i="1" dirty="0">
+                <a:latin typeface="Times New Roman" panose="02020603050405020304" pitchFamily="18" charset="0"/>
+                <a:cs typeface="Times New Roman" panose="02020603050405020304" pitchFamily="18" charset="0"/>
+              </a:rPr>
+              <a:t>Introduction for Engineers and </a:t>
+            </a:r>
+            <a:r>
+              <a:rPr lang="en-US" altLang="ko-KR" i="1" dirty="0" smtClean="0">
+                <a:latin typeface="Times New Roman" panose="02020603050405020304" pitchFamily="18" charset="0"/>
+                <a:cs typeface="Times New Roman" panose="02020603050405020304" pitchFamily="18" charset="0"/>
+              </a:rPr>
+              <a:t>Students</a:t>
+            </a:r>
+            <a:r>
+              <a:rPr lang="en-US" altLang="ko-KR" dirty="0">
+                <a:latin typeface="Times New Roman" panose="02020603050405020304" pitchFamily="18" charset="0"/>
+                <a:cs typeface="Times New Roman" panose="02020603050405020304" pitchFamily="18" charset="0"/>
+              </a:rPr>
+              <a:t>,</a:t>
+            </a:r>
+            <a:r>
+              <a:rPr lang="en-US" altLang="ko-KR" dirty="0" smtClean="0">
+                <a:latin typeface="Times New Roman" panose="02020603050405020304" pitchFamily="18" charset="0"/>
+                <a:cs typeface="Times New Roman" panose="02020603050405020304" pitchFamily="18" charset="0"/>
+              </a:rPr>
+              <a:t> </a:t>
+            </a:r>
+            <a:r>
+              <a:rPr lang="en-US" altLang="ko-KR" dirty="0">
+                <a:latin typeface="Times New Roman" panose="02020603050405020304" pitchFamily="18" charset="0"/>
+                <a:cs typeface="Times New Roman" panose="02020603050405020304" pitchFamily="18" charset="0"/>
+              </a:rPr>
+              <a:t>Cham: </a:t>
+            </a:r>
+            <a:r>
+              <a:rPr lang="en-US" altLang="ko-KR" dirty="0" smtClean="0">
+                <a:latin typeface="Times New Roman" panose="02020603050405020304" pitchFamily="18" charset="0"/>
+                <a:cs typeface="Times New Roman" panose="02020603050405020304" pitchFamily="18" charset="0"/>
+              </a:rPr>
+              <a:t>Springer, 2015, pp. 9-18.</a:t>
+            </a:r>
+          </a:p>
+          <a:p>
+            <a:pPr marL="285750" indent="-285750">
+              <a:buFont typeface="Arial" panose="020B0604020202020204" pitchFamily="34" charset="0"/>
+              <a:buChar char="•"/>
+            </a:pPr>
+            <a:r>
+              <a:rPr lang="en-US" altLang="ko-KR" dirty="0" err="1" smtClean="0">
+                <a:latin typeface="Times New Roman" panose="02020603050405020304" pitchFamily="18" charset="0"/>
+                <a:cs typeface="Times New Roman" panose="02020603050405020304" pitchFamily="18" charset="0"/>
+              </a:rPr>
+              <a:t>Tripathi</a:t>
+            </a:r>
+            <a:r>
+              <a:rPr lang="en-US" altLang="ko-KR" dirty="0" smtClean="0">
+                <a:latin typeface="Times New Roman" panose="02020603050405020304" pitchFamily="18" charset="0"/>
+                <a:cs typeface="Times New Roman" panose="02020603050405020304" pitchFamily="18" charset="0"/>
+              </a:rPr>
+              <a:t>, S. R., et al., “</a:t>
+            </a:r>
+            <a:r>
+              <a:rPr lang="en-US" altLang="ko-KR" dirty="0" err="1" smtClean="0">
+                <a:latin typeface="Times New Roman" panose="02020603050405020304" pitchFamily="18" charset="0"/>
+                <a:cs typeface="Times New Roman" panose="02020603050405020304" pitchFamily="18" charset="0"/>
+              </a:rPr>
+              <a:t>Pratical</a:t>
+            </a:r>
+            <a:r>
+              <a:rPr lang="en-US" altLang="ko-KR" dirty="0" smtClean="0">
+                <a:latin typeface="Times New Roman" panose="02020603050405020304" pitchFamily="18" charset="0"/>
+                <a:cs typeface="Times New Roman" panose="02020603050405020304" pitchFamily="18" charset="0"/>
+              </a:rPr>
+              <a:t> Method to Estimate the Standard Deviation in Absorption Coefficients Measured with THz Time-Domain Spectroscopy,” </a:t>
+            </a:r>
+            <a:r>
+              <a:rPr lang="en-US" altLang="ko-KR" i="1" dirty="0" smtClean="0">
+                <a:latin typeface="Times New Roman" panose="02020603050405020304" pitchFamily="18" charset="0"/>
+                <a:cs typeface="Times New Roman" panose="02020603050405020304" pitchFamily="18" charset="0"/>
+              </a:rPr>
+              <a:t>Opt. </a:t>
+            </a:r>
+            <a:r>
+              <a:rPr lang="en-US" altLang="ko-KR" i="1" dirty="0" err="1" smtClean="0">
+                <a:latin typeface="Times New Roman" panose="02020603050405020304" pitchFamily="18" charset="0"/>
+                <a:cs typeface="Times New Roman" panose="02020603050405020304" pitchFamily="18" charset="0"/>
+              </a:rPr>
+              <a:t>Commun</a:t>
+            </a:r>
+            <a:r>
+              <a:rPr lang="en-US" altLang="ko-KR" dirty="0" smtClean="0">
+                <a:latin typeface="Times New Roman" panose="02020603050405020304" pitchFamily="18" charset="0"/>
+                <a:cs typeface="Times New Roman" panose="02020603050405020304" pitchFamily="18" charset="0"/>
+              </a:rPr>
+              <a:t>., Vol. 283, 2010, pp. 2488-2491.</a:t>
+            </a:r>
+          </a:p>
+          <a:p>
+            <a:pPr marL="285750" indent="-285750">
+              <a:buFont typeface="Arial" panose="020B0604020202020204" pitchFamily="34" charset="0"/>
+              <a:buChar char="•"/>
+            </a:pPr>
+            <a:r>
+              <a:rPr lang="en-US" altLang="ko-KR" dirty="0">
+                <a:latin typeface="Times New Roman" panose="02020603050405020304" pitchFamily="18" charset="0"/>
+                <a:cs typeface="Times New Roman" panose="02020603050405020304" pitchFamily="18" charset="0"/>
+              </a:rPr>
+              <a:t>Hilbert, S. (</a:t>
+            </a:r>
+            <a:r>
+              <a:rPr lang="en-US" altLang="ko-KR" dirty="0" err="1">
+                <a:latin typeface="Times New Roman" panose="02020603050405020304" pitchFamily="18" charset="0"/>
+                <a:cs typeface="Times New Roman" panose="02020603050405020304" pitchFamily="18" charset="0"/>
+              </a:rPr>
+              <a:t>n.d.</a:t>
+            </a:r>
+            <a:r>
+              <a:rPr lang="en-US" altLang="ko-KR" dirty="0">
+                <a:latin typeface="Times New Roman" panose="02020603050405020304" pitchFamily="18" charset="0"/>
+                <a:cs typeface="Times New Roman" panose="02020603050405020304" pitchFamily="18" charset="0"/>
+              </a:rPr>
+              <a:t>). </a:t>
+            </a:r>
+            <a:r>
+              <a:rPr lang="en-US" altLang="ko-KR" i="1" dirty="0">
+                <a:latin typeface="Times New Roman" panose="02020603050405020304" pitchFamily="18" charset="0"/>
+                <a:cs typeface="Times New Roman" panose="02020603050405020304" pitchFamily="18" charset="0"/>
+              </a:rPr>
+              <a:t>FFT Zero Padding</a:t>
+            </a:r>
+            <a:r>
+              <a:rPr lang="en-US" altLang="ko-KR" dirty="0">
+                <a:latin typeface="Times New Roman" panose="02020603050405020304" pitchFamily="18" charset="0"/>
+                <a:cs typeface="Times New Roman" panose="02020603050405020304" pitchFamily="18" charset="0"/>
+              </a:rPr>
+              <a:t>. Retrieved March 15, 2018, </a:t>
+            </a:r>
+            <a:r>
+              <a:rPr lang="en-US" altLang="ko-KR" dirty="0" smtClean="0">
+                <a:latin typeface="Times New Roman" panose="02020603050405020304" pitchFamily="18" charset="0"/>
+                <a:cs typeface="Times New Roman" panose="02020603050405020304" pitchFamily="18" charset="0"/>
+              </a:rPr>
+              <a:t>from http</a:t>
+            </a:r>
+            <a:r>
+              <a:rPr lang="en-US" altLang="ko-KR" dirty="0">
+                <a:latin typeface="Times New Roman" panose="02020603050405020304" pitchFamily="18" charset="0"/>
+                <a:cs typeface="Times New Roman" panose="02020603050405020304" pitchFamily="18" charset="0"/>
+              </a:rPr>
+              <a:t>://www.bitweenie.com/listings/fft-zero-padding</a:t>
+            </a:r>
+            <a:r>
+              <a:rPr lang="en-US" altLang="ko-KR" dirty="0" smtClean="0">
+                <a:latin typeface="Times New Roman" panose="02020603050405020304" pitchFamily="18" charset="0"/>
+                <a:cs typeface="Times New Roman" panose="02020603050405020304" pitchFamily="18" charset="0"/>
+              </a:rPr>
+              <a:t>/</a:t>
+            </a:r>
+          </a:p>
+          <a:p>
+            <a:pPr marL="285750" indent="-285750">
+              <a:buFont typeface="Arial" panose="020B0604020202020204" pitchFamily="34" charset="0"/>
+              <a:buChar char="•"/>
+            </a:pPr>
+            <a:r>
+              <a:rPr lang="en-US" altLang="ko-KR" dirty="0" smtClean="0">
+                <a:latin typeface="Times New Roman" panose="02020603050405020304" pitchFamily="18" charset="0"/>
+                <a:cs typeface="Times New Roman" panose="02020603050405020304" pitchFamily="18" charset="0"/>
+              </a:rPr>
+              <a:t>Jepsen, P. U., and B. M. Fischer, “Dynamic Range in Terahertz Time-Domain Transmission and Reflection Spectroscopy,” </a:t>
+            </a:r>
+            <a:r>
+              <a:rPr lang="en-US" altLang="ko-KR" i="1" dirty="0" smtClean="0">
+                <a:latin typeface="Times New Roman" panose="02020603050405020304" pitchFamily="18" charset="0"/>
+                <a:cs typeface="Times New Roman" panose="02020603050405020304" pitchFamily="18" charset="0"/>
+              </a:rPr>
+              <a:t>Opt. Lett</a:t>
+            </a:r>
+            <a:r>
+              <a:rPr lang="en-US" altLang="ko-KR" dirty="0" smtClean="0">
+                <a:latin typeface="Times New Roman" panose="02020603050405020304" pitchFamily="18" charset="0"/>
+                <a:cs typeface="Times New Roman" panose="02020603050405020304" pitchFamily="18" charset="0"/>
+              </a:rPr>
+              <a:t>., Vol. 30, 2005, pp. 29-31</a:t>
+            </a:r>
+            <a:r>
+              <a:rPr lang="en-US" altLang="ko-KR" dirty="0" smtClean="0">
+                <a:latin typeface="Times New Roman" panose="02020603050405020304" pitchFamily="18" charset="0"/>
+                <a:cs typeface="Times New Roman" panose="02020603050405020304" pitchFamily="18" charset="0"/>
+              </a:rPr>
+              <a:t>.</a:t>
+            </a:r>
+          </a:p>
+          <a:p>
+            <a:pPr marL="285750" indent="-285750">
+              <a:buFont typeface="Arial" panose="020B0604020202020204" pitchFamily="34" charset="0"/>
+              <a:buChar char="•"/>
+            </a:pPr>
+            <a:r>
+              <a:rPr lang="en-US" altLang="ko-KR" dirty="0" err="1" smtClean="0">
+                <a:latin typeface="Times New Roman" panose="02020603050405020304" pitchFamily="18" charset="0"/>
+                <a:cs typeface="Times New Roman" panose="02020603050405020304" pitchFamily="18" charset="0"/>
+              </a:rPr>
+              <a:t>Hou</a:t>
+            </a:r>
+            <a:r>
+              <a:rPr lang="en-US" altLang="ko-KR" dirty="0" smtClean="0">
+                <a:latin typeface="Times New Roman" panose="02020603050405020304" pitchFamily="18" charset="0"/>
+                <a:cs typeface="Times New Roman" panose="02020603050405020304" pitchFamily="18" charset="0"/>
+              </a:rPr>
+              <a:t>, L., W. Shi, and S. Chen, “Noise Analysis and Optimization of Terahertz Photoconductive Emitters,” </a:t>
+            </a:r>
+            <a:r>
+              <a:rPr lang="en-US" altLang="ko-KR" i="1" dirty="0" smtClean="0">
+                <a:latin typeface="Times New Roman" panose="02020603050405020304" pitchFamily="18" charset="0"/>
+                <a:cs typeface="Times New Roman" panose="02020603050405020304" pitchFamily="18" charset="0"/>
+              </a:rPr>
+              <a:t>IEEE J. Selected Topics Quantum Electronics</a:t>
+            </a:r>
+            <a:r>
+              <a:rPr lang="en-US" altLang="ko-KR" dirty="0" smtClean="0">
+                <a:latin typeface="Times New Roman" panose="02020603050405020304" pitchFamily="18" charset="0"/>
+                <a:cs typeface="Times New Roman" panose="02020603050405020304" pitchFamily="18" charset="0"/>
+              </a:rPr>
+              <a:t>, Vol. 19, 2013, p. 8401305.</a:t>
+            </a:r>
+          </a:p>
+          <a:p>
+            <a:pPr marL="285750" indent="-285750">
+              <a:buFont typeface="Arial" panose="020B0604020202020204" pitchFamily="34" charset="0"/>
+              <a:buChar char="•"/>
+            </a:pPr>
+            <a:r>
+              <a:rPr lang="en-US" altLang="ko-KR" dirty="0" smtClean="0">
+                <a:latin typeface="Times New Roman" panose="02020603050405020304" pitchFamily="18" charset="0"/>
+                <a:cs typeface="Times New Roman" panose="02020603050405020304" pitchFamily="18" charset="0"/>
+              </a:rPr>
+              <a:t>Choi, D., et al., “Focused Beam Effect on Measuring Precise Optical Parameters of Liquid Water with Terahertz Time Domain Spectroscopy,” </a:t>
+            </a:r>
+            <a:r>
+              <a:rPr lang="en-US" altLang="ko-KR" i="1" dirty="0" smtClean="0">
+                <a:latin typeface="Times New Roman" panose="02020603050405020304" pitchFamily="18" charset="0"/>
+                <a:cs typeface="Times New Roman" panose="02020603050405020304" pitchFamily="18" charset="0"/>
+              </a:rPr>
+              <a:t>2011 36</a:t>
+            </a:r>
+            <a:r>
+              <a:rPr lang="en-US" altLang="ko-KR" i="1" baseline="30000" dirty="0" smtClean="0">
+                <a:latin typeface="Times New Roman" panose="02020603050405020304" pitchFamily="18" charset="0"/>
+                <a:cs typeface="Times New Roman" panose="02020603050405020304" pitchFamily="18" charset="0"/>
+              </a:rPr>
+              <a:t>th</a:t>
+            </a:r>
+            <a:r>
+              <a:rPr lang="en-US" altLang="ko-KR" i="1" dirty="0" smtClean="0">
+                <a:latin typeface="Times New Roman" panose="02020603050405020304" pitchFamily="18" charset="0"/>
+                <a:cs typeface="Times New Roman" panose="02020603050405020304" pitchFamily="18" charset="0"/>
+              </a:rPr>
+              <a:t> </a:t>
+            </a:r>
+            <a:r>
+              <a:rPr lang="en-US" altLang="ko-KR" i="1" dirty="0" err="1" smtClean="0">
+                <a:latin typeface="Times New Roman" panose="02020603050405020304" pitchFamily="18" charset="0"/>
+                <a:cs typeface="Times New Roman" panose="02020603050405020304" pitchFamily="18" charset="0"/>
+              </a:rPr>
+              <a:t>Onternational</a:t>
+            </a:r>
+            <a:r>
+              <a:rPr lang="en-US" altLang="ko-KR" i="1" dirty="0" smtClean="0">
+                <a:latin typeface="Times New Roman" panose="02020603050405020304" pitchFamily="18" charset="0"/>
+                <a:cs typeface="Times New Roman" panose="02020603050405020304" pitchFamily="18" charset="0"/>
+              </a:rPr>
+              <a:t> Conference on Infrared, Millimeter and Terahertz Waves (IRMMW-THz)</a:t>
+            </a:r>
+            <a:r>
+              <a:rPr lang="en-US" altLang="ko-KR" dirty="0" smtClean="0">
+                <a:latin typeface="Times New Roman" panose="02020603050405020304" pitchFamily="18" charset="0"/>
+                <a:cs typeface="Times New Roman" panose="02020603050405020304" pitchFamily="18" charset="0"/>
+              </a:rPr>
+              <a:t>, October 2011, pp. 1-7.</a:t>
+            </a:r>
+            <a:endParaRPr lang="en-US" altLang="ko-KR" dirty="0" smtClean="0">
+              <a:latin typeface="Times New Roman" panose="02020603050405020304" pitchFamily="18" charset="0"/>
+              <a:cs typeface="Times New Roman" panose="02020603050405020304" pitchFamily="18" charset="0"/>
+            </a:endParaRPr>
+          </a:p>
+        </p:txBody>
+      </p:sp>
+      <p:sp>
+        <p:nvSpPr>
+          <p:cNvPr id="3" name="날짜 개체 틀 2"/>
+          <p:cNvSpPr>
+            <a:spLocks noGrp="1"/>
+          </p:cNvSpPr>
+          <p:nvPr>
+            <p:ph type="dt" sz="half" idx="10"/>
+          </p:nvPr>
+        </p:nvSpPr>
+        <p:spPr/>
+        <p:txBody>
+          <a:bodyPr/>
+          <a:lstStyle/>
+          <a:p>
+            <a:fld id="{6509A91F-0059-474E-BAEC-65E67593FE25}" type="datetime1">
+              <a:rPr lang="ko-KR" altLang="en-US" smtClean="0"/>
+              <a:t>2018-03-16</a:t>
+            </a:fld>
+            <a:endParaRPr lang="ko-KR" altLang="en-US"/>
+          </a:p>
+        </p:txBody>
+      </p:sp>
+      <p:sp>
+        <p:nvSpPr>
+          <p:cNvPr id="4" name="슬라이드 번호 개체 틀 3"/>
+          <p:cNvSpPr>
+            <a:spLocks noGrp="1"/>
+          </p:cNvSpPr>
+          <p:nvPr>
+            <p:ph type="sldNum" sz="quarter" idx="12"/>
+          </p:nvPr>
+        </p:nvSpPr>
+        <p:spPr/>
+        <p:txBody>
+          <a:bodyPr/>
+          <a:lstStyle/>
+          <a:p>
+            <a:fld id="{8765F8EB-1186-4395-8E70-F957669279DD}" type="slidenum">
+              <a:rPr lang="ko-KR" altLang="en-US" smtClean="0"/>
+              <a:t>20</a:t>
+            </a:fld>
+            <a:endParaRPr lang="ko-KR" altLang="en-US"/>
+          </a:p>
+        </p:txBody>
+      </p:sp>
+    </p:spTree>
+    <p:extLst>
+      <p:ext uri="{BB962C8B-B14F-4D97-AF65-F5344CB8AC3E}">
+        <p14:creationId xmlns:p14="http://schemas.microsoft.com/office/powerpoint/2010/main" val="3518239763"/>
+      </p:ext>
+    </p:extLst>
+  </p:cSld>
+  <p:clrMapOvr>
+    <a:masterClrMapping/>
+  </p:clrMapOvr>
+  <p:timing>
+    <p:tnLst>
+      <p:par>
+        <p:cTn id="1" dur="indefinite" restart="never" nodeType="tmRoot"/>
+      </p:par>
+    </p:tnLst>
+  </p:timing>
+</p:sld>
+</file>
+
+<file path=ppt/slides/slide3.xml><?xml version="1.0" encoding="utf-8"?>
+<p:sld xmlns:a="http://schemas.openxmlformats.org/drawingml/2006/main" xmlns:r="http://schemas.openxmlformats.org/officeDocument/2006/relationships" xmlns:p="http://schemas.openxmlformats.org/presentationml/2006/main">
+  <p:cSld>
+    <p:spTree>
+      <p:nvGrpSpPr>
+        <p:cNvPr id="1" name=""/>
+        <p:cNvGrpSpPr/>
+        <p:nvPr/>
+      </p:nvGrpSpPr>
+      <p:grpSpPr>
+        <a:xfrm>
+          <a:off x="0" y="0"/>
+          <a:ext cx="0" cy="0"/>
+          <a:chOff x="0" y="0"/>
+          <a:chExt cx="0" cy="0"/>
+        </a:xfrm>
+      </p:grpSpPr>
+      <p:sp>
+        <p:nvSpPr>
+          <p:cNvPr id="6199" name="Rectangle 55"/>
+          <p:cNvSpPr>
+            <a:spLocks noChangeArrowheads="1"/>
+          </p:cNvSpPr>
+          <p:nvPr/>
+        </p:nvSpPr>
+        <p:spPr bwMode="auto">
+          <a:xfrm>
+            <a:off x="0" y="0"/>
+            <a:ext cx="9144000" cy="692150"/>
+          </a:xfrm>
+          <a:prstGeom prst="rect">
+            <a:avLst/>
+          </a:prstGeom>
+          <a:solidFill>
+            <a:srgbClr val="3333FF"/>
+          </a:solidFill>
+          <a:ln>
+            <a:noFill/>
+          </a:ln>
+          <a:effectLst/>
+          <a:extLst>
+            <a:ext uri="{91240B29-F687-4F45-9708-019B960494DF}">
+              <a14:hiddenLine xmlns:a14="http://schemas.microsoft.com/office/drawing/2010/main" w="9525">
+                <a:solidFill>
+                  <a:schemeClr val="tx1"/>
+                </a:solidFill>
+                <a:miter lim="800000"/>
+                <a:headEnd/>
+                <a:tailEnd/>
+              </a14:hiddenLine>
+            </a:ext>
+            <a:ext uri="{AF507438-7753-43E0-B8FC-AC1667EBCBE1}">
+              <a14:hiddenEffects xmlns:a14="http://schemas.microsoft.com/office/drawing/2010/main">
+                <a:effectLst>
+                  <a:outerShdw dist="35921" dir="2700000" algn="ctr" rotWithShape="0">
+                    <a:schemeClr val="bg2"/>
+                  </a:outerShdw>
+                </a:effectLst>
+              </a14:hiddenEffects>
+            </a:ext>
+          </a:extLst>
+        </p:spPr>
+        <p:txBody>
+          <a:bodyPr wrap="none" anchor="ctr"/>
+          <a:lstStyle/>
+          <a:p>
+            <a:pPr algn="ctr"/>
             <a:endParaRPr lang="en-US" altLang="ko-KR" sz="2800" dirty="0">
               <a:solidFill>
                 <a:schemeClr val="bg1"/>
@@ -7870,7 +10345,7 @@
           <a:p>
             <a:fld id="{F85A177F-6FD3-496B-8A9C-B332CA04E863}" type="datetime1">
               <a:rPr lang="ko-KR" altLang="en-US" smtClean="0"/>
-              <a:t>2018-03-15</a:t>
+              <a:t>2018-03-16</a:t>
             </a:fld>
             <a:endParaRPr lang="ko-KR" altLang="en-US"/>
           </a:p>
@@ -8098,7 +10573,7 @@
           <a:p>
             <a:fld id="{53646E5C-8775-44A9-9523-40B6CCA06789}" type="datetime1">
               <a:rPr lang="ko-KR" altLang="en-US" smtClean="0"/>
-              <a:t>2018-03-15</a:t>
+              <a:t>2018-03-16</a:t>
             </a:fld>
             <a:endParaRPr lang="ko-KR" altLang="en-US"/>
           </a:p>
@@ -8846,7 +11321,7 @@
           <a:p>
             <a:fld id="{53646E5C-8775-44A9-9523-40B6CCA06789}" type="datetime1">
               <a:rPr lang="ko-KR" altLang="en-US" smtClean="0"/>
-              <a:t>2018-03-15</a:t>
+              <a:t>2018-03-16</a:t>
             </a:fld>
             <a:endParaRPr lang="ko-KR" altLang="en-US"/>
           </a:p>
@@ -9066,7 +11541,7 @@
           <a:p>
             <a:fld id="{F85A177F-6FD3-496B-8A9C-B332CA04E863}" type="datetime1">
               <a:rPr lang="ko-KR" altLang="en-US" smtClean="0"/>
-              <a:t>2018-03-15</a:t>
+              <a:t>2018-03-16</a:t>
             </a:fld>
             <a:endParaRPr lang="ko-KR" altLang="en-US"/>
           </a:p>
@@ -9211,7 +11686,7 @@
           <a:p>
             <a:fld id="{7C8D4B38-891E-4F54-A70A-6E9745DD623C}" type="datetime1">
               <a:rPr lang="ko-KR" altLang="en-US" smtClean="0"/>
-              <a:t>2018-03-15</a:t>
+              <a:t>2018-03-16</a:t>
             </a:fld>
             <a:endParaRPr lang="ko-KR" altLang="en-US"/>
           </a:p>
@@ -9963,7 +12438,7 @@
           <a:p>
             <a:fld id="{F85A177F-6FD3-496B-8A9C-B332CA04E863}" type="datetime1">
               <a:rPr lang="ko-KR" altLang="en-US" smtClean="0"/>
-              <a:t>2018-03-15</a:t>
+              <a:t>2018-03-16</a:t>
             </a:fld>
             <a:endParaRPr lang="ko-KR" altLang="en-US"/>
           </a:p>
@@ -10108,7 +12583,7 @@
           <a:p>
             <a:fld id="{7C8D4B38-891E-4F54-A70A-6E9745DD623C}" type="datetime1">
               <a:rPr lang="ko-KR" altLang="en-US" smtClean="0"/>
-              <a:t>2018-03-15</a:t>
+              <a:t>2018-03-16</a:t>
             </a:fld>
             <a:endParaRPr lang="ko-KR" altLang="en-US"/>
           </a:p>

--- a/Terahertz Metrology/Ch3/Terahertz Metrology_Ch3.pptx
+++ b/Terahertz Metrology/Ch3/Terahertz Metrology_Ch3.pptx
@@ -216,7 +216,7 @@
           <a:p>
             <a:fld id="{A9D6DECA-6E4E-4D09-9277-E151A2E3F74C}" type="datetimeFigureOut">
               <a:rPr lang="ko-KR" altLang="en-US" smtClean="0"/>
-              <a:t>2018-03-16</a:t>
+              <a:t>2018-03-17</a:t>
             </a:fld>
             <a:endParaRPr lang="ko-KR" altLang="en-US"/>
           </a:p>
@@ -2295,7 +2295,7 @@
           <a:p>
             <a:fld id="{78E89258-A40F-4400-BA1A-638141289729}" type="datetime1">
               <a:rPr lang="ko-KR" altLang="en-US" smtClean="0"/>
-              <a:t>2018-03-16</a:t>
+              <a:t>2018-03-17</a:t>
             </a:fld>
             <a:endParaRPr lang="ko-KR" altLang="en-US"/>
           </a:p>
@@ -2472,7 +2472,7 @@
           <a:p>
             <a:fld id="{CD116CEF-802E-43F7-8932-78519DF2A264}" type="datetime1">
               <a:rPr lang="ko-KR" altLang="en-US" smtClean="0"/>
-              <a:t>2018-03-16</a:t>
+              <a:t>2018-03-17</a:t>
             </a:fld>
             <a:endParaRPr lang="ko-KR" altLang="en-US"/>
           </a:p>
@@ -2652,7 +2652,7 @@
           <a:p>
             <a:fld id="{EFD9D7C3-1982-427D-BFA7-1AF9687AAB0F}" type="datetime1">
               <a:rPr lang="ko-KR" altLang="en-US" smtClean="0"/>
-              <a:t>2018-03-16</a:t>
+              <a:t>2018-03-17</a:t>
             </a:fld>
             <a:endParaRPr lang="ko-KR" altLang="en-US"/>
           </a:p>
@@ -2822,7 +2822,7 @@
           <a:p>
             <a:fld id="{EDD93E7F-B437-40E5-8ACB-B79696783EFA}" type="datetime1">
               <a:rPr lang="ko-KR" altLang="en-US" smtClean="0"/>
-              <a:t>2018-03-16</a:t>
+              <a:t>2018-03-17</a:t>
             </a:fld>
             <a:endParaRPr lang="ko-KR" altLang="en-US"/>
           </a:p>
@@ -3066,7 +3066,7 @@
           <a:p>
             <a:fld id="{DB249950-0BD4-4F6E-BE3F-CB53B7E2FD06}" type="datetime1">
               <a:rPr lang="ko-KR" altLang="en-US" smtClean="0"/>
-              <a:t>2018-03-16</a:t>
+              <a:t>2018-03-17</a:t>
             </a:fld>
             <a:endParaRPr lang="ko-KR" altLang="en-US"/>
           </a:p>
@@ -3298,7 +3298,7 @@
           <a:p>
             <a:fld id="{7B016D7E-32C0-4DB3-B6B3-0506A62840FB}" type="datetime1">
               <a:rPr lang="ko-KR" altLang="en-US" smtClean="0"/>
-              <a:t>2018-03-16</a:t>
+              <a:t>2018-03-17</a:t>
             </a:fld>
             <a:endParaRPr lang="ko-KR" altLang="en-US"/>
           </a:p>
@@ -3665,7 +3665,7 @@
           <a:p>
             <a:fld id="{B246672D-B3FD-4B2E-92C0-4A80DA670927}" type="datetime1">
               <a:rPr lang="ko-KR" altLang="en-US" smtClean="0"/>
-              <a:t>2018-03-16</a:t>
+              <a:t>2018-03-17</a:t>
             </a:fld>
             <a:endParaRPr lang="ko-KR" altLang="en-US"/>
           </a:p>
@@ -3783,7 +3783,7 @@
           <a:p>
             <a:fld id="{9B9B7D2E-B202-4D7A-9519-0C490A04EB9C}" type="datetime1">
               <a:rPr lang="ko-KR" altLang="en-US" smtClean="0"/>
-              <a:t>2018-03-16</a:t>
+              <a:t>2018-03-17</a:t>
             </a:fld>
             <a:endParaRPr lang="ko-KR" altLang="en-US"/>
           </a:p>
@@ -3878,7 +3878,7 @@
           <a:p>
             <a:fld id="{12FB9327-987E-47D6-AE2D-63CED8A79494}" type="datetime1">
               <a:rPr lang="ko-KR" altLang="en-US" smtClean="0"/>
-              <a:t>2018-03-16</a:t>
+              <a:t>2018-03-17</a:t>
             </a:fld>
             <a:endParaRPr lang="ko-KR" altLang="en-US"/>
           </a:p>
@@ -4155,7 +4155,7 @@
           <a:p>
             <a:fld id="{D8D87011-7294-4632-A156-4F695AB9E41C}" type="datetime1">
               <a:rPr lang="ko-KR" altLang="en-US" smtClean="0"/>
-              <a:t>2018-03-16</a:t>
+              <a:t>2018-03-17</a:t>
             </a:fld>
             <a:endParaRPr lang="ko-KR" altLang="en-US"/>
           </a:p>
@@ -4412,7 +4412,7 @@
           <a:p>
             <a:fld id="{1BDC7FDB-72DE-4D65-AF4F-510496DAF70F}" type="datetime1">
               <a:rPr lang="ko-KR" altLang="en-US" smtClean="0"/>
-              <a:t>2018-03-16</a:t>
+              <a:t>2018-03-17</a:t>
             </a:fld>
             <a:endParaRPr lang="ko-KR" altLang="en-US"/>
           </a:p>
@@ -4625,7 +4625,7 @@
           <a:p>
             <a:fld id="{9A286DBF-DB43-470A-A903-26374CB6EF47}" type="datetime1">
               <a:rPr lang="ko-KR" altLang="en-US" smtClean="0"/>
-              <a:t>2018-03-16</a:t>
+              <a:t>2018-03-17</a:t>
             </a:fld>
             <a:endParaRPr lang="ko-KR" altLang="en-US"/>
           </a:p>
@@ -5224,7 +5224,7 @@
           <a:p>
             <a:fld id="{32C03489-23FC-4021-B9AB-958EFB3C0FE7}" type="datetime1">
               <a:rPr lang="ko-KR" altLang="en-US" smtClean="0"/>
-              <a:t>2018-03-16</a:t>
+              <a:t>2018-03-17</a:t>
             </a:fld>
             <a:endParaRPr lang="ko-KR" altLang="en-US"/>
           </a:p>
@@ -5387,7 +5387,7 @@
           <a:p>
             <a:fld id="{7C8D4B38-891E-4F54-A70A-6E9745DD623C}" type="datetime1">
               <a:rPr lang="ko-KR" altLang="en-US" smtClean="0"/>
-              <a:t>2018-03-16</a:t>
+              <a:t>2018-03-17</a:t>
             </a:fld>
             <a:endParaRPr lang="ko-KR" altLang="en-US"/>
           </a:p>
@@ -6124,7 +6124,7 @@
           <a:p>
             <a:fld id="{F85A177F-6FD3-496B-8A9C-B332CA04E863}" type="datetime1">
               <a:rPr lang="ko-KR" altLang="en-US" smtClean="0"/>
-              <a:t>2018-03-16</a:t>
+              <a:t>2018-03-17</a:t>
             </a:fld>
             <a:endParaRPr lang="ko-KR" altLang="en-US"/>
           </a:p>
@@ -6278,7 +6278,7 @@
           <a:p>
             <a:fld id="{7C8D4B38-891E-4F54-A70A-6E9745DD623C}" type="datetime1">
               <a:rPr lang="ko-KR" altLang="en-US" smtClean="0"/>
-              <a:t>2018-03-16</a:t>
+              <a:t>2018-03-17</a:t>
             </a:fld>
             <a:endParaRPr lang="ko-KR" altLang="en-US"/>
           </a:p>
@@ -6647,8 +6647,8 @@
           </a:p>
         </p:txBody>
       </p:sp>
-      <mc:AlternateContent xmlns:mc="http://schemas.openxmlformats.org/markup-compatibility/2006">
-        <mc:Choice xmlns:a14="http://schemas.microsoft.com/office/drawing/2010/main" Requires="a14">
+      <mc:AlternateContent xmlns:mc="http://schemas.openxmlformats.org/markup-compatibility/2006" xmlns:a14="http://schemas.microsoft.com/office/drawing/2010/main">
+        <mc:Choice Requires="a14">
           <p:sp>
             <p:nvSpPr>
               <p:cNvPr id="3" name="TextBox 2"/>
@@ -6671,6 +6671,7 @@
               </a:bodyPr>
               <a:lstStyle/>
               <a:p>
+                <a:pPr/>
                 <a14:m>
                   <m:oMathPara xmlns:m="http://schemas.openxmlformats.org/officeDocument/2006/math">
                     <m:oMathParaPr>
@@ -6839,7 +6840,7 @@
             </p:txBody>
           </p:sp>
         </mc:Choice>
-        <mc:Fallback>
+        <mc:Fallback xmlns="">
           <p:sp>
             <p:nvSpPr>
               <p:cNvPr id="3" name="TextBox 2"/>
@@ -6902,8 +6903,8 @@
           </a:prstGeom>
         </p:spPr>
       </p:pic>
-      <mc:AlternateContent xmlns:mc="http://schemas.openxmlformats.org/markup-compatibility/2006">
-        <mc:Choice xmlns:a14="http://schemas.microsoft.com/office/drawing/2010/main" Requires="a14">
+      <mc:AlternateContent xmlns:mc="http://schemas.openxmlformats.org/markup-compatibility/2006" xmlns:a14="http://schemas.microsoft.com/office/drawing/2010/main">
+        <mc:Choice Requires="a14">
           <p:sp>
             <p:nvSpPr>
               <p:cNvPr id="7" name="TextBox 6"/>
@@ -6926,6 +6927,7 @@
               </a:bodyPr>
               <a:lstStyle/>
               <a:p>
+                <a:pPr/>
                 <a14:m>
                   <m:oMathPara xmlns:m="http://schemas.openxmlformats.org/officeDocument/2006/math">
                     <m:oMathParaPr>
@@ -7048,7 +7050,7 @@
             </p:txBody>
           </p:sp>
         </mc:Choice>
-        <mc:Fallback>
+        <mc:Fallback xmlns="">
           <p:sp>
             <p:nvSpPr>
               <p:cNvPr id="7" name="TextBox 6"/>
@@ -7087,8 +7089,8 @@
           </p:sp>
         </mc:Fallback>
       </mc:AlternateContent>
-      <mc:AlternateContent xmlns:mc="http://schemas.openxmlformats.org/markup-compatibility/2006">
-        <mc:Choice xmlns:a14="http://schemas.microsoft.com/office/drawing/2010/main" Requires="a14">
+      <mc:AlternateContent xmlns:mc="http://schemas.openxmlformats.org/markup-compatibility/2006" xmlns:a14="http://schemas.microsoft.com/office/drawing/2010/main">
+        <mc:Choice Requires="a14">
           <p:sp>
             <p:nvSpPr>
               <p:cNvPr id="15" name="TextBox 14"/>
@@ -7111,6 +7113,7 @@
               </a:bodyPr>
               <a:lstStyle/>
               <a:p>
+                <a:pPr/>
                 <a14:m>
                   <m:oMathPara xmlns:m="http://schemas.openxmlformats.org/officeDocument/2006/math">
                     <m:oMathParaPr>
@@ -7298,7 +7301,7 @@
             </p:txBody>
           </p:sp>
         </mc:Choice>
-        <mc:Fallback>
+        <mc:Fallback xmlns="">
           <p:sp>
             <p:nvSpPr>
               <p:cNvPr id="15" name="TextBox 14"/>
@@ -7337,8 +7340,8 @@
           </p:sp>
         </mc:Fallback>
       </mc:AlternateContent>
-      <mc:AlternateContent xmlns:mc="http://schemas.openxmlformats.org/markup-compatibility/2006">
-        <mc:Choice xmlns:a14="http://schemas.microsoft.com/office/drawing/2010/main" Requires="a14">
+      <mc:AlternateContent xmlns:mc="http://schemas.openxmlformats.org/markup-compatibility/2006" xmlns:a14="http://schemas.microsoft.com/office/drawing/2010/main">
+        <mc:Choice Requires="a14">
           <p:sp>
             <p:nvSpPr>
               <p:cNvPr id="17" name="TextBox 16"/>
@@ -7361,6 +7364,7 @@
               </a:bodyPr>
               <a:lstStyle/>
               <a:p>
+                <a:pPr/>
                 <a14:m>
                   <m:oMathPara xmlns:m="http://schemas.openxmlformats.org/officeDocument/2006/math">
                     <m:oMathParaPr>
@@ -7448,7 +7452,7 @@
             </p:txBody>
           </p:sp>
         </mc:Choice>
-        <mc:Fallback>
+        <mc:Fallback xmlns="">
           <p:sp>
             <p:nvSpPr>
               <p:cNvPr id="17" name="TextBox 16"/>
@@ -7603,7 +7607,7 @@
           <a:p>
             <a:fld id="{7C8D4B38-891E-4F54-A70A-6E9745DD623C}" type="datetime1">
               <a:rPr lang="ko-KR" altLang="en-US" smtClean="0"/>
-              <a:t>2018-03-16</a:t>
+              <a:t>2018-03-17</a:t>
             </a:fld>
             <a:endParaRPr lang="ko-KR" altLang="en-US"/>
           </a:p>
@@ -7973,7 +7977,7 @@
           <a:p>
             <a:fld id="{F85A177F-6FD3-496B-8A9C-B332CA04E863}" type="datetime1">
               <a:rPr lang="ko-KR" altLang="en-US" smtClean="0"/>
-              <a:t>2018-03-16</a:t>
+              <a:t>2018-03-17</a:t>
             </a:fld>
             <a:endParaRPr lang="ko-KR" altLang="en-US"/>
           </a:p>
@@ -8118,7 +8122,7 @@
           <a:p>
             <a:fld id="{7C8D4B38-891E-4F54-A70A-6E9745DD623C}" type="datetime1">
               <a:rPr lang="ko-KR" altLang="en-US" smtClean="0"/>
-              <a:t>2018-03-16</a:t>
+              <a:t>2018-03-17</a:t>
             </a:fld>
             <a:endParaRPr lang="ko-KR" altLang="en-US"/>
           </a:p>
@@ -8329,12 +8333,6 @@
               </a:rPr>
               <a:t>5.2 Focal Plane Defocusing</a:t>
             </a:r>
-            <a:endParaRPr lang="en-US" altLang="ko-KR" sz="2300" dirty="0" smtClean="0">
-              <a:solidFill>
-                <a:schemeClr val="bg1"/>
-              </a:solidFill>
-              <a:latin typeface="Arial" panose="020B0604020202020204" pitchFamily="34" charset="0"/>
-            </a:endParaRPr>
           </a:p>
         </p:txBody>
       </p:sp>
@@ -8355,7 +8353,7 @@
           <a:p>
             <a:fld id="{7C8D4B38-891E-4F54-A70A-6E9745DD623C}" type="datetime1">
               <a:rPr lang="ko-KR" altLang="en-US" smtClean="0"/>
-              <a:t>2018-03-16</a:t>
+              <a:t>2018-03-17</a:t>
             </a:fld>
             <a:endParaRPr lang="ko-KR" altLang="en-US"/>
           </a:p>
@@ -8675,12 +8673,6 @@
               </a:rPr>
               <a:t>5.3 Delay Line Errors</a:t>
             </a:r>
-            <a:endParaRPr lang="en-US" altLang="ko-KR" sz="2300" dirty="0" smtClean="0">
-              <a:solidFill>
-                <a:schemeClr val="bg1"/>
-              </a:solidFill>
-              <a:latin typeface="Arial" panose="020B0604020202020204" pitchFamily="34" charset="0"/>
-            </a:endParaRPr>
           </a:p>
         </p:txBody>
       </p:sp>
@@ -8701,7 +8693,7 @@
           <a:p>
             <a:fld id="{7C8D4B38-891E-4F54-A70A-6E9745DD623C}" type="datetime1">
               <a:rPr lang="ko-KR" altLang="en-US" smtClean="0"/>
-              <a:t>2018-03-16</a:t>
+              <a:t>2018-03-17</a:t>
             </a:fld>
             <a:endParaRPr lang="ko-KR" altLang="en-US"/>
           </a:p>
@@ -8757,12 +8749,12 @@
               <a:t>Misalignment not only reduces the signal, but also </a:t>
             </a:r>
             <a:r>
-              <a:rPr lang="en-US" altLang="ko-KR" dirty="0" err="1" smtClean="0"/>
-              <a:t>distrots</a:t>
-            </a:r>
-            <a:r>
               <a:rPr lang="en-US" altLang="ko-KR" dirty="0" smtClean="0"/>
-              <a:t> the profile of the time-domain trace, leading to corresponding distortions in the spectral profile and a reduction in the available bandwidth.</a:t>
+              <a:t>distorts </a:t>
+            </a:r>
+            <a:r>
+              <a:rPr lang="en-US" altLang="ko-KR" dirty="0" smtClean="0"/>
+              <a:t>the profile of the time-domain trace, leading to corresponding distortions in the spectral profile and a reduction in the available bandwidth.</a:t>
             </a:r>
             <a:endParaRPr lang="ko-KR" altLang="en-US" dirty="0"/>
           </a:p>
@@ -9001,7 +8993,7 @@
           <a:p>
             <a:fld id="{F85A177F-6FD3-496B-8A9C-B332CA04E863}" type="datetime1">
               <a:rPr lang="ko-KR" altLang="en-US" smtClean="0"/>
-              <a:t>2018-03-16</a:t>
+              <a:t>2018-03-17</a:t>
             </a:fld>
             <a:endParaRPr lang="ko-KR" altLang="en-US"/>
           </a:p>
@@ -9126,12 +9118,6 @@
               </a:rPr>
               <a:t>6. Terahertz Beam Profile</a:t>
             </a:r>
-            <a:endParaRPr lang="en-US" altLang="ko-KR" sz="2300" dirty="0" smtClean="0">
-              <a:solidFill>
-                <a:schemeClr val="bg1"/>
-              </a:solidFill>
-              <a:latin typeface="Arial" panose="020B0604020202020204" pitchFamily="34" charset="0"/>
-            </a:endParaRPr>
           </a:p>
         </p:txBody>
       </p:sp>
@@ -9152,7 +9138,7 @@
           <a:p>
             <a:fld id="{7C8D4B38-891E-4F54-A70A-6E9745DD623C}" type="datetime1">
               <a:rPr lang="ko-KR" altLang="en-US" smtClean="0"/>
-              <a:t>2018-03-16</a:t>
+              <a:t>2018-03-17</a:t>
             </a:fld>
             <a:endParaRPr lang="ko-KR" altLang="en-US"/>
           </a:p>
@@ -9614,7 +9600,7 @@
           <a:p>
             <a:fld id="{D71C2118-E1AA-468B-9259-8864ED518988}" type="datetime1">
               <a:rPr lang="ko-KR" altLang="en-US" smtClean="0"/>
-              <a:t>2018-03-16</a:t>
+              <a:t>2018-03-17</a:t>
             </a:fld>
             <a:endParaRPr lang="ko-KR" altLang="en-US"/>
           </a:p>
@@ -10014,14 +10000,7 @@
                 <a:latin typeface="Times New Roman" panose="02020603050405020304" pitchFamily="18" charset="0"/>
                 <a:cs typeface="Times New Roman" panose="02020603050405020304" pitchFamily="18" charset="0"/>
               </a:rPr>
-              <a:t>., Vol. 30, 2005, pp. 29-31</a:t>
-            </a:r>
-            <a:r>
-              <a:rPr lang="en-US" altLang="ko-KR" dirty="0" smtClean="0">
-                <a:latin typeface="Times New Roman" panose="02020603050405020304" pitchFamily="18" charset="0"/>
-                <a:cs typeface="Times New Roman" panose="02020603050405020304" pitchFamily="18" charset="0"/>
-              </a:rPr>
-              <a:t>.</a:t>
+              <a:t>., Vol. 30, 2005, pp. 29-31.</a:t>
             </a:r>
           </a:p>
           <a:p>
@@ -10112,10 +10091,6 @@
               </a:rPr>
               <a:t>, October 2011, pp. 1-7.</a:t>
             </a:r>
-            <a:endParaRPr lang="en-US" altLang="ko-KR" dirty="0" smtClean="0">
-              <a:latin typeface="Times New Roman" panose="02020603050405020304" pitchFamily="18" charset="0"/>
-              <a:cs typeface="Times New Roman" panose="02020603050405020304" pitchFamily="18" charset="0"/>
-            </a:endParaRPr>
           </a:p>
         </p:txBody>
       </p:sp>
@@ -10136,7 +10111,7 @@
           <a:p>
             <a:fld id="{6509A91F-0059-474E-BAEC-65E67593FE25}" type="datetime1">
               <a:rPr lang="ko-KR" altLang="en-US" smtClean="0"/>
-              <a:t>2018-03-16</a:t>
+              <a:t>2018-03-17</a:t>
             </a:fld>
             <a:endParaRPr lang="ko-KR" altLang="en-US"/>
           </a:p>
@@ -10345,7 +10320,7 @@
           <a:p>
             <a:fld id="{F85A177F-6FD3-496B-8A9C-B332CA04E863}" type="datetime1">
               <a:rPr lang="ko-KR" altLang="en-US" smtClean="0"/>
-              <a:t>2018-03-16</a:t>
+              <a:t>2018-03-17</a:t>
             </a:fld>
             <a:endParaRPr lang="ko-KR" altLang="en-US"/>
           </a:p>
@@ -10573,7 +10548,7 @@
           <a:p>
             <a:fld id="{53646E5C-8775-44A9-9523-40B6CCA06789}" type="datetime1">
               <a:rPr lang="ko-KR" altLang="en-US" smtClean="0"/>
-              <a:t>2018-03-16</a:t>
+              <a:t>2018-03-17</a:t>
             </a:fld>
             <a:endParaRPr lang="ko-KR" altLang="en-US"/>
           </a:p>
@@ -11321,7 +11296,7 @@
           <a:p>
             <a:fld id="{53646E5C-8775-44A9-9523-40B6CCA06789}" type="datetime1">
               <a:rPr lang="ko-KR" altLang="en-US" smtClean="0"/>
-              <a:t>2018-03-16</a:t>
+              <a:t>2018-03-17</a:t>
             </a:fld>
             <a:endParaRPr lang="ko-KR" altLang="en-US"/>
           </a:p>
@@ -11541,7 +11516,7 @@
           <a:p>
             <a:fld id="{F85A177F-6FD3-496B-8A9C-B332CA04E863}" type="datetime1">
               <a:rPr lang="ko-KR" altLang="en-US" smtClean="0"/>
-              <a:t>2018-03-16</a:t>
+              <a:t>2018-03-17</a:t>
             </a:fld>
             <a:endParaRPr lang="ko-KR" altLang="en-US"/>
           </a:p>
@@ -11686,7 +11661,7 @@
           <a:p>
             <a:fld id="{7C8D4B38-891E-4F54-A70A-6E9745DD623C}" type="datetime1">
               <a:rPr lang="ko-KR" altLang="en-US" smtClean="0"/>
-              <a:t>2018-03-16</a:t>
+              <a:t>2018-03-17</a:t>
             </a:fld>
             <a:endParaRPr lang="ko-KR" altLang="en-US"/>
           </a:p>
@@ -12438,7 +12413,7 @@
           <a:p>
             <a:fld id="{F85A177F-6FD3-496B-8A9C-B332CA04E863}" type="datetime1">
               <a:rPr lang="ko-KR" altLang="en-US" smtClean="0"/>
-              <a:t>2018-03-16</a:t>
+              <a:t>2018-03-17</a:t>
             </a:fld>
             <a:endParaRPr lang="ko-KR" altLang="en-US"/>
           </a:p>
@@ -12583,7 +12558,7 @@
           <a:p>
             <a:fld id="{7C8D4B38-891E-4F54-A70A-6E9745DD623C}" type="datetime1">
               <a:rPr lang="ko-KR" altLang="en-US" smtClean="0"/>
-              <a:t>2018-03-16</a:t>
+              <a:t>2018-03-17</a:t>
             </a:fld>
             <a:endParaRPr lang="ko-KR" altLang="en-US"/>
           </a:p>

--- a/Terahertz Metrology/Ch3/Terahertz Metrology_Ch3.pptx
+++ b/Terahertz Metrology/Ch3/Terahertz Metrology_Ch3.pptx
@@ -216,7 +216,7 @@
           <a:p>
             <a:fld id="{A9D6DECA-6E4E-4D09-9277-E151A2E3F74C}" type="datetimeFigureOut">
               <a:rPr lang="ko-KR" altLang="en-US" smtClean="0"/>
-              <a:t>2018-03-17</a:t>
+              <a:t>2018-03-18</a:t>
             </a:fld>
             <a:endParaRPr lang="ko-KR" altLang="en-US"/>
           </a:p>
@@ -2295,7 +2295,7 @@
           <a:p>
             <a:fld id="{78E89258-A40F-4400-BA1A-638141289729}" type="datetime1">
               <a:rPr lang="ko-KR" altLang="en-US" smtClean="0"/>
-              <a:t>2018-03-17</a:t>
+              <a:t>2018-03-18</a:t>
             </a:fld>
             <a:endParaRPr lang="ko-KR" altLang="en-US"/>
           </a:p>
@@ -2472,7 +2472,7 @@
           <a:p>
             <a:fld id="{CD116CEF-802E-43F7-8932-78519DF2A264}" type="datetime1">
               <a:rPr lang="ko-KR" altLang="en-US" smtClean="0"/>
-              <a:t>2018-03-17</a:t>
+              <a:t>2018-03-18</a:t>
             </a:fld>
             <a:endParaRPr lang="ko-KR" altLang="en-US"/>
           </a:p>
@@ -2652,7 +2652,7 @@
           <a:p>
             <a:fld id="{EFD9D7C3-1982-427D-BFA7-1AF9687AAB0F}" type="datetime1">
               <a:rPr lang="ko-KR" altLang="en-US" smtClean="0"/>
-              <a:t>2018-03-17</a:t>
+              <a:t>2018-03-18</a:t>
             </a:fld>
             <a:endParaRPr lang="ko-KR" altLang="en-US"/>
           </a:p>
@@ -2822,7 +2822,7 @@
           <a:p>
             <a:fld id="{EDD93E7F-B437-40E5-8ACB-B79696783EFA}" type="datetime1">
               <a:rPr lang="ko-KR" altLang="en-US" smtClean="0"/>
-              <a:t>2018-03-17</a:t>
+              <a:t>2018-03-18</a:t>
             </a:fld>
             <a:endParaRPr lang="ko-KR" altLang="en-US"/>
           </a:p>
@@ -3066,7 +3066,7 @@
           <a:p>
             <a:fld id="{DB249950-0BD4-4F6E-BE3F-CB53B7E2FD06}" type="datetime1">
               <a:rPr lang="ko-KR" altLang="en-US" smtClean="0"/>
-              <a:t>2018-03-17</a:t>
+              <a:t>2018-03-18</a:t>
             </a:fld>
             <a:endParaRPr lang="ko-KR" altLang="en-US"/>
           </a:p>
@@ -3298,7 +3298,7 @@
           <a:p>
             <a:fld id="{7B016D7E-32C0-4DB3-B6B3-0506A62840FB}" type="datetime1">
               <a:rPr lang="ko-KR" altLang="en-US" smtClean="0"/>
-              <a:t>2018-03-17</a:t>
+              <a:t>2018-03-18</a:t>
             </a:fld>
             <a:endParaRPr lang="ko-KR" altLang="en-US"/>
           </a:p>
@@ -3665,7 +3665,7 @@
           <a:p>
             <a:fld id="{B246672D-B3FD-4B2E-92C0-4A80DA670927}" type="datetime1">
               <a:rPr lang="ko-KR" altLang="en-US" smtClean="0"/>
-              <a:t>2018-03-17</a:t>
+              <a:t>2018-03-18</a:t>
             </a:fld>
             <a:endParaRPr lang="ko-KR" altLang="en-US"/>
           </a:p>
@@ -3783,7 +3783,7 @@
           <a:p>
             <a:fld id="{9B9B7D2E-B202-4D7A-9519-0C490A04EB9C}" type="datetime1">
               <a:rPr lang="ko-KR" altLang="en-US" smtClean="0"/>
-              <a:t>2018-03-17</a:t>
+              <a:t>2018-03-18</a:t>
             </a:fld>
             <a:endParaRPr lang="ko-KR" altLang="en-US"/>
           </a:p>
@@ -3878,7 +3878,7 @@
           <a:p>
             <a:fld id="{12FB9327-987E-47D6-AE2D-63CED8A79494}" type="datetime1">
               <a:rPr lang="ko-KR" altLang="en-US" smtClean="0"/>
-              <a:t>2018-03-17</a:t>
+              <a:t>2018-03-18</a:t>
             </a:fld>
             <a:endParaRPr lang="ko-KR" altLang="en-US"/>
           </a:p>
@@ -4155,7 +4155,7 @@
           <a:p>
             <a:fld id="{D8D87011-7294-4632-A156-4F695AB9E41C}" type="datetime1">
               <a:rPr lang="ko-KR" altLang="en-US" smtClean="0"/>
-              <a:t>2018-03-17</a:t>
+              <a:t>2018-03-18</a:t>
             </a:fld>
             <a:endParaRPr lang="ko-KR" altLang="en-US"/>
           </a:p>
@@ -4412,7 +4412,7 @@
           <a:p>
             <a:fld id="{1BDC7FDB-72DE-4D65-AF4F-510496DAF70F}" type="datetime1">
               <a:rPr lang="ko-KR" altLang="en-US" smtClean="0"/>
-              <a:t>2018-03-17</a:t>
+              <a:t>2018-03-18</a:t>
             </a:fld>
             <a:endParaRPr lang="ko-KR" altLang="en-US"/>
           </a:p>
@@ -4625,7 +4625,7 @@
           <a:p>
             <a:fld id="{9A286DBF-DB43-470A-A903-26374CB6EF47}" type="datetime1">
               <a:rPr lang="ko-KR" altLang="en-US" smtClean="0"/>
-              <a:t>2018-03-17</a:t>
+              <a:t>2018-03-18</a:t>
             </a:fld>
             <a:endParaRPr lang="ko-KR" altLang="en-US"/>
           </a:p>
@@ -5224,7 +5224,7 @@
           <a:p>
             <a:fld id="{32C03489-23FC-4021-B9AB-958EFB3C0FE7}" type="datetime1">
               <a:rPr lang="ko-KR" altLang="en-US" smtClean="0"/>
-              <a:t>2018-03-17</a:t>
+              <a:t>2018-03-18</a:t>
             </a:fld>
             <a:endParaRPr lang="ko-KR" altLang="en-US"/>
           </a:p>
@@ -5387,7 +5387,7 @@
           <a:p>
             <a:fld id="{7C8D4B38-891E-4F54-A70A-6E9745DD623C}" type="datetime1">
               <a:rPr lang="ko-KR" altLang="en-US" smtClean="0"/>
-              <a:t>2018-03-17</a:t>
+              <a:t>2018-03-18</a:t>
             </a:fld>
             <a:endParaRPr lang="ko-KR" altLang="en-US"/>
           </a:p>
@@ -6124,7 +6124,7 @@
           <a:p>
             <a:fld id="{F85A177F-6FD3-496B-8A9C-B332CA04E863}" type="datetime1">
               <a:rPr lang="ko-KR" altLang="en-US" smtClean="0"/>
-              <a:t>2018-03-17</a:t>
+              <a:t>2018-03-18</a:t>
             </a:fld>
             <a:endParaRPr lang="ko-KR" altLang="en-US"/>
           </a:p>
@@ -6278,7 +6278,7 @@
           <a:p>
             <a:fld id="{7C8D4B38-891E-4F54-A70A-6E9745DD623C}" type="datetime1">
               <a:rPr lang="ko-KR" altLang="en-US" smtClean="0"/>
-              <a:t>2018-03-17</a:t>
+              <a:t>2018-03-18</a:t>
             </a:fld>
             <a:endParaRPr lang="ko-KR" altLang="en-US"/>
           </a:p>
@@ -7607,7 +7607,7 @@
           <a:p>
             <a:fld id="{7C8D4B38-891E-4F54-A70A-6E9745DD623C}" type="datetime1">
               <a:rPr lang="ko-KR" altLang="en-US" smtClean="0"/>
-              <a:t>2018-03-17</a:t>
+              <a:t>2018-03-18</a:t>
             </a:fld>
             <a:endParaRPr lang="ko-KR" altLang="en-US"/>
           </a:p>
@@ -7977,7 +7977,7 @@
           <a:p>
             <a:fld id="{F85A177F-6FD3-496B-8A9C-B332CA04E863}" type="datetime1">
               <a:rPr lang="ko-KR" altLang="en-US" smtClean="0"/>
-              <a:t>2018-03-17</a:t>
+              <a:t>2018-03-18</a:t>
             </a:fld>
             <a:endParaRPr lang="ko-KR" altLang="en-US"/>
           </a:p>
@@ -8122,7 +8122,7 @@
           <a:p>
             <a:fld id="{7C8D4B38-891E-4F54-A70A-6E9745DD623C}" type="datetime1">
               <a:rPr lang="ko-KR" altLang="en-US" smtClean="0"/>
-              <a:t>2018-03-17</a:t>
+              <a:t>2018-03-18</a:t>
             </a:fld>
             <a:endParaRPr lang="ko-KR" altLang="en-US"/>
           </a:p>
@@ -8353,7 +8353,7 @@
           <a:p>
             <a:fld id="{7C8D4B38-891E-4F54-A70A-6E9745DD623C}" type="datetime1">
               <a:rPr lang="ko-KR" altLang="en-US" smtClean="0"/>
-              <a:t>2018-03-17</a:t>
+              <a:t>2018-03-18</a:t>
             </a:fld>
             <a:endParaRPr lang="ko-KR" altLang="en-US"/>
           </a:p>
@@ -8693,7 +8693,7 @@
           <a:p>
             <a:fld id="{7C8D4B38-891E-4F54-A70A-6E9745DD623C}" type="datetime1">
               <a:rPr lang="ko-KR" altLang="en-US" smtClean="0"/>
-              <a:t>2018-03-17</a:t>
+              <a:t>2018-03-18</a:t>
             </a:fld>
             <a:endParaRPr lang="ko-KR" altLang="en-US"/>
           </a:p>
@@ -8746,80 +8746,36 @@
           <a:p>
             <a:r>
               <a:rPr lang="en-US" altLang="ko-KR" dirty="0" smtClean="0"/>
-              <a:t>Misalignment not only reduces the signal, but also </a:t>
-            </a:r>
-            <a:r>
-              <a:rPr lang="en-US" altLang="ko-KR" dirty="0" smtClean="0"/>
-              <a:t>distorts </a:t>
-            </a:r>
-            <a:r>
-              <a:rPr lang="en-US" altLang="ko-KR" dirty="0" smtClean="0"/>
-              <a:t>the profile of the time-domain trace, leading to corresponding distortions in the spectral profile and a reduction in the available bandwidth.</a:t>
+              <a:t>Misalignment not only reduces the signal, but also distorts the profile of the time-domain trace, leading to corresponding distortions in the spectral profile and a reduction in the available bandwidth.</a:t>
             </a:r>
             <a:endParaRPr lang="ko-KR" altLang="en-US" dirty="0"/>
           </a:p>
         </p:txBody>
       </p:sp>
-      <p:sp>
-        <p:nvSpPr>
-          <p:cNvPr id="11" name="TextBox 10"/>
-          <p:cNvSpPr txBox="1"/>
+      <p:pic>
+        <p:nvPicPr>
+          <p:cNvPr id="2" name="그림 1"/>
+          <p:cNvPicPr>
+            <a:picLocks noChangeAspect="1"/>
+          </p:cNvPicPr>
           <p:nvPr/>
-        </p:nvSpPr>
+        </p:nvPicPr>
+        <p:blipFill>
+          <a:blip r:embed="rId3"/>
+          <a:stretch>
+            <a:fillRect/>
+          </a:stretch>
+        </p:blipFill>
         <p:spPr>
           <a:xfrm>
-            <a:off x="268165" y="6078224"/>
-            <a:ext cx="8607669" cy="253916"/>
+            <a:off x="2262186" y="2234407"/>
+            <a:ext cx="4619625" cy="3731236"/>
           </a:xfrm>
           <a:prstGeom prst="rect">
             <a:avLst/>
           </a:prstGeom>
-          <a:noFill/>
         </p:spPr>
-        <p:txBody>
-          <a:bodyPr wrap="square" rtlCol="0">
-            <a:spAutoFit/>
-          </a:bodyPr>
-          <a:lstStyle/>
-          <a:p>
-            <a:r>
-              <a:rPr lang="en-US" altLang="ko-KR" sz="1050" dirty="0">
-                <a:latin typeface="Times New Roman" panose="02020603050405020304" pitchFamily="18" charset="0"/>
-                <a:cs typeface="Times New Roman" panose="02020603050405020304" pitchFamily="18" charset="0"/>
-              </a:rPr>
-              <a:t>Hilbert, S. (</a:t>
-            </a:r>
-            <a:r>
-              <a:rPr lang="en-US" altLang="ko-KR" sz="1050" dirty="0" err="1">
-                <a:latin typeface="Times New Roman" panose="02020603050405020304" pitchFamily="18" charset="0"/>
-                <a:cs typeface="Times New Roman" panose="02020603050405020304" pitchFamily="18" charset="0"/>
-              </a:rPr>
-              <a:t>n.d.</a:t>
-            </a:r>
-            <a:r>
-              <a:rPr lang="en-US" altLang="ko-KR" sz="1050" dirty="0">
-                <a:latin typeface="Times New Roman" panose="02020603050405020304" pitchFamily="18" charset="0"/>
-                <a:cs typeface="Times New Roman" panose="02020603050405020304" pitchFamily="18" charset="0"/>
-              </a:rPr>
-              <a:t>). </a:t>
-            </a:r>
-            <a:r>
-              <a:rPr lang="en-US" altLang="ko-KR" sz="1050" i="1" dirty="0">
-                <a:latin typeface="Times New Roman" panose="02020603050405020304" pitchFamily="18" charset="0"/>
-                <a:cs typeface="Times New Roman" panose="02020603050405020304" pitchFamily="18" charset="0"/>
-              </a:rPr>
-              <a:t>FFT Zero Padding</a:t>
-            </a:r>
-            <a:r>
-              <a:rPr lang="en-US" altLang="ko-KR" sz="1050" dirty="0">
-                <a:latin typeface="Times New Roman" panose="02020603050405020304" pitchFamily="18" charset="0"/>
-                <a:cs typeface="Times New Roman" panose="02020603050405020304" pitchFamily="18" charset="0"/>
-              </a:rPr>
-              <a:t>. Retrieved March 15, 2018, from http://www.bitweenie.com/listings/fft-zero-padding/</a:t>
-            </a:r>
-          </a:p>
-        </p:txBody>
-      </p:sp>
+      </p:pic>
     </p:spTree>
     <p:extLst>
       <p:ext uri="{BB962C8B-B14F-4D97-AF65-F5344CB8AC3E}">
@@ -8993,7 +8949,7 @@
           <a:p>
             <a:fld id="{F85A177F-6FD3-496B-8A9C-B332CA04E863}" type="datetime1">
               <a:rPr lang="ko-KR" altLang="en-US" smtClean="0"/>
-              <a:t>2018-03-17</a:t>
+              <a:t>2018-03-18</a:t>
             </a:fld>
             <a:endParaRPr lang="ko-KR" altLang="en-US"/>
           </a:p>
@@ -9138,7 +9094,7 @@
           <a:p>
             <a:fld id="{7C8D4B38-891E-4F54-A70A-6E9745DD623C}" type="datetime1">
               <a:rPr lang="ko-KR" altLang="en-US" smtClean="0"/>
-              <a:t>2018-03-17</a:t>
+              <a:t>2018-03-18</a:t>
             </a:fld>
             <a:endParaRPr lang="ko-KR" altLang="en-US"/>
           </a:p>
@@ -9176,7 +9132,7 @@
         <p:spPr>
           <a:xfrm>
             <a:off x="628651" y="1153516"/>
-            <a:ext cx="7886700" cy="923330"/>
+            <a:ext cx="7886700" cy="2031325"/>
           </a:xfrm>
           <a:prstGeom prst="rect">
             <a:avLst/>
@@ -9191,30 +9147,124 @@
           <a:p>
             <a:r>
               <a:rPr lang="en-US" altLang="ko-KR" dirty="0" smtClean="0"/>
-              <a:t>Misalignment not only reduces the signal, but also </a:t>
-            </a:r>
-            <a:r>
-              <a:rPr lang="en-US" altLang="ko-KR" dirty="0" err="1" smtClean="0"/>
-              <a:t>distrots</a:t>
+              <a:t>The diameter and profile of terahertz beams at various points in an time-domain spectroscopy may need to be measured</a:t>
             </a:r>
             <a:r>
               <a:rPr lang="en-US" altLang="ko-KR" dirty="0" smtClean="0"/>
-              <a:t> the profile of the time-domain trace, leading to corresponding distortions in the spectral profile and a reduction in the available bandwidth.</a:t>
+              <a:t>.</a:t>
+            </a:r>
+          </a:p>
+          <a:p>
+            <a:pPr marL="742950" lvl="1" indent="-285750">
+              <a:buFont typeface="Arial" panose="020B0604020202020204" pitchFamily="34" charset="0"/>
+              <a:buChar char="•"/>
+            </a:pPr>
+            <a:r>
+              <a:rPr lang="en-US" altLang="ko-KR" dirty="0" smtClean="0"/>
+              <a:t>System characterization</a:t>
+            </a:r>
+          </a:p>
+          <a:p>
+            <a:pPr marL="742950" lvl="1" indent="-285750">
+              <a:buFont typeface="Arial" panose="020B0604020202020204" pitchFamily="34" charset="0"/>
+              <a:buChar char="•"/>
+            </a:pPr>
+            <a:r>
+              <a:rPr lang="en-US" altLang="ko-KR" dirty="0" smtClean="0"/>
+              <a:t>To verify and optimize system alignment</a:t>
+            </a:r>
+          </a:p>
+          <a:p>
+            <a:pPr marL="742950" lvl="1" indent="-285750">
+              <a:buFont typeface="Arial" panose="020B0604020202020204" pitchFamily="34" charset="0"/>
+              <a:buChar char="•"/>
+            </a:pPr>
+            <a:r>
+              <a:rPr lang="en-US" altLang="ko-KR" dirty="0" smtClean="0"/>
+              <a:t>To check the spot size for imaging or for studying small samples</a:t>
+            </a:r>
+          </a:p>
+          <a:p>
+            <a:pPr marL="742950" lvl="1" indent="-285750">
+              <a:buFont typeface="Arial" panose="020B0604020202020204" pitchFamily="34" charset="0"/>
+              <a:buChar char="•"/>
+            </a:pPr>
+            <a:r>
+              <a:rPr lang="en-US" altLang="ko-KR" dirty="0" smtClean="0"/>
+              <a:t>To observe effects of optical components</a:t>
+            </a:r>
+          </a:p>
+          <a:p>
+            <a:pPr marL="742950" lvl="1" indent="-285750">
+              <a:buFont typeface="Arial" panose="020B0604020202020204" pitchFamily="34" charset="0"/>
+              <a:buChar char="•"/>
+            </a:pPr>
+            <a:r>
+              <a:rPr lang="en-US" altLang="ko-KR" dirty="0" smtClean="0"/>
+              <a:t>To test pieces inserted in the beam path</a:t>
             </a:r>
             <a:endParaRPr lang="ko-KR" altLang="en-US" dirty="0"/>
           </a:p>
         </p:txBody>
       </p:sp>
-      <p:sp>
-        <p:nvSpPr>
-          <p:cNvPr id="11" name="TextBox 10"/>
+      <p:pic>
+        <p:nvPicPr>
+          <p:cNvPr id="2" name="그림 1"/>
+          <p:cNvPicPr>
+            <a:picLocks noChangeAspect="1"/>
+          </p:cNvPicPr>
+          <p:nvPr/>
+        </p:nvPicPr>
+        <p:blipFill>
+          <a:blip r:embed="rId3"/>
+          <a:stretch>
+            <a:fillRect/>
+          </a:stretch>
+        </p:blipFill>
+        <p:spPr>
+          <a:xfrm>
+            <a:off x="477715" y="3365584"/>
+            <a:ext cx="4200565" cy="2229723"/>
+          </a:xfrm>
+          <a:prstGeom prst="rect">
+            <a:avLst/>
+          </a:prstGeom>
+        </p:spPr>
+      </p:pic>
+      <p:pic>
+        <p:nvPicPr>
+          <p:cNvPr id="3" name="그림 2"/>
+          <p:cNvPicPr>
+            <a:picLocks noChangeAspect="1"/>
+          </p:cNvPicPr>
+          <p:nvPr/>
+        </p:nvPicPr>
+        <p:blipFill>
+          <a:blip r:embed="rId4"/>
+          <a:stretch>
+            <a:fillRect/>
+          </a:stretch>
+        </p:blipFill>
+        <p:spPr>
+          <a:xfrm>
+            <a:off x="5197288" y="3585533"/>
+            <a:ext cx="3318062" cy="1789826"/>
+          </a:xfrm>
+          <a:prstGeom prst="rect">
+            <a:avLst/>
+          </a:prstGeom>
+        </p:spPr>
+      </p:pic>
+      <p:sp>
+        <p:nvSpPr>
+          <p:cNvPr id="12" name="TextBox 11"/>
           <p:cNvSpPr txBox="1"/>
           <p:nvPr/>
         </p:nvSpPr>
         <p:spPr>
           <a:xfrm>
-            <a:off x="268165" y="6078224"/>
-            <a:ext cx="8607669" cy="253916"/>
+            <a:off x="628651" y="3156707"/>
+            <a:ext cx="2865988" cy="369332"/>
           </a:xfrm>
           <a:prstGeom prst="rect">
             <a:avLst/>
@@ -9228,40 +9278,18 @@
           <a:lstStyle/>
           <a:p>
             <a:r>
-              <a:rPr lang="en-US" altLang="ko-KR" sz="1050" dirty="0">
-                <a:latin typeface="Times New Roman" panose="02020603050405020304" pitchFamily="18" charset="0"/>
-                <a:cs typeface="Times New Roman" panose="02020603050405020304" pitchFamily="18" charset="0"/>
-              </a:rPr>
-              <a:t>Hilbert, S. (</a:t>
-            </a:r>
-            <a:r>
-              <a:rPr lang="en-US" altLang="ko-KR" sz="1050" dirty="0" err="1">
-                <a:latin typeface="Times New Roman" panose="02020603050405020304" pitchFamily="18" charset="0"/>
-                <a:cs typeface="Times New Roman" panose="02020603050405020304" pitchFamily="18" charset="0"/>
-              </a:rPr>
-              <a:t>n.d.</a:t>
-            </a:r>
-            <a:r>
-              <a:rPr lang="en-US" altLang="ko-KR" sz="1050" dirty="0">
-                <a:latin typeface="Times New Roman" panose="02020603050405020304" pitchFamily="18" charset="0"/>
-                <a:cs typeface="Times New Roman" panose="02020603050405020304" pitchFamily="18" charset="0"/>
-              </a:rPr>
-              <a:t>). </a:t>
-            </a:r>
-            <a:r>
-              <a:rPr lang="en-US" altLang="ko-KR" sz="1050" i="1" dirty="0">
-                <a:latin typeface="Times New Roman" panose="02020603050405020304" pitchFamily="18" charset="0"/>
-                <a:cs typeface="Times New Roman" panose="02020603050405020304" pitchFamily="18" charset="0"/>
-              </a:rPr>
-              <a:t>FFT Zero Padding</a:t>
-            </a:r>
-            <a:r>
-              <a:rPr lang="en-US" altLang="ko-KR" sz="1050" dirty="0">
-                <a:latin typeface="Times New Roman" panose="02020603050405020304" pitchFamily="18" charset="0"/>
-                <a:cs typeface="Times New Roman" panose="02020603050405020304" pitchFamily="18" charset="0"/>
-              </a:rPr>
-              <a:t>. Retrieved March 15, 2018, from http://www.bitweenie.com/listings/fft-zero-padding/</a:t>
-            </a:r>
+              <a:rPr lang="en-US" altLang="ko-KR" dirty="0" smtClean="0">
+                <a:solidFill>
+                  <a:srgbClr val="3333FF"/>
+                </a:solidFill>
+              </a:rPr>
+              <a:t>Knife-edge test</a:t>
+            </a:r>
+            <a:endParaRPr lang="ko-KR" altLang="en-US" dirty="0">
+              <a:solidFill>
+                <a:srgbClr val="3333FF"/>
+              </a:solidFill>
+            </a:endParaRPr>
           </a:p>
         </p:txBody>
       </p:sp>
@@ -9600,7 +9628,7 @@
           <a:p>
             <a:fld id="{D71C2118-E1AA-468B-9259-8864ED518988}" type="datetime1">
               <a:rPr lang="ko-KR" altLang="en-US" smtClean="0"/>
-              <a:t>2018-03-17</a:t>
+              <a:t>2018-03-18</a:t>
             </a:fld>
             <a:endParaRPr lang="ko-KR" altLang="en-US"/>
           </a:p>
@@ -10111,7 +10139,7 @@
           <a:p>
             <a:fld id="{6509A91F-0059-474E-BAEC-65E67593FE25}" type="datetime1">
               <a:rPr lang="ko-KR" altLang="en-US" smtClean="0"/>
-              <a:t>2018-03-17</a:t>
+              <a:t>2018-03-18</a:t>
             </a:fld>
             <a:endParaRPr lang="ko-KR" altLang="en-US"/>
           </a:p>
@@ -10320,7 +10348,7 @@
           <a:p>
             <a:fld id="{F85A177F-6FD3-496B-8A9C-B332CA04E863}" type="datetime1">
               <a:rPr lang="ko-KR" altLang="en-US" smtClean="0"/>
-              <a:t>2018-03-17</a:t>
+              <a:t>2018-03-18</a:t>
             </a:fld>
             <a:endParaRPr lang="ko-KR" altLang="en-US"/>
           </a:p>
@@ -10548,7 +10576,7 @@
           <a:p>
             <a:fld id="{53646E5C-8775-44A9-9523-40B6CCA06789}" type="datetime1">
               <a:rPr lang="ko-KR" altLang="en-US" smtClean="0"/>
-              <a:t>2018-03-17</a:t>
+              <a:t>2018-03-18</a:t>
             </a:fld>
             <a:endParaRPr lang="ko-KR" altLang="en-US"/>
           </a:p>
@@ -11296,7 +11324,7 @@
           <a:p>
             <a:fld id="{53646E5C-8775-44A9-9523-40B6CCA06789}" type="datetime1">
               <a:rPr lang="ko-KR" altLang="en-US" smtClean="0"/>
-              <a:t>2018-03-17</a:t>
+              <a:t>2018-03-18</a:t>
             </a:fld>
             <a:endParaRPr lang="ko-KR" altLang="en-US"/>
           </a:p>
@@ -11516,7 +11544,7 @@
           <a:p>
             <a:fld id="{F85A177F-6FD3-496B-8A9C-B332CA04E863}" type="datetime1">
               <a:rPr lang="ko-KR" altLang="en-US" smtClean="0"/>
-              <a:t>2018-03-17</a:t>
+              <a:t>2018-03-18</a:t>
             </a:fld>
             <a:endParaRPr lang="ko-KR" altLang="en-US"/>
           </a:p>
@@ -11661,7 +11689,7 @@
           <a:p>
             <a:fld id="{7C8D4B38-891E-4F54-A70A-6E9745DD623C}" type="datetime1">
               <a:rPr lang="ko-KR" altLang="en-US" smtClean="0"/>
-              <a:t>2018-03-17</a:t>
+              <a:t>2018-03-18</a:t>
             </a:fld>
             <a:endParaRPr lang="ko-KR" altLang="en-US"/>
           </a:p>
@@ -12413,7 +12441,7 @@
           <a:p>
             <a:fld id="{F85A177F-6FD3-496B-8A9C-B332CA04E863}" type="datetime1">
               <a:rPr lang="ko-KR" altLang="en-US" smtClean="0"/>
-              <a:t>2018-03-17</a:t>
+              <a:t>2018-03-18</a:t>
             </a:fld>
             <a:endParaRPr lang="ko-KR" altLang="en-US"/>
           </a:p>
@@ -12558,7 +12586,7 @@
           <a:p>
             <a:fld id="{7C8D4B38-891E-4F54-A70A-6E9745DD623C}" type="datetime1">
               <a:rPr lang="ko-KR" altLang="en-US" smtClean="0"/>
-              <a:t>2018-03-17</a:t>
+              <a:t>2018-03-18</a:t>
             </a:fld>
             <a:endParaRPr lang="ko-KR" altLang="en-US"/>
           </a:p>

--- a/Terahertz Metrology/Ch3/Terahertz Metrology_Ch3.pptx
+++ b/Terahertz Metrology/Ch3/Terahertz Metrology_Ch3.pptx
@@ -5,7 +5,7 @@
     <p:sldMasterId id="2147483660" r:id="rId1"/>
   </p:sldMasterIdLst>
   <p:notesMasterIdLst>
-    <p:notesMasterId r:id="rId22"/>
+    <p:notesMasterId r:id="rId21"/>
   </p:notesMasterIdLst>
   <p:sldIdLst>
     <p:sldId id="258" r:id="rId2"/>
@@ -23,11 +23,10 @@
     <p:sldId id="303" r:id="rId14"/>
     <p:sldId id="304" r:id="rId15"/>
     <p:sldId id="305" r:id="rId16"/>
-    <p:sldId id="306" r:id="rId17"/>
-    <p:sldId id="307" r:id="rId18"/>
-    <p:sldId id="308" r:id="rId19"/>
-    <p:sldId id="309" r:id="rId20"/>
-    <p:sldId id="275" r:id="rId21"/>
+    <p:sldId id="307" r:id="rId17"/>
+    <p:sldId id="308" r:id="rId18"/>
+    <p:sldId id="309" r:id="rId19"/>
+    <p:sldId id="275" r:id="rId20"/>
   </p:sldIdLst>
   <p:sldSz cx="9144000" cy="6858000" type="screen4x3"/>
   <p:notesSz cx="6858000" cy="9144000"/>
@@ -216,7 +215,7 @@
           <a:p>
             <a:fld id="{A9D6DECA-6E4E-4D09-9277-E151A2E3F74C}" type="datetimeFigureOut">
               <a:rPr lang="ko-KR" altLang="en-US" smtClean="0"/>
-              <a:t>2018-03-18</a:t>
+              <a:t>2018-03-19</a:t>
             </a:fld>
             <a:endParaRPr lang="ko-KR" altLang="en-US"/>
           </a:p>
@@ -1146,7 +1145,7 @@
     </p:spTree>
     <p:extLst>
       <p:ext uri="{BB962C8B-B14F-4D97-AF65-F5344CB8AC3E}">
-        <p14:creationId xmlns:p14="http://schemas.microsoft.com/office/powerpoint/2010/main" val="2753642891"/>
+        <p14:creationId xmlns:p14="http://schemas.microsoft.com/office/powerpoint/2010/main" val="824040959"/>
       </p:ext>
     </p:extLst>
   </p:cSld>
@@ -1230,7 +1229,7 @@
     </p:spTree>
     <p:extLst>
       <p:ext uri="{BB962C8B-B14F-4D97-AF65-F5344CB8AC3E}">
-        <p14:creationId xmlns:p14="http://schemas.microsoft.com/office/powerpoint/2010/main" val="824040959"/>
+        <p14:creationId xmlns:p14="http://schemas.microsoft.com/office/powerpoint/2010/main" val="2596513449"/>
       </p:ext>
     </p:extLst>
   </p:cSld>
@@ -1314,7 +1313,7 @@
     </p:spTree>
     <p:extLst>
       <p:ext uri="{BB962C8B-B14F-4D97-AF65-F5344CB8AC3E}">
-        <p14:creationId xmlns:p14="http://schemas.microsoft.com/office/powerpoint/2010/main" val="2596513449"/>
+        <p14:creationId xmlns:p14="http://schemas.microsoft.com/office/powerpoint/2010/main" val="2869276564"/>
       </p:ext>
     </p:extLst>
   </p:cSld>
@@ -1398,7 +1397,7 @@
     </p:spTree>
     <p:extLst>
       <p:ext uri="{BB962C8B-B14F-4D97-AF65-F5344CB8AC3E}">
-        <p14:creationId xmlns:p14="http://schemas.microsoft.com/office/powerpoint/2010/main" val="2869276564"/>
+        <p14:creationId xmlns:p14="http://schemas.microsoft.com/office/powerpoint/2010/main" val="1671263539"/>
       </p:ext>
     </p:extLst>
   </p:cSld>
@@ -1483,90 +1482,6 @@
     <p:extLst>
       <p:ext uri="{BB962C8B-B14F-4D97-AF65-F5344CB8AC3E}">
         <p14:creationId xmlns:p14="http://schemas.microsoft.com/office/powerpoint/2010/main" val="3753383617"/>
-      </p:ext>
-    </p:extLst>
-  </p:cSld>
-  <p:clrMapOvr>
-    <a:masterClrMapping/>
-  </p:clrMapOvr>
-</p:notes>
-</file>
-
-<file path=ppt/notesSlides/notesSlide20.xml><?xml version="1.0" encoding="utf-8"?>
-<p:notes xmlns:a="http://schemas.openxmlformats.org/drawingml/2006/main" xmlns:r="http://schemas.openxmlformats.org/officeDocument/2006/relationships" xmlns:p="http://schemas.openxmlformats.org/presentationml/2006/main">
-  <p:cSld>
-    <p:spTree>
-      <p:nvGrpSpPr>
-        <p:cNvPr id="1" name=""/>
-        <p:cNvGrpSpPr/>
-        <p:nvPr/>
-      </p:nvGrpSpPr>
-      <p:grpSpPr>
-        <a:xfrm>
-          <a:off x="0" y="0"/>
-          <a:ext cx="0" cy="0"/>
-          <a:chOff x="0" y="0"/>
-          <a:chExt cx="0" cy="0"/>
-        </a:xfrm>
-      </p:grpSpPr>
-      <p:sp>
-        <p:nvSpPr>
-          <p:cNvPr id="2" name="슬라이드 이미지 개체 틀 1"/>
-          <p:cNvSpPr>
-            <a:spLocks noGrp="1" noRot="1" noChangeAspect="1"/>
-          </p:cNvSpPr>
-          <p:nvPr>
-            <p:ph type="sldImg"/>
-          </p:nvPr>
-        </p:nvSpPr>
-        <p:spPr/>
-      </p:sp>
-      <p:sp>
-        <p:nvSpPr>
-          <p:cNvPr id="3" name="슬라이드 노트 개체 틀 2"/>
-          <p:cNvSpPr>
-            <a:spLocks noGrp="1"/>
-          </p:cNvSpPr>
-          <p:nvPr>
-            <p:ph type="body" idx="1"/>
-          </p:nvPr>
-        </p:nvSpPr>
-        <p:spPr/>
-        <p:txBody>
-          <a:bodyPr/>
-          <a:lstStyle/>
-          <a:p>
-            <a:endParaRPr lang="ko-KR" altLang="en-US"/>
-          </a:p>
-        </p:txBody>
-      </p:sp>
-      <p:sp>
-        <p:nvSpPr>
-          <p:cNvPr id="4" name="슬라이드 번호 개체 틀 3"/>
-          <p:cNvSpPr>
-            <a:spLocks noGrp="1"/>
-          </p:cNvSpPr>
-          <p:nvPr>
-            <p:ph type="sldNum" sz="quarter" idx="10"/>
-          </p:nvPr>
-        </p:nvSpPr>
-        <p:spPr/>
-        <p:txBody>
-          <a:bodyPr/>
-          <a:lstStyle/>
-          <a:p>
-            <a:fld id="{6D0ABE42-EEBB-47F0-BC6E-2BB25FA03CFE}" type="slidenum">
-              <a:rPr lang="ko-KR" altLang="en-US" smtClean="0"/>
-              <a:t>20</a:t>
-            </a:fld>
-            <a:endParaRPr lang="ko-KR" altLang="en-US"/>
-          </a:p>
-        </p:txBody>
-      </p:sp>
-    </p:spTree>
-    <p:extLst>
-      <p:ext uri="{BB962C8B-B14F-4D97-AF65-F5344CB8AC3E}">
-        <p14:creationId xmlns:p14="http://schemas.microsoft.com/office/powerpoint/2010/main" val="1671263539"/>
       </p:ext>
     </p:extLst>
   </p:cSld>
@@ -2295,7 +2210,7 @@
           <a:p>
             <a:fld id="{78E89258-A40F-4400-BA1A-638141289729}" type="datetime1">
               <a:rPr lang="ko-KR" altLang="en-US" smtClean="0"/>
-              <a:t>2018-03-18</a:t>
+              <a:t>2018-03-19</a:t>
             </a:fld>
             <a:endParaRPr lang="ko-KR" altLang="en-US"/>
           </a:p>
@@ -2472,7 +2387,7 @@
           <a:p>
             <a:fld id="{CD116CEF-802E-43F7-8932-78519DF2A264}" type="datetime1">
               <a:rPr lang="ko-KR" altLang="en-US" smtClean="0"/>
-              <a:t>2018-03-18</a:t>
+              <a:t>2018-03-19</a:t>
             </a:fld>
             <a:endParaRPr lang="ko-KR" altLang="en-US"/>
           </a:p>
@@ -2652,7 +2567,7 @@
           <a:p>
             <a:fld id="{EFD9D7C3-1982-427D-BFA7-1AF9687AAB0F}" type="datetime1">
               <a:rPr lang="ko-KR" altLang="en-US" smtClean="0"/>
-              <a:t>2018-03-18</a:t>
+              <a:t>2018-03-19</a:t>
             </a:fld>
             <a:endParaRPr lang="ko-KR" altLang="en-US"/>
           </a:p>
@@ -2822,7 +2737,7 @@
           <a:p>
             <a:fld id="{EDD93E7F-B437-40E5-8ACB-B79696783EFA}" type="datetime1">
               <a:rPr lang="ko-KR" altLang="en-US" smtClean="0"/>
-              <a:t>2018-03-18</a:t>
+              <a:t>2018-03-19</a:t>
             </a:fld>
             <a:endParaRPr lang="ko-KR" altLang="en-US"/>
           </a:p>
@@ -3066,7 +2981,7 @@
           <a:p>
             <a:fld id="{DB249950-0BD4-4F6E-BE3F-CB53B7E2FD06}" type="datetime1">
               <a:rPr lang="ko-KR" altLang="en-US" smtClean="0"/>
-              <a:t>2018-03-18</a:t>
+              <a:t>2018-03-19</a:t>
             </a:fld>
             <a:endParaRPr lang="ko-KR" altLang="en-US"/>
           </a:p>
@@ -3298,7 +3213,7 @@
           <a:p>
             <a:fld id="{7B016D7E-32C0-4DB3-B6B3-0506A62840FB}" type="datetime1">
               <a:rPr lang="ko-KR" altLang="en-US" smtClean="0"/>
-              <a:t>2018-03-18</a:t>
+              <a:t>2018-03-19</a:t>
             </a:fld>
             <a:endParaRPr lang="ko-KR" altLang="en-US"/>
           </a:p>
@@ -3665,7 +3580,7 @@
           <a:p>
             <a:fld id="{B246672D-B3FD-4B2E-92C0-4A80DA670927}" type="datetime1">
               <a:rPr lang="ko-KR" altLang="en-US" smtClean="0"/>
-              <a:t>2018-03-18</a:t>
+              <a:t>2018-03-19</a:t>
             </a:fld>
             <a:endParaRPr lang="ko-KR" altLang="en-US"/>
           </a:p>
@@ -3783,7 +3698,7 @@
           <a:p>
             <a:fld id="{9B9B7D2E-B202-4D7A-9519-0C490A04EB9C}" type="datetime1">
               <a:rPr lang="ko-KR" altLang="en-US" smtClean="0"/>
-              <a:t>2018-03-18</a:t>
+              <a:t>2018-03-19</a:t>
             </a:fld>
             <a:endParaRPr lang="ko-KR" altLang="en-US"/>
           </a:p>
@@ -3878,7 +3793,7 @@
           <a:p>
             <a:fld id="{12FB9327-987E-47D6-AE2D-63CED8A79494}" type="datetime1">
               <a:rPr lang="ko-KR" altLang="en-US" smtClean="0"/>
-              <a:t>2018-03-18</a:t>
+              <a:t>2018-03-19</a:t>
             </a:fld>
             <a:endParaRPr lang="ko-KR" altLang="en-US"/>
           </a:p>
@@ -4155,7 +4070,7 @@
           <a:p>
             <a:fld id="{D8D87011-7294-4632-A156-4F695AB9E41C}" type="datetime1">
               <a:rPr lang="ko-KR" altLang="en-US" smtClean="0"/>
-              <a:t>2018-03-18</a:t>
+              <a:t>2018-03-19</a:t>
             </a:fld>
             <a:endParaRPr lang="ko-KR" altLang="en-US"/>
           </a:p>
@@ -4412,7 +4327,7 @@
           <a:p>
             <a:fld id="{1BDC7FDB-72DE-4D65-AF4F-510496DAF70F}" type="datetime1">
               <a:rPr lang="ko-KR" altLang="en-US" smtClean="0"/>
-              <a:t>2018-03-18</a:t>
+              <a:t>2018-03-19</a:t>
             </a:fld>
             <a:endParaRPr lang="ko-KR" altLang="en-US"/>
           </a:p>
@@ -4625,7 +4540,7 @@
           <a:p>
             <a:fld id="{9A286DBF-DB43-470A-A903-26374CB6EF47}" type="datetime1">
               <a:rPr lang="ko-KR" altLang="en-US" smtClean="0"/>
-              <a:t>2018-03-18</a:t>
+              <a:t>2018-03-19</a:t>
             </a:fld>
             <a:endParaRPr lang="ko-KR" altLang="en-US"/>
           </a:p>
@@ -5224,7 +5139,7 @@
           <a:p>
             <a:fld id="{32C03489-23FC-4021-B9AB-958EFB3C0FE7}" type="datetime1">
               <a:rPr lang="ko-KR" altLang="en-US" smtClean="0"/>
-              <a:t>2018-03-18</a:t>
+              <a:t>2018-03-19</a:t>
             </a:fld>
             <a:endParaRPr lang="ko-KR" altLang="en-US"/>
           </a:p>
@@ -5350,22 +5265,22 @@
               <a:t>3.2 </a:t>
             </a:r>
             <a:r>
-              <a:rPr lang="en-US" altLang="ko-KR" sz="2300" dirty="0" err="1" smtClean="0">
-                <a:solidFill>
-                  <a:schemeClr val="bg1"/>
-                </a:solidFill>
-                <a:latin typeface="Arial" panose="020B0604020202020204" pitchFamily="34" charset="0"/>
-              </a:rPr>
-              <a:t>Meqsurement</a:t>
-            </a:r>
-            <a:r>
               <a:rPr lang="en-US" altLang="ko-KR" sz="2300" dirty="0" smtClean="0">
                 <a:solidFill>
                   <a:schemeClr val="bg1"/>
                 </a:solidFill>
                 <a:latin typeface="Arial" panose="020B0604020202020204" pitchFamily="34" charset="0"/>
               </a:rPr>
-              <a:t> Bandwidth</a:t>
+              <a:t>Measurement </a:t>
+            </a:r>
+            <a:r>
+              <a:rPr lang="en-US" altLang="ko-KR" sz="2300" dirty="0" smtClean="0">
+                <a:solidFill>
+                  <a:schemeClr val="bg1"/>
+                </a:solidFill>
+                <a:latin typeface="Arial" panose="020B0604020202020204" pitchFamily="34" charset="0"/>
+              </a:rPr>
+              <a:t>Bandwidth</a:t>
             </a:r>
           </a:p>
         </p:txBody>
@@ -5387,7 +5302,7 @@
           <a:p>
             <a:fld id="{7C8D4B38-891E-4F54-A70A-6E9745DD623C}" type="datetime1">
               <a:rPr lang="ko-KR" altLang="en-US" smtClean="0"/>
-              <a:t>2018-03-18</a:t>
+              <a:t>2018-03-19</a:t>
             </a:fld>
             <a:endParaRPr lang="ko-KR" altLang="en-US"/>
           </a:p>
@@ -5957,6 +5872,45 @@
           </a:prstGeom>
         </p:spPr>
       </p:pic>
+      <p:sp>
+        <p:nvSpPr>
+          <p:cNvPr id="11" name="TextBox 10"/>
+          <p:cNvSpPr txBox="1"/>
+          <p:nvPr/>
+        </p:nvSpPr>
+        <p:spPr>
+          <a:xfrm>
+            <a:off x="1605921" y="5487854"/>
+            <a:ext cx="2400300" cy="369332"/>
+          </a:xfrm>
+          <a:prstGeom prst="rect">
+            <a:avLst/>
+          </a:prstGeom>
+          <a:noFill/>
+        </p:spPr>
+        <p:txBody>
+          <a:bodyPr wrap="square" rtlCol="0">
+            <a:spAutoFit/>
+          </a:bodyPr>
+          <a:lstStyle/>
+          <a:p>
+            <a:r>
+              <a:rPr lang="en-US" altLang="ko-KR" dirty="0" smtClean="0">
+                <a:solidFill>
+                  <a:srgbClr val="FF0000"/>
+                </a:solidFill>
+                <a:sym typeface="Wingdings" panose="05000000000000000000" pitchFamily="2" charset="2"/>
+              </a:rPr>
+              <a:t> How to choose n?</a:t>
+            </a:r>
+            <a:endParaRPr lang="ko-KR" altLang="en-US" dirty="0">
+              <a:solidFill>
+                <a:srgbClr val="FF0000"/>
+              </a:solidFill>
+            </a:endParaRPr>
+          </a:p>
+        </p:txBody>
+      </p:sp>
     </p:spTree>
     <p:extLst>
       <p:ext uri="{BB962C8B-B14F-4D97-AF65-F5344CB8AC3E}">
@@ -6124,7 +6078,7 @@
           <a:p>
             <a:fld id="{F85A177F-6FD3-496B-8A9C-B332CA04E863}" type="datetime1">
               <a:rPr lang="ko-KR" altLang="en-US" smtClean="0"/>
-              <a:t>2018-03-18</a:t>
+              <a:t>2018-03-19</a:t>
             </a:fld>
             <a:endParaRPr lang="ko-KR" altLang="en-US"/>
           </a:p>
@@ -6278,7 +6232,7 @@
           <a:p>
             <a:fld id="{7C8D4B38-891E-4F54-A70A-6E9745DD623C}" type="datetime1">
               <a:rPr lang="ko-KR" altLang="en-US" smtClean="0"/>
-              <a:t>2018-03-18</a:t>
+              <a:t>2018-03-19</a:t>
             </a:fld>
             <a:endParaRPr lang="ko-KR" altLang="en-US"/>
           </a:p>
@@ -7607,7 +7561,7 @@
           <a:p>
             <a:fld id="{7C8D4B38-891E-4F54-A70A-6E9745DD623C}" type="datetime1">
               <a:rPr lang="ko-KR" altLang="en-US" smtClean="0"/>
-              <a:t>2018-03-18</a:t>
+              <a:t>2018-03-19</a:t>
             </a:fld>
             <a:endParaRPr lang="ko-KR" altLang="en-US"/>
           </a:p>
@@ -7644,7 +7598,7 @@
         </p:nvSpPr>
         <p:spPr>
           <a:xfrm>
-            <a:off x="628651" y="786287"/>
+            <a:off x="628651" y="1103022"/>
             <a:ext cx="2865988" cy="369332"/>
           </a:xfrm>
           <a:prstGeom prst="rect">
@@ -7682,7 +7636,7 @@
         </p:nvSpPr>
         <p:spPr>
           <a:xfrm>
-            <a:off x="628651" y="1153516"/>
+            <a:off x="628651" y="1470251"/>
             <a:ext cx="7886700" cy="646331"/>
           </a:xfrm>
           <a:prstGeom prst="rect">
@@ -7715,8 +7669,8 @@
               <a:t>Imperfect synchronicity between the terahertz signal and detector </a:t>
             </a:r>
             <a:r>
-              <a:rPr lang="en-US" altLang="ko-KR" dirty="0" err="1" smtClean="0"/>
-              <a:t>triggrting</a:t>
+              <a:rPr lang="en-US" altLang="ko-KR" dirty="0" smtClean="0"/>
+              <a:t>triggering</a:t>
             </a:r>
             <a:endParaRPr lang="ko-KR" altLang="en-US" dirty="0"/>
           </a:p>
@@ -7730,7 +7684,7 @@
         </p:nvSpPr>
         <p:spPr>
           <a:xfrm>
-            <a:off x="628651" y="2034795"/>
+            <a:off x="628651" y="4485460"/>
             <a:ext cx="2865988" cy="369332"/>
           </a:xfrm>
           <a:prstGeom prst="rect">
@@ -7768,7 +7722,7 @@
         </p:nvSpPr>
         <p:spPr>
           <a:xfrm>
-            <a:off x="628651" y="2402024"/>
+            <a:off x="628651" y="4852689"/>
             <a:ext cx="7886700" cy="646331"/>
           </a:xfrm>
           <a:prstGeom prst="rect">
@@ -7804,6 +7758,47 @@
           </a:p>
         </p:txBody>
       </p:sp>
+      <p:pic>
+        <p:nvPicPr>
+          <p:cNvPr id="1026" name="Picture 2" descr="https://m.eet.com/images/common/designconcommunity/2013/06/264381/090258_035978.png"/>
+          <p:cNvPicPr>
+            <a:picLocks noChangeAspect="1" noChangeArrowheads="1"/>
+          </p:cNvPicPr>
+          <p:nvPr/>
+        </p:nvPicPr>
+        <p:blipFill>
+          <a:blip r:embed="rId3">
+            <a:extLst>
+              <a:ext uri="{28A0092B-C50C-407E-A947-70E740481C1C}">
+                <a14:useLocalDpi xmlns:a14="http://schemas.microsoft.com/office/drawing/2010/main" val="0"/>
+              </a:ext>
+            </a:extLst>
+          </a:blip>
+          <a:srcRect/>
+          <a:stretch>
+            <a:fillRect/>
+          </a:stretch>
+        </p:blipFill>
+        <p:spPr bwMode="auto">
+          <a:xfrm>
+            <a:off x="2386012" y="2271374"/>
+            <a:ext cx="4371975" cy="2152650"/>
+          </a:xfrm>
+          <a:prstGeom prst="rect">
+            <a:avLst/>
+          </a:prstGeom>
+          <a:noFill/>
+          <a:extLst>
+            <a:ext uri="{909E8E84-426E-40DD-AFC4-6F175D3DCCD1}">
+              <a14:hiddenFill xmlns:a14="http://schemas.microsoft.com/office/drawing/2010/main">
+                <a:solidFill>
+                  <a:srgbClr val="FFFFFF"/>
+                </a:solidFill>
+              </a14:hiddenFill>
+            </a:ext>
+          </a:extLst>
+        </p:spPr>
+      </p:pic>
     </p:spTree>
     <p:extLst>
       <p:ext uri="{BB962C8B-B14F-4D97-AF65-F5344CB8AC3E}">
@@ -7977,7 +7972,7 @@
           <a:p>
             <a:fld id="{F85A177F-6FD3-496B-8A9C-B332CA04E863}" type="datetime1">
               <a:rPr lang="ko-KR" altLang="en-US" smtClean="0"/>
-              <a:t>2018-03-18</a:t>
+              <a:t>2018-03-19</a:t>
             </a:fld>
             <a:endParaRPr lang="ko-KR" altLang="en-US"/>
           </a:p>
@@ -8122,7 +8117,7 @@
           <a:p>
             <a:fld id="{7C8D4B38-891E-4F54-A70A-6E9745DD623C}" type="datetime1">
               <a:rPr lang="ko-KR" altLang="en-US" smtClean="0"/>
-              <a:t>2018-03-18</a:t>
+              <a:t>2018-03-19</a:t>
             </a:fld>
             <a:endParaRPr lang="ko-KR" altLang="en-US"/>
           </a:p>
@@ -8175,15 +8170,51 @@
           <a:p>
             <a:r>
               <a:rPr lang="en-US" altLang="ko-KR" dirty="0" smtClean="0"/>
-              <a:t>Misalignment not only reduces the signal, but also </a:t>
-            </a:r>
-            <a:r>
-              <a:rPr lang="en-US" altLang="ko-KR" dirty="0" err="1" smtClean="0"/>
-              <a:t>distrots</a:t>
+              <a:t>Misalignment not only </a:t>
+            </a:r>
+            <a:r>
+              <a:rPr lang="en-US" altLang="ko-KR" dirty="0" smtClean="0">
+                <a:solidFill>
+                  <a:srgbClr val="3333FF"/>
+                </a:solidFill>
+              </a:rPr>
+              <a:t>reduces the signal</a:t>
             </a:r>
             <a:r>
               <a:rPr lang="en-US" altLang="ko-KR" dirty="0" smtClean="0"/>
-              <a:t> the profile of the time-domain trace, leading to corresponding distortions in the spectral profile and a reduction in the available bandwidth.</a:t>
+              <a:t>, but also </a:t>
+            </a:r>
+            <a:r>
+              <a:rPr lang="en-US" altLang="ko-KR" dirty="0" smtClean="0">
+                <a:solidFill>
+                  <a:srgbClr val="3333FF"/>
+                </a:solidFill>
+              </a:rPr>
+              <a:t>distorts </a:t>
+            </a:r>
+            <a:r>
+              <a:rPr lang="en-US" altLang="ko-KR" dirty="0" smtClean="0">
+                <a:solidFill>
+                  <a:srgbClr val="3333FF"/>
+                </a:solidFill>
+              </a:rPr>
+              <a:t>the profile </a:t>
+            </a:r>
+            <a:r>
+              <a:rPr lang="en-US" altLang="ko-KR" dirty="0" smtClean="0"/>
+              <a:t>of the time-domain trace, leading to corresponding </a:t>
+            </a:r>
+            <a:r>
+              <a:rPr lang="en-US" altLang="ko-KR" dirty="0" smtClean="0">
+                <a:solidFill>
+                  <a:srgbClr val="3333FF"/>
+                </a:solidFill>
+              </a:rPr>
+              <a:t>distortions in the spectral profile and a reduction in the available bandwidth</a:t>
+            </a:r>
+            <a:r>
+              <a:rPr lang="en-US" altLang="ko-KR" dirty="0" smtClean="0"/>
+              <a:t>.</a:t>
             </a:r>
             <a:endParaRPr lang="ko-KR" altLang="en-US" dirty="0"/>
           </a:p>
@@ -8331,7 +8362,7 @@
                 </a:solidFill>
                 <a:latin typeface="Arial" panose="020B0604020202020204" pitchFamily="34" charset="0"/>
               </a:rPr>
-              <a:t>5.2 Focal Plane Defocusing</a:t>
+              <a:t>5.3 Delay Line Errors</a:t>
             </a:r>
           </a:p>
         </p:txBody>
@@ -8353,7 +8384,7 @@
           <a:p>
             <a:fld id="{7C8D4B38-891E-4F54-A70A-6E9745DD623C}" type="datetime1">
               <a:rPr lang="ko-KR" altLang="en-US" smtClean="0"/>
-              <a:t>2018-03-18</a:t>
+              <a:t>2018-03-19</a:t>
             </a:fld>
             <a:endParaRPr lang="ko-KR" altLang="en-US"/>
           </a:p>
@@ -8391,7 +8422,7 @@
         <p:spPr>
           <a:xfrm>
             <a:off x="628651" y="1153516"/>
-            <a:ext cx="7886700" cy="923330"/>
+            <a:ext cx="7886700" cy="646331"/>
           </a:xfrm>
           <a:prstGeom prst="rect">
             <a:avLst/>
@@ -8406,347 +8437,15 @@
           <a:p>
             <a:r>
               <a:rPr lang="en-US" altLang="ko-KR" dirty="0" smtClean="0"/>
-              <a:t>If the beam </a:t>
+              <a:t>A crucial mechanical </a:t>
             </a:r>
             <a:r>
               <a:rPr lang="en-US" altLang="ko-KR" dirty="0" err="1" smtClean="0"/>
-              <a:t>wavefront</a:t>
+              <a:t>compoenet</a:t>
             </a:r>
             <a:r>
               <a:rPr lang="en-US" altLang="ko-KR" dirty="0" smtClean="0"/>
-              <a:t> is substantially distorted by the presence of a dielectric object at tits waist, it will disturb beam propagation and especially its refocusing and terahertz-probe overlap at the detector.</a:t>
-            </a:r>
-            <a:endParaRPr lang="ko-KR" altLang="en-US" dirty="0"/>
-          </a:p>
-        </p:txBody>
-      </p:sp>
-      <p:sp>
-        <p:nvSpPr>
-          <p:cNvPr id="11" name="TextBox 10"/>
-          <p:cNvSpPr txBox="1"/>
-          <p:nvPr/>
-        </p:nvSpPr>
-        <p:spPr>
-          <a:xfrm>
-            <a:off x="268165" y="6078224"/>
-            <a:ext cx="8607669" cy="415498"/>
-          </a:xfrm>
-          <a:prstGeom prst="rect">
-            <a:avLst/>
-          </a:prstGeom>
-          <a:noFill/>
-        </p:spPr>
-        <p:txBody>
-          <a:bodyPr wrap="square" rtlCol="0">
-            <a:spAutoFit/>
-          </a:bodyPr>
-          <a:lstStyle/>
-          <a:p>
-            <a:r>
-              <a:rPr lang="en-US" altLang="ko-KR" sz="1050" dirty="0">
-                <a:latin typeface="Times New Roman" panose="02020603050405020304" pitchFamily="18" charset="0"/>
-                <a:cs typeface="Times New Roman" panose="02020603050405020304" pitchFamily="18" charset="0"/>
-              </a:rPr>
-              <a:t>Choi, D., et al., “Focused Beam Effect on Measuring Precise Optical Parameters of Liquid Water with Terahertz Time Domain Spectroscopy,” </a:t>
-            </a:r>
-            <a:r>
-              <a:rPr lang="en-US" altLang="ko-KR" sz="1050" i="1" dirty="0">
-                <a:latin typeface="Times New Roman" panose="02020603050405020304" pitchFamily="18" charset="0"/>
-                <a:cs typeface="Times New Roman" panose="02020603050405020304" pitchFamily="18" charset="0"/>
-              </a:rPr>
-              <a:t>2011 36</a:t>
-            </a:r>
-            <a:r>
-              <a:rPr lang="en-US" altLang="ko-KR" sz="1050" i="1" baseline="30000" dirty="0">
-                <a:latin typeface="Times New Roman" panose="02020603050405020304" pitchFamily="18" charset="0"/>
-                <a:cs typeface="Times New Roman" panose="02020603050405020304" pitchFamily="18" charset="0"/>
-              </a:rPr>
-              <a:t>th</a:t>
-            </a:r>
-            <a:r>
-              <a:rPr lang="en-US" altLang="ko-KR" sz="1050" i="1" dirty="0">
-                <a:latin typeface="Times New Roman" panose="02020603050405020304" pitchFamily="18" charset="0"/>
-                <a:cs typeface="Times New Roman" panose="02020603050405020304" pitchFamily="18" charset="0"/>
-              </a:rPr>
-              <a:t> </a:t>
-            </a:r>
-            <a:r>
-              <a:rPr lang="en-US" altLang="ko-KR" sz="1050" i="1" dirty="0" err="1">
-                <a:latin typeface="Times New Roman" panose="02020603050405020304" pitchFamily="18" charset="0"/>
-                <a:cs typeface="Times New Roman" panose="02020603050405020304" pitchFamily="18" charset="0"/>
-              </a:rPr>
-              <a:t>Onternational</a:t>
-            </a:r>
-            <a:r>
-              <a:rPr lang="en-US" altLang="ko-KR" sz="1050" i="1" dirty="0">
-                <a:latin typeface="Times New Roman" panose="02020603050405020304" pitchFamily="18" charset="0"/>
-                <a:cs typeface="Times New Roman" panose="02020603050405020304" pitchFamily="18" charset="0"/>
-              </a:rPr>
-              <a:t> Conference on Infrared, Millimeter and Terahertz Waves (IRMMW-THz)</a:t>
-            </a:r>
-            <a:r>
-              <a:rPr lang="en-US" altLang="ko-KR" sz="1050" dirty="0">
-                <a:latin typeface="Times New Roman" panose="02020603050405020304" pitchFamily="18" charset="0"/>
-                <a:cs typeface="Times New Roman" panose="02020603050405020304" pitchFamily="18" charset="0"/>
-              </a:rPr>
-              <a:t>, October </a:t>
-            </a:r>
-            <a:r>
-              <a:rPr lang="en-US" altLang="ko-KR" sz="1050" dirty="0" smtClean="0">
-                <a:latin typeface="Times New Roman" panose="02020603050405020304" pitchFamily="18" charset="0"/>
-                <a:cs typeface="Times New Roman" panose="02020603050405020304" pitchFamily="18" charset="0"/>
-              </a:rPr>
-              <a:t>2011.</a:t>
-            </a:r>
-            <a:endParaRPr lang="en-US" altLang="ko-KR" sz="1050" dirty="0">
-              <a:latin typeface="Times New Roman" panose="02020603050405020304" pitchFamily="18" charset="0"/>
-              <a:cs typeface="Times New Roman" panose="02020603050405020304" pitchFamily="18" charset="0"/>
-            </a:endParaRPr>
-          </a:p>
-        </p:txBody>
-      </p:sp>
-      <p:pic>
-        <p:nvPicPr>
-          <p:cNvPr id="4" name="그림 3"/>
-          <p:cNvPicPr>
-            <a:picLocks noChangeAspect="1"/>
-          </p:cNvPicPr>
-          <p:nvPr/>
-        </p:nvPicPr>
-        <p:blipFill>
-          <a:blip r:embed="rId3"/>
-          <a:stretch>
-            <a:fillRect/>
-          </a:stretch>
-        </p:blipFill>
-        <p:spPr>
-          <a:xfrm>
-            <a:off x="928686" y="2101057"/>
-            <a:ext cx="7286625" cy="1876425"/>
-          </a:xfrm>
-          <a:prstGeom prst="rect">
-            <a:avLst/>
-          </a:prstGeom>
-        </p:spPr>
-      </p:pic>
-      <p:pic>
-        <p:nvPicPr>
-          <p:cNvPr id="5" name="그림 4"/>
-          <p:cNvPicPr>
-            <a:picLocks noChangeAspect="1"/>
-          </p:cNvPicPr>
-          <p:nvPr/>
-        </p:nvPicPr>
-        <p:blipFill>
-          <a:blip r:embed="rId4"/>
-          <a:stretch>
-            <a:fillRect/>
-          </a:stretch>
-        </p:blipFill>
-        <p:spPr>
-          <a:xfrm>
-            <a:off x="1272219" y="3738919"/>
-            <a:ext cx="2956247" cy="2160000"/>
-          </a:xfrm>
-          <a:prstGeom prst="rect">
-            <a:avLst/>
-          </a:prstGeom>
-        </p:spPr>
-      </p:pic>
-      <p:pic>
-        <p:nvPicPr>
-          <p:cNvPr id="8" name="그림 7"/>
-          <p:cNvPicPr>
-            <a:picLocks noChangeAspect="1"/>
-          </p:cNvPicPr>
-          <p:nvPr/>
-        </p:nvPicPr>
-        <p:blipFill>
-          <a:blip r:embed="rId5"/>
-          <a:stretch>
-            <a:fillRect/>
-          </a:stretch>
-        </p:blipFill>
-        <p:spPr>
-          <a:xfrm>
-            <a:off x="4830003" y="3738919"/>
-            <a:ext cx="2783771" cy="2160000"/>
-          </a:xfrm>
-          <a:prstGeom prst="rect">
-            <a:avLst/>
-          </a:prstGeom>
-        </p:spPr>
-      </p:pic>
-    </p:spTree>
-    <p:extLst>
-      <p:ext uri="{BB962C8B-B14F-4D97-AF65-F5344CB8AC3E}">
-        <p14:creationId xmlns:p14="http://schemas.microsoft.com/office/powerpoint/2010/main" val="465360764"/>
-      </p:ext>
-    </p:extLst>
-  </p:cSld>
-  <p:clrMapOvr>
-    <a:masterClrMapping/>
-  </p:clrMapOvr>
-  <p:timing>
-    <p:tnLst>
-      <p:par>
-        <p:cTn id="1" dur="indefinite" restart="never" nodeType="tmRoot"/>
-      </p:par>
-    </p:tnLst>
-  </p:timing>
-</p:sld>
-</file>
-
-<file path=ppt/slides/slide17.xml><?xml version="1.0" encoding="utf-8"?>
-<p:sld xmlns:a="http://schemas.openxmlformats.org/drawingml/2006/main" xmlns:r="http://schemas.openxmlformats.org/officeDocument/2006/relationships" xmlns:p="http://schemas.openxmlformats.org/presentationml/2006/main">
-  <p:cSld>
-    <p:spTree>
-      <p:nvGrpSpPr>
-        <p:cNvPr id="1" name=""/>
-        <p:cNvGrpSpPr/>
-        <p:nvPr/>
-      </p:nvGrpSpPr>
-      <p:grpSpPr>
-        <a:xfrm>
-          <a:off x="0" y="0"/>
-          <a:ext cx="0" cy="0"/>
-          <a:chOff x="0" y="0"/>
-          <a:chExt cx="0" cy="0"/>
-        </a:xfrm>
-      </p:grpSpPr>
-      <p:sp>
-        <p:nvSpPr>
-          <p:cNvPr id="6199" name="Rectangle 55"/>
-          <p:cNvSpPr>
-            <a:spLocks noChangeArrowheads="1"/>
-          </p:cNvSpPr>
-          <p:nvPr/>
-        </p:nvSpPr>
-        <p:spPr bwMode="auto">
-          <a:xfrm>
-            <a:off x="0" y="0"/>
-            <a:ext cx="9144000" cy="692150"/>
-          </a:xfrm>
-          <a:prstGeom prst="rect">
-            <a:avLst/>
-          </a:prstGeom>
-          <a:solidFill>
-            <a:srgbClr val="3333FF"/>
-          </a:solidFill>
-          <a:ln>
-            <a:noFill/>
-          </a:ln>
-          <a:effectLst/>
-          <a:extLst>
-            <a:ext uri="{91240B29-F687-4F45-9708-019B960494DF}">
-              <a14:hiddenLine xmlns:a14="http://schemas.microsoft.com/office/drawing/2010/main" w="9525">
-                <a:solidFill>
-                  <a:schemeClr val="tx1"/>
-                </a:solidFill>
-                <a:miter lim="800000"/>
-                <a:headEnd/>
-                <a:tailEnd/>
-              </a14:hiddenLine>
-            </a:ext>
-            <a:ext uri="{AF507438-7753-43E0-B8FC-AC1667EBCBE1}">
-              <a14:hiddenEffects xmlns:a14="http://schemas.microsoft.com/office/drawing/2010/main">
-                <a:effectLst>
-                  <a:outerShdw dist="35921" dir="2700000" algn="ctr" rotWithShape="0">
-                    <a:schemeClr val="bg2"/>
-                  </a:outerShdw>
-                </a:effectLst>
-              </a14:hiddenEffects>
-            </a:ext>
-          </a:extLst>
-        </p:spPr>
-        <p:txBody>
-          <a:bodyPr wrap="none" anchor="ctr"/>
-          <a:lstStyle/>
-          <a:p>
-            <a:pPr algn="ctr"/>
-            <a:r>
-              <a:rPr lang="en-US" altLang="ko-KR" sz="2300" dirty="0" smtClean="0">
-                <a:solidFill>
-                  <a:schemeClr val="bg1"/>
-                </a:solidFill>
-                <a:latin typeface="Arial" panose="020B0604020202020204" pitchFamily="34" charset="0"/>
-              </a:rPr>
-              <a:t>5.3 Delay Line Errors</a:t>
-            </a:r>
-          </a:p>
-        </p:txBody>
-      </p:sp>
-      <p:sp>
-        <p:nvSpPr>
-          <p:cNvPr id="9" name="날짜 개체 틀 8"/>
-          <p:cNvSpPr>
-            <a:spLocks noGrp="1"/>
-          </p:cNvSpPr>
-          <p:nvPr>
-            <p:ph type="dt" sz="half" idx="10"/>
-          </p:nvPr>
-        </p:nvSpPr>
-        <p:spPr/>
-        <p:txBody>
-          <a:bodyPr/>
-          <a:lstStyle/>
-          <a:p>
-            <a:fld id="{7C8D4B38-891E-4F54-A70A-6E9745DD623C}" type="datetime1">
-              <a:rPr lang="ko-KR" altLang="en-US" smtClean="0"/>
-              <a:t>2018-03-18</a:t>
-            </a:fld>
-            <a:endParaRPr lang="ko-KR" altLang="en-US"/>
-          </a:p>
-        </p:txBody>
-      </p:sp>
-      <p:sp>
-        <p:nvSpPr>
-          <p:cNvPr id="10" name="슬라이드 번호 개체 틀 9"/>
-          <p:cNvSpPr>
-            <a:spLocks noGrp="1"/>
-          </p:cNvSpPr>
-          <p:nvPr>
-            <p:ph type="sldNum" sz="quarter" idx="12"/>
-          </p:nvPr>
-        </p:nvSpPr>
-        <p:spPr/>
-        <p:txBody>
-          <a:bodyPr/>
-          <a:lstStyle/>
-          <a:p>
-            <a:fld id="{8765F8EB-1186-4395-8E70-F957669279DD}" type="slidenum">
-              <a:rPr lang="ko-KR" altLang="en-US" smtClean="0"/>
-              <a:t>17</a:t>
-            </a:fld>
-            <a:endParaRPr lang="ko-KR" altLang="en-US"/>
-          </a:p>
-        </p:txBody>
-      </p:sp>
-      <p:sp>
-        <p:nvSpPr>
-          <p:cNvPr id="6" name="TextBox 5"/>
-          <p:cNvSpPr txBox="1"/>
-          <p:nvPr/>
-        </p:nvSpPr>
-        <p:spPr>
-          <a:xfrm>
-            <a:off x="628651" y="1153516"/>
-            <a:ext cx="7886700" cy="923330"/>
-          </a:xfrm>
-          <a:prstGeom prst="rect">
-            <a:avLst/>
-          </a:prstGeom>
-          <a:noFill/>
-        </p:spPr>
-        <p:txBody>
-          <a:bodyPr wrap="square" rtlCol="0">
-            <a:spAutoFit/>
-          </a:bodyPr>
-          <a:lstStyle/>
-          <a:p>
-            <a:r>
-              <a:rPr lang="en-US" altLang="ko-KR" dirty="0" smtClean="0"/>
-              <a:t>Misalignment not only reduces the signal, but also distorts the profile of the time-domain trace, leading to corresponding distortions in the spectral profile and a reduction in the available bandwidth.</a:t>
+              <a:t> in the great majority of terahertz time-domain spectrometers in current use is the delay line.</a:t>
             </a:r>
             <a:endParaRPr lang="ko-KR" altLang="en-US" dirty="0"/>
           </a:p>
@@ -8796,7 +8495,7 @@
 </p:sld>
 </file>
 
-<file path=ppt/slides/slide18.xml><?xml version="1.0" encoding="utf-8"?>
+<file path=ppt/slides/slide17.xml><?xml version="1.0" encoding="utf-8"?>
 <p:sld xmlns:a="http://schemas.openxmlformats.org/drawingml/2006/main" xmlns:r="http://schemas.openxmlformats.org/officeDocument/2006/relationships" xmlns:p="http://schemas.openxmlformats.org/presentationml/2006/main">
   <p:cSld>
     <p:spTree>
@@ -8949,7 +8648,7 @@
           <a:p>
             <a:fld id="{F85A177F-6FD3-496B-8A9C-B332CA04E863}" type="datetime1">
               <a:rPr lang="ko-KR" altLang="en-US" smtClean="0"/>
-              <a:t>2018-03-18</a:t>
+              <a:t>2018-03-19</a:t>
             </a:fld>
             <a:endParaRPr lang="ko-KR" altLang="en-US"/>
           </a:p>
@@ -8972,7 +8671,7 @@
           <a:p>
             <a:fld id="{8765F8EB-1186-4395-8E70-F957669279DD}" type="slidenum">
               <a:rPr lang="ko-KR" altLang="en-US" smtClean="0"/>
-              <a:t>18</a:t>
+              <a:t>17</a:t>
             </a:fld>
             <a:endParaRPr lang="ko-KR" altLang="en-US"/>
           </a:p>
@@ -8998,7 +8697,7 @@
 </p:sld>
 </file>
 
-<file path=ppt/slides/slide19.xml><?xml version="1.0" encoding="utf-8"?>
+<file path=ppt/slides/slide18.xml><?xml version="1.0" encoding="utf-8"?>
 <p:sld xmlns:a="http://schemas.openxmlformats.org/drawingml/2006/main" xmlns:r="http://schemas.openxmlformats.org/officeDocument/2006/relationships" xmlns:p="http://schemas.openxmlformats.org/presentationml/2006/main">
   <p:cSld>
     <p:spTree>
@@ -9094,7 +8793,7 @@
           <a:p>
             <a:fld id="{7C8D4B38-891E-4F54-A70A-6E9745DD623C}" type="datetime1">
               <a:rPr lang="ko-KR" altLang="en-US" smtClean="0"/>
-              <a:t>2018-03-18</a:t>
+              <a:t>2018-03-19</a:t>
             </a:fld>
             <a:endParaRPr lang="ko-KR" altLang="en-US"/>
           </a:p>
@@ -9117,7 +8816,7 @@
           <a:p>
             <a:fld id="{8765F8EB-1186-4395-8E70-F957669279DD}" type="slidenum">
               <a:rPr lang="ko-KR" altLang="en-US" smtClean="0"/>
-              <a:t>19</a:t>
+              <a:t>18</a:t>
             </a:fld>
             <a:endParaRPr lang="ko-KR" altLang="en-US"/>
           </a:p>
@@ -9147,11 +8846,7 @@
           <a:p>
             <a:r>
               <a:rPr lang="en-US" altLang="ko-KR" dirty="0" smtClean="0"/>
-              <a:t>The diameter and profile of terahertz beams at various points in an time-domain spectroscopy may need to be measured</a:t>
-            </a:r>
-            <a:r>
-              <a:rPr lang="en-US" altLang="ko-KR" dirty="0" smtClean="0"/>
-              <a:t>.</a:t>
+              <a:t>The diameter and profile of terahertz beams at various points in an time-domain spectroscopy may need to be measured.</a:t>
             </a:r>
           </a:p>
           <a:p>
@@ -9293,10 +8988,445 @@
           </a:p>
         </p:txBody>
       </p:sp>
+      <p:sp>
+        <p:nvSpPr>
+          <p:cNvPr id="13" name="TextBox 12"/>
+          <p:cNvSpPr txBox="1"/>
+          <p:nvPr/>
+        </p:nvSpPr>
+        <p:spPr>
+          <a:xfrm>
+            <a:off x="5024956" y="3156707"/>
+            <a:ext cx="2865988" cy="369332"/>
+          </a:xfrm>
+          <a:prstGeom prst="rect">
+            <a:avLst/>
+          </a:prstGeom>
+          <a:noFill/>
+        </p:spPr>
+        <p:txBody>
+          <a:bodyPr wrap="square" rtlCol="0">
+            <a:spAutoFit/>
+          </a:bodyPr>
+          <a:lstStyle/>
+          <a:p>
+            <a:r>
+              <a:rPr lang="en-US" altLang="ko-KR" dirty="0" smtClean="0">
+                <a:solidFill>
+                  <a:srgbClr val="3333FF"/>
+                </a:solidFill>
+              </a:rPr>
+              <a:t>Raster Scan</a:t>
+            </a:r>
+            <a:endParaRPr lang="ko-KR" altLang="en-US" dirty="0">
+              <a:solidFill>
+                <a:srgbClr val="3333FF"/>
+              </a:solidFill>
+            </a:endParaRPr>
+          </a:p>
+        </p:txBody>
+      </p:sp>
     </p:spTree>
     <p:extLst>
       <p:ext uri="{BB962C8B-B14F-4D97-AF65-F5344CB8AC3E}">
         <p14:creationId xmlns:p14="http://schemas.microsoft.com/office/powerpoint/2010/main" val="3515582539"/>
+      </p:ext>
+    </p:extLst>
+  </p:cSld>
+  <p:clrMapOvr>
+    <a:masterClrMapping/>
+  </p:clrMapOvr>
+  <p:timing>
+    <p:tnLst>
+      <p:par>
+        <p:cTn id="1" dur="indefinite" restart="never" nodeType="tmRoot"/>
+      </p:par>
+    </p:tnLst>
+  </p:timing>
+</p:sld>
+</file>
+
+<file path=ppt/slides/slide19.xml><?xml version="1.0" encoding="utf-8"?>
+<p:sld xmlns:a="http://schemas.openxmlformats.org/drawingml/2006/main" xmlns:r="http://schemas.openxmlformats.org/officeDocument/2006/relationships" xmlns:p="http://schemas.openxmlformats.org/presentationml/2006/main">
+  <p:cSld>
+    <p:spTree>
+      <p:nvGrpSpPr>
+        <p:cNvPr id="1" name=""/>
+        <p:cNvGrpSpPr/>
+        <p:nvPr/>
+      </p:nvGrpSpPr>
+      <p:grpSpPr>
+        <a:xfrm>
+          <a:off x="0" y="0"/>
+          <a:ext cx="0" cy="0"/>
+          <a:chOff x="0" y="0"/>
+          <a:chExt cx="0" cy="0"/>
+        </a:xfrm>
+      </p:grpSpPr>
+      <p:sp>
+        <p:nvSpPr>
+          <p:cNvPr id="6199" name="Rectangle 55"/>
+          <p:cNvSpPr>
+            <a:spLocks noChangeArrowheads="1"/>
+          </p:cNvSpPr>
+          <p:nvPr/>
+        </p:nvSpPr>
+        <p:spPr bwMode="auto">
+          <a:xfrm>
+            <a:off x="0" y="0"/>
+            <a:ext cx="9144000" cy="692150"/>
+          </a:xfrm>
+          <a:prstGeom prst="rect">
+            <a:avLst/>
+          </a:prstGeom>
+          <a:solidFill>
+            <a:srgbClr val="3333FF"/>
+          </a:solidFill>
+          <a:ln>
+            <a:noFill/>
+          </a:ln>
+          <a:effectLst/>
+          <a:extLst>
+            <a:ext uri="{91240B29-F687-4F45-9708-019B960494DF}">
+              <a14:hiddenLine xmlns:a14="http://schemas.microsoft.com/office/drawing/2010/main" w="9525">
+                <a:solidFill>
+                  <a:schemeClr val="tx1"/>
+                </a:solidFill>
+                <a:miter lim="800000"/>
+                <a:headEnd/>
+                <a:tailEnd/>
+              </a14:hiddenLine>
+            </a:ext>
+            <a:ext uri="{AF507438-7753-43E0-B8FC-AC1667EBCBE1}">
+              <a14:hiddenEffects xmlns:a14="http://schemas.microsoft.com/office/drawing/2010/main">
+                <a:effectLst>
+                  <a:outerShdw dist="35921" dir="2700000" algn="ctr" rotWithShape="0">
+                    <a:schemeClr val="bg2"/>
+                  </a:outerShdw>
+                </a:effectLst>
+              </a14:hiddenEffects>
+            </a:ext>
+          </a:extLst>
+        </p:spPr>
+        <p:txBody>
+          <a:bodyPr wrap="none" anchor="ctr"/>
+          <a:lstStyle/>
+          <a:p>
+            <a:pPr algn="ctr"/>
+            <a:r>
+              <a:rPr lang="en-US" altLang="ko-KR" sz="2800" dirty="0" smtClean="0">
+                <a:solidFill>
+                  <a:schemeClr val="bg1"/>
+                </a:solidFill>
+                <a:latin typeface="Arial" panose="020B0604020202020204" pitchFamily="34" charset="0"/>
+              </a:rPr>
+              <a:t>References</a:t>
+            </a:r>
+            <a:endParaRPr lang="en-US" altLang="ko-KR" sz="2800" dirty="0">
+              <a:solidFill>
+                <a:schemeClr val="bg1"/>
+              </a:solidFill>
+              <a:latin typeface="Arial" panose="020B0604020202020204" pitchFamily="34" charset="0"/>
+            </a:endParaRPr>
+          </a:p>
+        </p:txBody>
+      </p:sp>
+      <p:sp>
+        <p:nvSpPr>
+          <p:cNvPr id="2" name="TextBox 1"/>
+          <p:cNvSpPr txBox="1"/>
+          <p:nvPr/>
+        </p:nvSpPr>
+        <p:spPr>
+          <a:xfrm>
+            <a:off x="268165" y="1362807"/>
+            <a:ext cx="8607669" cy="3416320"/>
+          </a:xfrm>
+          <a:prstGeom prst="rect">
+            <a:avLst/>
+          </a:prstGeom>
+          <a:noFill/>
+        </p:spPr>
+        <p:txBody>
+          <a:bodyPr wrap="square" rtlCol="0">
+            <a:spAutoFit/>
+          </a:bodyPr>
+          <a:lstStyle/>
+          <a:p>
+            <a:pPr marL="285750" indent="-285750">
+              <a:buFont typeface="Arial" panose="020B0604020202020204" pitchFamily="34" charset="0"/>
+              <a:buChar char="•"/>
+            </a:pPr>
+            <a:r>
+              <a:rPr lang="en-US" altLang="ko-KR" dirty="0" smtClean="0">
+                <a:latin typeface="Times New Roman" panose="02020603050405020304" pitchFamily="18" charset="0"/>
+                <a:cs typeface="Times New Roman" panose="02020603050405020304" pitchFamily="18" charset="0"/>
+              </a:rPr>
+              <a:t>Hilbert</a:t>
+            </a:r>
+            <a:r>
+              <a:rPr lang="en-US" altLang="ko-KR" dirty="0">
+                <a:latin typeface="Times New Roman" panose="02020603050405020304" pitchFamily="18" charset="0"/>
+                <a:cs typeface="Times New Roman" panose="02020603050405020304" pitchFamily="18" charset="0"/>
+              </a:rPr>
+              <a:t>, S. (</a:t>
+            </a:r>
+            <a:r>
+              <a:rPr lang="en-US" altLang="ko-KR" dirty="0" err="1">
+                <a:latin typeface="Times New Roman" panose="02020603050405020304" pitchFamily="18" charset="0"/>
+                <a:cs typeface="Times New Roman" panose="02020603050405020304" pitchFamily="18" charset="0"/>
+              </a:rPr>
+              <a:t>n.d.</a:t>
+            </a:r>
+            <a:r>
+              <a:rPr lang="en-US" altLang="ko-KR" dirty="0">
+                <a:latin typeface="Times New Roman" panose="02020603050405020304" pitchFamily="18" charset="0"/>
+                <a:cs typeface="Times New Roman" panose="02020603050405020304" pitchFamily="18" charset="0"/>
+              </a:rPr>
+              <a:t>). </a:t>
+            </a:r>
+            <a:r>
+              <a:rPr lang="en-US" altLang="ko-KR" i="1" dirty="0">
+                <a:latin typeface="Times New Roman" panose="02020603050405020304" pitchFamily="18" charset="0"/>
+                <a:cs typeface="Times New Roman" panose="02020603050405020304" pitchFamily="18" charset="0"/>
+              </a:rPr>
+              <a:t>FFT Zero Padding</a:t>
+            </a:r>
+            <a:r>
+              <a:rPr lang="en-US" altLang="ko-KR" dirty="0">
+                <a:latin typeface="Times New Roman" panose="02020603050405020304" pitchFamily="18" charset="0"/>
+                <a:cs typeface="Times New Roman" panose="02020603050405020304" pitchFamily="18" charset="0"/>
+              </a:rPr>
+              <a:t>. Retrieved March 15, 2018, from http://www.bitweenie.com/listings/fft-zero-padding/</a:t>
+            </a:r>
+          </a:p>
+          <a:p>
+            <a:pPr marL="285750" indent="-285750">
+              <a:buFont typeface="Arial" panose="020B0604020202020204" pitchFamily="34" charset="0"/>
+              <a:buChar char="•"/>
+            </a:pPr>
+            <a:r>
+              <a:rPr lang="en-US" altLang="ko-KR" dirty="0" err="1">
+                <a:latin typeface="Times New Roman" panose="02020603050405020304" pitchFamily="18" charset="0"/>
+                <a:cs typeface="Times New Roman" panose="02020603050405020304" pitchFamily="18" charset="0"/>
+              </a:rPr>
+              <a:t>Hou</a:t>
+            </a:r>
+            <a:r>
+              <a:rPr lang="en-US" altLang="ko-KR" dirty="0">
+                <a:latin typeface="Times New Roman" panose="02020603050405020304" pitchFamily="18" charset="0"/>
+                <a:cs typeface="Times New Roman" panose="02020603050405020304" pitchFamily="18" charset="0"/>
+              </a:rPr>
+              <a:t>, L., W. Shi, and S. Chen, “Noise Analysis and Optimization of Terahertz Photoconductive Emitters,” </a:t>
+            </a:r>
+            <a:r>
+              <a:rPr lang="en-US" altLang="ko-KR" i="1" dirty="0">
+                <a:latin typeface="Times New Roman" panose="02020603050405020304" pitchFamily="18" charset="0"/>
+                <a:cs typeface="Times New Roman" panose="02020603050405020304" pitchFamily="18" charset="0"/>
+              </a:rPr>
+              <a:t>IEEE J. Selected Topics Quantum Electronics</a:t>
+            </a:r>
+            <a:r>
+              <a:rPr lang="en-US" altLang="ko-KR" dirty="0">
+                <a:latin typeface="Times New Roman" panose="02020603050405020304" pitchFamily="18" charset="0"/>
+                <a:cs typeface="Times New Roman" panose="02020603050405020304" pitchFamily="18" charset="0"/>
+              </a:rPr>
+              <a:t>, Vol. 19, 2013, p. 8401305.</a:t>
+            </a:r>
+          </a:p>
+          <a:p>
+            <a:pPr marL="285750" indent="-285750">
+              <a:buFont typeface="Arial" panose="020B0604020202020204" pitchFamily="34" charset="0"/>
+              <a:buChar char="•"/>
+            </a:pPr>
+            <a:r>
+              <a:rPr lang="en-US" altLang="ko-KR" dirty="0">
+                <a:latin typeface="Times New Roman" panose="02020603050405020304" pitchFamily="18" charset="0"/>
+                <a:cs typeface="Times New Roman" panose="02020603050405020304" pitchFamily="18" charset="0"/>
+              </a:rPr>
+              <a:t>Jepsen, P. U., and B. M. Fischer, “Dynamic Range in Terahertz Time-Domain Transmission and Reflection Spectroscopy,” </a:t>
+            </a:r>
+            <a:r>
+              <a:rPr lang="en-US" altLang="ko-KR" i="1" dirty="0">
+                <a:latin typeface="Times New Roman" panose="02020603050405020304" pitchFamily="18" charset="0"/>
+                <a:cs typeface="Times New Roman" panose="02020603050405020304" pitchFamily="18" charset="0"/>
+              </a:rPr>
+              <a:t>Opt. Lett</a:t>
+            </a:r>
+            <a:r>
+              <a:rPr lang="en-US" altLang="ko-KR" dirty="0">
+                <a:latin typeface="Times New Roman" panose="02020603050405020304" pitchFamily="18" charset="0"/>
+                <a:cs typeface="Times New Roman" panose="02020603050405020304" pitchFamily="18" charset="0"/>
+              </a:rPr>
+              <a:t>., Vol. 30, 2005, pp. 29-31.</a:t>
+            </a:r>
+          </a:p>
+          <a:p>
+            <a:pPr marL="285750" indent="-285750">
+              <a:buFont typeface="Arial" panose="020B0604020202020204" pitchFamily="34" charset="0"/>
+              <a:buChar char="•"/>
+            </a:pPr>
+            <a:r>
+              <a:rPr lang="en-US" altLang="ko-KR" dirty="0" err="1" smtClean="0">
+                <a:latin typeface="Times New Roman" panose="02020603050405020304" pitchFamily="18" charset="0"/>
+                <a:cs typeface="Times New Roman" panose="02020603050405020304" pitchFamily="18" charset="0"/>
+              </a:rPr>
+              <a:t>Ratcliffe</a:t>
+            </a:r>
+            <a:r>
+              <a:rPr lang="en-US" altLang="ko-KR" dirty="0" smtClean="0">
+                <a:latin typeface="Times New Roman" panose="02020603050405020304" pitchFamily="18" charset="0"/>
+                <a:cs typeface="Times New Roman" panose="02020603050405020304" pitchFamily="18" charset="0"/>
+              </a:rPr>
+              <a:t>, C., and </a:t>
+            </a:r>
+            <a:r>
+              <a:rPr lang="en-US" altLang="ko-KR" dirty="0" err="1" smtClean="0">
+                <a:latin typeface="Times New Roman" panose="02020603050405020304" pitchFamily="18" charset="0"/>
+                <a:cs typeface="Times New Roman" panose="02020603050405020304" pitchFamily="18" charset="0"/>
+              </a:rPr>
+              <a:t>Ratcliffe</a:t>
+            </a:r>
+            <a:r>
+              <a:rPr lang="en-US" altLang="ko-KR" dirty="0" smtClean="0">
+                <a:latin typeface="Times New Roman" panose="02020603050405020304" pitchFamily="18" charset="0"/>
+                <a:cs typeface="Times New Roman" panose="02020603050405020304" pitchFamily="18" charset="0"/>
+              </a:rPr>
+              <a:t>, B., </a:t>
+            </a:r>
+            <a:r>
+              <a:rPr lang="en-US" altLang="ko-KR" i="1" dirty="0" smtClean="0">
+                <a:latin typeface="Times New Roman" panose="02020603050405020304" pitchFamily="18" charset="0"/>
+                <a:cs typeface="Times New Roman" panose="02020603050405020304" pitchFamily="18" charset="0"/>
+              </a:rPr>
+              <a:t>Doubt-Free Uncertainty In Measurement: An Introduction for Engineers and Students</a:t>
+            </a:r>
+            <a:r>
+              <a:rPr lang="en-US" altLang="ko-KR" dirty="0" smtClean="0">
+                <a:latin typeface="Times New Roman" panose="02020603050405020304" pitchFamily="18" charset="0"/>
+                <a:cs typeface="Times New Roman" panose="02020603050405020304" pitchFamily="18" charset="0"/>
+              </a:rPr>
+              <a:t>, Cham: Springer, 2015, pp. 9-18.</a:t>
+            </a:r>
+          </a:p>
+          <a:p>
+            <a:pPr marL="285750" indent="-285750">
+              <a:buFont typeface="Arial" panose="020B0604020202020204" pitchFamily="34" charset="0"/>
+              <a:buChar char="•"/>
+            </a:pPr>
+            <a:r>
+              <a:rPr lang="en-US" altLang="ko-KR" dirty="0" err="1" smtClean="0">
+                <a:latin typeface="Times New Roman" panose="02020603050405020304" pitchFamily="18" charset="0"/>
+                <a:cs typeface="Times New Roman" panose="02020603050405020304" pitchFamily="18" charset="0"/>
+              </a:rPr>
+              <a:t>Tripathi</a:t>
+            </a:r>
+            <a:r>
+              <a:rPr lang="en-US" altLang="ko-KR" dirty="0" smtClean="0">
+                <a:latin typeface="Times New Roman" panose="02020603050405020304" pitchFamily="18" charset="0"/>
+                <a:cs typeface="Times New Roman" panose="02020603050405020304" pitchFamily="18" charset="0"/>
+              </a:rPr>
+              <a:t>, S. R., et al., “</a:t>
+            </a:r>
+            <a:r>
+              <a:rPr lang="en-US" altLang="ko-KR" dirty="0" err="1" smtClean="0">
+                <a:latin typeface="Times New Roman" panose="02020603050405020304" pitchFamily="18" charset="0"/>
+                <a:cs typeface="Times New Roman" panose="02020603050405020304" pitchFamily="18" charset="0"/>
+              </a:rPr>
+              <a:t>Pratical</a:t>
+            </a:r>
+            <a:r>
+              <a:rPr lang="en-US" altLang="ko-KR" dirty="0" smtClean="0">
+                <a:latin typeface="Times New Roman" panose="02020603050405020304" pitchFamily="18" charset="0"/>
+                <a:cs typeface="Times New Roman" panose="02020603050405020304" pitchFamily="18" charset="0"/>
+              </a:rPr>
+              <a:t> Method to Estimate the Standard Deviation in Absorption Coefficients Measured with THz Time-Domain Spectroscopy,” </a:t>
+            </a:r>
+            <a:r>
+              <a:rPr lang="en-US" altLang="ko-KR" i="1" dirty="0" smtClean="0">
+                <a:latin typeface="Times New Roman" panose="02020603050405020304" pitchFamily="18" charset="0"/>
+                <a:cs typeface="Times New Roman" panose="02020603050405020304" pitchFamily="18" charset="0"/>
+              </a:rPr>
+              <a:t>Opt. </a:t>
+            </a:r>
+            <a:r>
+              <a:rPr lang="en-US" altLang="ko-KR" i="1" dirty="0" err="1" smtClean="0">
+                <a:latin typeface="Times New Roman" panose="02020603050405020304" pitchFamily="18" charset="0"/>
+                <a:cs typeface="Times New Roman" panose="02020603050405020304" pitchFamily="18" charset="0"/>
+              </a:rPr>
+              <a:t>Commun</a:t>
+            </a:r>
+            <a:r>
+              <a:rPr lang="en-US" altLang="ko-KR" dirty="0" smtClean="0">
+                <a:latin typeface="Times New Roman" panose="02020603050405020304" pitchFamily="18" charset="0"/>
+                <a:cs typeface="Times New Roman" panose="02020603050405020304" pitchFamily="18" charset="0"/>
+              </a:rPr>
+              <a:t>., Vol. 283, 2010, pp. 2488-2491</a:t>
+            </a:r>
+            <a:r>
+              <a:rPr lang="en-US" altLang="ko-KR" dirty="0" smtClean="0">
+                <a:latin typeface="Times New Roman" panose="02020603050405020304" pitchFamily="18" charset="0"/>
+                <a:cs typeface="Times New Roman" panose="02020603050405020304" pitchFamily="18" charset="0"/>
+              </a:rPr>
+              <a:t>.</a:t>
+            </a:r>
+            <a:endParaRPr lang="en-US" altLang="ko-KR" dirty="0" smtClean="0">
+              <a:latin typeface="Times New Roman" panose="02020603050405020304" pitchFamily="18" charset="0"/>
+              <a:cs typeface="Times New Roman" panose="02020603050405020304" pitchFamily="18" charset="0"/>
+            </a:endParaRPr>
+          </a:p>
+        </p:txBody>
+      </p:sp>
+      <p:sp>
+        <p:nvSpPr>
+          <p:cNvPr id="3" name="날짜 개체 틀 2"/>
+          <p:cNvSpPr>
+            <a:spLocks noGrp="1"/>
+          </p:cNvSpPr>
+          <p:nvPr>
+            <p:ph type="dt" sz="half" idx="10"/>
+          </p:nvPr>
+        </p:nvSpPr>
+        <p:spPr/>
+        <p:txBody>
+          <a:bodyPr/>
+          <a:lstStyle/>
+          <a:p>
+            <a:fld id="{6509A91F-0059-474E-BAEC-65E67593FE25}" type="datetime1">
+              <a:rPr lang="ko-KR" altLang="en-US" smtClean="0"/>
+              <a:t>2018-03-19</a:t>
+            </a:fld>
+            <a:endParaRPr lang="ko-KR" altLang="en-US"/>
+          </a:p>
+        </p:txBody>
+      </p:sp>
+      <p:sp>
+        <p:nvSpPr>
+          <p:cNvPr id="4" name="슬라이드 번호 개체 틀 3"/>
+          <p:cNvSpPr>
+            <a:spLocks noGrp="1"/>
+          </p:cNvSpPr>
+          <p:nvPr>
+            <p:ph type="sldNum" sz="quarter" idx="12"/>
+          </p:nvPr>
+        </p:nvSpPr>
+        <p:spPr/>
+        <p:txBody>
+          <a:bodyPr/>
+          <a:lstStyle/>
+          <a:p>
+            <a:fld id="{8765F8EB-1186-4395-8E70-F957669279DD}" type="slidenum">
+              <a:rPr lang="ko-KR" altLang="en-US" smtClean="0"/>
+              <a:t>19</a:t>
+            </a:fld>
+            <a:endParaRPr lang="ko-KR" altLang="en-US"/>
+          </a:p>
+        </p:txBody>
+      </p:sp>
+    </p:spTree>
+    <p:extLst>
+      <p:ext uri="{BB962C8B-B14F-4D97-AF65-F5344CB8AC3E}">
+        <p14:creationId xmlns:p14="http://schemas.microsoft.com/office/powerpoint/2010/main" val="3518239763"/>
       </p:ext>
     </p:extLst>
   </p:cSld>
@@ -9628,7 +9758,7 @@
           <a:p>
             <a:fld id="{D71C2118-E1AA-468B-9259-8864ED518988}" type="datetime1">
               <a:rPr lang="ko-KR" altLang="en-US" smtClean="0"/>
-              <a:t>2018-03-18</a:t>
+              <a:t>2018-03-19</a:t>
             </a:fld>
             <a:endParaRPr lang="ko-KR" altLang="en-US"/>
           </a:p>
@@ -9677,7 +9807,7 @@
 </p:sld>
 </file>
 
-<file path=ppt/slides/slide20.xml><?xml version="1.0" encoding="utf-8"?>
+<file path=ppt/slides/slide3.xml><?xml version="1.0" encoding="utf-8"?>
 <p:sld xmlns:a="http://schemas.openxmlformats.org/drawingml/2006/main" xmlns:r="http://schemas.openxmlformats.org/officeDocument/2006/relationships" xmlns:p="http://schemas.openxmlformats.org/presentationml/2006/main">
   <p:cSld>
     <p:spTree>
@@ -9744,15 +9874,6 @@
           <a:lstStyle/>
           <a:p>
             <a:pPr algn="ctr"/>
-            <a:r>
-              <a:rPr lang="en-US" altLang="ko-KR" sz="2800" dirty="0" smtClean="0">
-                <a:solidFill>
-                  <a:schemeClr val="bg1"/>
-                </a:solidFill>
-                <a:latin typeface="Arial" panose="020B0604020202020204" pitchFamily="34" charset="0"/>
-              </a:rPr>
-              <a:t>References</a:t>
-            </a:r>
             <a:endParaRPr lang="en-US" altLang="ko-KR" sz="2800" dirty="0">
               <a:solidFill>
                 <a:schemeClr val="bg1"/>
@@ -9764,361 +9885,68 @@
       </p:sp>
       <p:sp>
         <p:nvSpPr>
-          <p:cNvPr id="2" name="TextBox 1"/>
-          <p:cNvSpPr txBox="1"/>
+          <p:cNvPr id="2" name="직사각형 1"/>
+          <p:cNvSpPr/>
           <p:nvPr/>
         </p:nvSpPr>
         <p:spPr>
           <a:xfrm>
-            <a:off x="268165" y="1362807"/>
-            <a:ext cx="8607669" cy="4524315"/>
+            <a:off x="1286256" y="2004529"/>
+            <a:ext cx="6571488" cy="2848942"/>
           </a:xfrm>
           <a:prstGeom prst="rect">
             <a:avLst/>
           </a:prstGeom>
           <a:noFill/>
+          <a:ln w="38100">
+            <a:solidFill>
+              <a:srgbClr val="3333FF"/>
+            </a:solidFill>
+          </a:ln>
         </p:spPr>
-        <p:txBody>
-          <a:bodyPr wrap="square" rtlCol="0">
-            <a:spAutoFit/>
-          </a:bodyPr>
-          <a:lstStyle/>
-          <a:p>
-            <a:pPr marL="285750" indent="-285750">
-              <a:buFont typeface="Arial" panose="020B0604020202020204" pitchFamily="34" charset="0"/>
-              <a:buChar char="•"/>
-            </a:pPr>
-            <a:r>
-              <a:rPr lang="en-US" altLang="ko-KR" dirty="0" err="1" smtClean="0">
-                <a:latin typeface="Times New Roman" panose="02020603050405020304" pitchFamily="18" charset="0"/>
-                <a:cs typeface="Times New Roman" panose="02020603050405020304" pitchFamily="18" charset="0"/>
+        <p:style>
+          <a:lnRef idx="2">
+            <a:schemeClr val="accent1">
+              <a:shade val="50000"/>
+            </a:schemeClr>
+          </a:lnRef>
+          <a:fillRef idx="1">
+            <a:schemeClr val="accent1"/>
+          </a:fillRef>
+          <a:effectRef idx="0">
+            <a:schemeClr val="accent1"/>
+          </a:effectRef>
+          <a:fontRef idx="minor">
+            <a:schemeClr val="lt1"/>
+          </a:fontRef>
+        </p:style>
+        <p:txBody>
+          <a:bodyPr rtlCol="0" anchor="ctr"/>
+          <a:lstStyle/>
+          <a:p>
+            <a:pPr algn="ctr"/>
+            <a:r>
+              <a:rPr lang="en-US" altLang="ko-KR" sz="3600" dirty="0" smtClean="0">
+                <a:solidFill>
+                  <a:srgbClr val="3333FF"/>
+                </a:solidFill>
+                <a:latin typeface="Arial" panose="020B0604020202020204" pitchFamily="34" charset="0"/>
               </a:rPr>
-              <a:t>Ratcliffe</a:t>
-            </a:r>
-            <a:r>
-              <a:rPr lang="en-US" altLang="ko-KR" dirty="0">
-                <a:latin typeface="Times New Roman" panose="02020603050405020304" pitchFamily="18" charset="0"/>
-                <a:cs typeface="Times New Roman" panose="02020603050405020304" pitchFamily="18" charset="0"/>
+              <a:t>Performance Parameters:</a:t>
+            </a:r>
+          </a:p>
+          <a:p>
+            <a:pPr algn="ctr"/>
+            <a:r>
+              <a:rPr lang="en-US" altLang="ko-KR" sz="3600" dirty="0" smtClean="0">
+                <a:solidFill>
+                  <a:srgbClr val="3333FF"/>
+                </a:solidFill>
+                <a:latin typeface="Arial" panose="020B0604020202020204" pitchFamily="34" charset="0"/>
               </a:rPr>
-              <a:t>, C., </a:t>
-            </a:r>
-            <a:r>
-              <a:rPr lang="en-US" altLang="ko-KR" dirty="0" smtClean="0">
-                <a:latin typeface="Times New Roman" panose="02020603050405020304" pitchFamily="18" charset="0"/>
-                <a:cs typeface="Times New Roman" panose="02020603050405020304" pitchFamily="18" charset="0"/>
-              </a:rPr>
-              <a:t>and </a:t>
-            </a:r>
-            <a:r>
-              <a:rPr lang="en-US" altLang="ko-KR" dirty="0" err="1">
-                <a:latin typeface="Times New Roman" panose="02020603050405020304" pitchFamily="18" charset="0"/>
-                <a:cs typeface="Times New Roman" panose="02020603050405020304" pitchFamily="18" charset="0"/>
-              </a:rPr>
-              <a:t>Ratcliffe</a:t>
-            </a:r>
-            <a:r>
-              <a:rPr lang="en-US" altLang="ko-KR" dirty="0">
-                <a:latin typeface="Times New Roman" panose="02020603050405020304" pitchFamily="18" charset="0"/>
-                <a:cs typeface="Times New Roman" panose="02020603050405020304" pitchFamily="18" charset="0"/>
-              </a:rPr>
-              <a:t>, </a:t>
-            </a:r>
-            <a:r>
-              <a:rPr lang="en-US" altLang="ko-KR" dirty="0" smtClean="0">
-                <a:latin typeface="Times New Roman" panose="02020603050405020304" pitchFamily="18" charset="0"/>
-                <a:cs typeface="Times New Roman" panose="02020603050405020304" pitchFamily="18" charset="0"/>
-              </a:rPr>
-              <a:t>B., </a:t>
-            </a:r>
-            <a:r>
-              <a:rPr lang="en-US" altLang="ko-KR" i="1" dirty="0">
-                <a:latin typeface="Times New Roman" panose="02020603050405020304" pitchFamily="18" charset="0"/>
-                <a:cs typeface="Times New Roman" panose="02020603050405020304" pitchFamily="18" charset="0"/>
-              </a:rPr>
-              <a:t>Doubt-Free Uncertainty In </a:t>
-            </a:r>
-            <a:r>
-              <a:rPr lang="en-US" altLang="ko-KR" i="1" dirty="0" smtClean="0">
-                <a:latin typeface="Times New Roman" panose="02020603050405020304" pitchFamily="18" charset="0"/>
-                <a:cs typeface="Times New Roman" panose="02020603050405020304" pitchFamily="18" charset="0"/>
-              </a:rPr>
-              <a:t>Measurement: An </a:t>
-            </a:r>
-            <a:r>
-              <a:rPr lang="en-US" altLang="ko-KR" i="1" dirty="0">
-                <a:latin typeface="Times New Roman" panose="02020603050405020304" pitchFamily="18" charset="0"/>
-                <a:cs typeface="Times New Roman" panose="02020603050405020304" pitchFamily="18" charset="0"/>
-              </a:rPr>
-              <a:t>Introduction for Engineers and </a:t>
-            </a:r>
-            <a:r>
-              <a:rPr lang="en-US" altLang="ko-KR" i="1" dirty="0" smtClean="0">
-                <a:latin typeface="Times New Roman" panose="02020603050405020304" pitchFamily="18" charset="0"/>
-                <a:cs typeface="Times New Roman" panose="02020603050405020304" pitchFamily="18" charset="0"/>
-              </a:rPr>
-              <a:t>Students</a:t>
-            </a:r>
-            <a:r>
-              <a:rPr lang="en-US" altLang="ko-KR" dirty="0">
-                <a:latin typeface="Times New Roman" panose="02020603050405020304" pitchFamily="18" charset="0"/>
-                <a:cs typeface="Times New Roman" panose="02020603050405020304" pitchFamily="18" charset="0"/>
-              </a:rPr>
-              <a:t>,</a:t>
-            </a:r>
-            <a:r>
-              <a:rPr lang="en-US" altLang="ko-KR" dirty="0" smtClean="0">
-                <a:latin typeface="Times New Roman" panose="02020603050405020304" pitchFamily="18" charset="0"/>
-                <a:cs typeface="Times New Roman" panose="02020603050405020304" pitchFamily="18" charset="0"/>
-              </a:rPr>
-              <a:t> </a:t>
-            </a:r>
-            <a:r>
-              <a:rPr lang="en-US" altLang="ko-KR" dirty="0">
-                <a:latin typeface="Times New Roman" panose="02020603050405020304" pitchFamily="18" charset="0"/>
-                <a:cs typeface="Times New Roman" panose="02020603050405020304" pitchFamily="18" charset="0"/>
-              </a:rPr>
-              <a:t>Cham: </a:t>
-            </a:r>
-            <a:r>
-              <a:rPr lang="en-US" altLang="ko-KR" dirty="0" smtClean="0">
-                <a:latin typeface="Times New Roman" panose="02020603050405020304" pitchFamily="18" charset="0"/>
-                <a:cs typeface="Times New Roman" panose="02020603050405020304" pitchFamily="18" charset="0"/>
-              </a:rPr>
-              <a:t>Springer, 2015, pp. 9-18.</a:t>
-            </a:r>
-          </a:p>
-          <a:p>
-            <a:pPr marL="285750" indent="-285750">
-              <a:buFont typeface="Arial" panose="020B0604020202020204" pitchFamily="34" charset="0"/>
-              <a:buChar char="•"/>
-            </a:pPr>
-            <a:r>
-              <a:rPr lang="en-US" altLang="ko-KR" dirty="0" err="1" smtClean="0">
-                <a:latin typeface="Times New Roman" panose="02020603050405020304" pitchFamily="18" charset="0"/>
-                <a:cs typeface="Times New Roman" panose="02020603050405020304" pitchFamily="18" charset="0"/>
-              </a:rPr>
-              <a:t>Tripathi</a:t>
-            </a:r>
-            <a:r>
-              <a:rPr lang="en-US" altLang="ko-KR" dirty="0" smtClean="0">
-                <a:latin typeface="Times New Roman" panose="02020603050405020304" pitchFamily="18" charset="0"/>
-                <a:cs typeface="Times New Roman" panose="02020603050405020304" pitchFamily="18" charset="0"/>
-              </a:rPr>
-              <a:t>, S. R., et al., “</a:t>
-            </a:r>
-            <a:r>
-              <a:rPr lang="en-US" altLang="ko-KR" dirty="0" err="1" smtClean="0">
-                <a:latin typeface="Times New Roman" panose="02020603050405020304" pitchFamily="18" charset="0"/>
-                <a:cs typeface="Times New Roman" panose="02020603050405020304" pitchFamily="18" charset="0"/>
-              </a:rPr>
-              <a:t>Pratical</a:t>
-            </a:r>
-            <a:r>
-              <a:rPr lang="en-US" altLang="ko-KR" dirty="0" smtClean="0">
-                <a:latin typeface="Times New Roman" panose="02020603050405020304" pitchFamily="18" charset="0"/>
-                <a:cs typeface="Times New Roman" panose="02020603050405020304" pitchFamily="18" charset="0"/>
-              </a:rPr>
-              <a:t> Method to Estimate the Standard Deviation in Absorption Coefficients Measured with THz Time-Domain Spectroscopy,” </a:t>
-            </a:r>
-            <a:r>
-              <a:rPr lang="en-US" altLang="ko-KR" i="1" dirty="0" smtClean="0">
-                <a:latin typeface="Times New Roman" panose="02020603050405020304" pitchFamily="18" charset="0"/>
-                <a:cs typeface="Times New Roman" panose="02020603050405020304" pitchFamily="18" charset="0"/>
-              </a:rPr>
-              <a:t>Opt. </a:t>
-            </a:r>
-            <a:r>
-              <a:rPr lang="en-US" altLang="ko-KR" i="1" dirty="0" err="1" smtClean="0">
-                <a:latin typeface="Times New Roman" panose="02020603050405020304" pitchFamily="18" charset="0"/>
-                <a:cs typeface="Times New Roman" panose="02020603050405020304" pitchFamily="18" charset="0"/>
-              </a:rPr>
-              <a:t>Commun</a:t>
-            </a:r>
-            <a:r>
-              <a:rPr lang="en-US" altLang="ko-KR" dirty="0" smtClean="0">
-                <a:latin typeface="Times New Roman" panose="02020603050405020304" pitchFamily="18" charset="0"/>
-                <a:cs typeface="Times New Roman" panose="02020603050405020304" pitchFamily="18" charset="0"/>
-              </a:rPr>
-              <a:t>., Vol. 283, 2010, pp. 2488-2491.</a:t>
-            </a:r>
-          </a:p>
-          <a:p>
-            <a:pPr marL="285750" indent="-285750">
-              <a:buFont typeface="Arial" panose="020B0604020202020204" pitchFamily="34" charset="0"/>
-              <a:buChar char="•"/>
-            </a:pPr>
-            <a:r>
-              <a:rPr lang="en-US" altLang="ko-KR" dirty="0">
-                <a:latin typeface="Times New Roman" panose="02020603050405020304" pitchFamily="18" charset="0"/>
-                <a:cs typeface="Times New Roman" panose="02020603050405020304" pitchFamily="18" charset="0"/>
-              </a:rPr>
-              <a:t>Hilbert, S. (</a:t>
-            </a:r>
-            <a:r>
-              <a:rPr lang="en-US" altLang="ko-KR" dirty="0" err="1">
-                <a:latin typeface="Times New Roman" panose="02020603050405020304" pitchFamily="18" charset="0"/>
-                <a:cs typeface="Times New Roman" panose="02020603050405020304" pitchFamily="18" charset="0"/>
-              </a:rPr>
-              <a:t>n.d.</a:t>
-            </a:r>
-            <a:r>
-              <a:rPr lang="en-US" altLang="ko-KR" dirty="0">
-                <a:latin typeface="Times New Roman" panose="02020603050405020304" pitchFamily="18" charset="0"/>
-                <a:cs typeface="Times New Roman" panose="02020603050405020304" pitchFamily="18" charset="0"/>
-              </a:rPr>
-              <a:t>). </a:t>
-            </a:r>
-            <a:r>
-              <a:rPr lang="en-US" altLang="ko-KR" i="1" dirty="0">
-                <a:latin typeface="Times New Roman" panose="02020603050405020304" pitchFamily="18" charset="0"/>
-                <a:cs typeface="Times New Roman" panose="02020603050405020304" pitchFamily="18" charset="0"/>
-              </a:rPr>
-              <a:t>FFT Zero Padding</a:t>
-            </a:r>
-            <a:r>
-              <a:rPr lang="en-US" altLang="ko-KR" dirty="0">
-                <a:latin typeface="Times New Roman" panose="02020603050405020304" pitchFamily="18" charset="0"/>
-                <a:cs typeface="Times New Roman" panose="02020603050405020304" pitchFamily="18" charset="0"/>
-              </a:rPr>
-              <a:t>. Retrieved March 15, 2018, </a:t>
-            </a:r>
-            <a:r>
-              <a:rPr lang="en-US" altLang="ko-KR" dirty="0" smtClean="0">
-                <a:latin typeface="Times New Roman" panose="02020603050405020304" pitchFamily="18" charset="0"/>
-                <a:cs typeface="Times New Roman" panose="02020603050405020304" pitchFamily="18" charset="0"/>
-              </a:rPr>
-              <a:t>from http</a:t>
-            </a:r>
-            <a:r>
-              <a:rPr lang="en-US" altLang="ko-KR" dirty="0">
-                <a:latin typeface="Times New Roman" panose="02020603050405020304" pitchFamily="18" charset="0"/>
-                <a:cs typeface="Times New Roman" panose="02020603050405020304" pitchFamily="18" charset="0"/>
-              </a:rPr>
-              <a:t>://www.bitweenie.com/listings/fft-zero-padding</a:t>
-            </a:r>
-            <a:r>
-              <a:rPr lang="en-US" altLang="ko-KR" dirty="0" smtClean="0">
-                <a:latin typeface="Times New Roman" panose="02020603050405020304" pitchFamily="18" charset="0"/>
-                <a:cs typeface="Times New Roman" panose="02020603050405020304" pitchFamily="18" charset="0"/>
-              </a:rPr>
-              <a:t>/</a:t>
-            </a:r>
-          </a:p>
-          <a:p>
-            <a:pPr marL="285750" indent="-285750">
-              <a:buFont typeface="Arial" panose="020B0604020202020204" pitchFamily="34" charset="0"/>
-              <a:buChar char="•"/>
-            </a:pPr>
-            <a:r>
-              <a:rPr lang="en-US" altLang="ko-KR" dirty="0" smtClean="0">
-                <a:latin typeface="Times New Roman" panose="02020603050405020304" pitchFamily="18" charset="0"/>
-                <a:cs typeface="Times New Roman" panose="02020603050405020304" pitchFamily="18" charset="0"/>
-              </a:rPr>
-              <a:t>Jepsen, P. U., and B. M. Fischer, “Dynamic Range in Terahertz Time-Domain Transmission and Reflection Spectroscopy,” </a:t>
-            </a:r>
-            <a:r>
-              <a:rPr lang="en-US" altLang="ko-KR" i="1" dirty="0" smtClean="0">
-                <a:latin typeface="Times New Roman" panose="02020603050405020304" pitchFamily="18" charset="0"/>
-                <a:cs typeface="Times New Roman" panose="02020603050405020304" pitchFamily="18" charset="0"/>
-              </a:rPr>
-              <a:t>Opt. Lett</a:t>
-            </a:r>
-            <a:r>
-              <a:rPr lang="en-US" altLang="ko-KR" dirty="0" smtClean="0">
-                <a:latin typeface="Times New Roman" panose="02020603050405020304" pitchFamily="18" charset="0"/>
-                <a:cs typeface="Times New Roman" panose="02020603050405020304" pitchFamily="18" charset="0"/>
-              </a:rPr>
-              <a:t>., Vol. 30, 2005, pp. 29-31.</a:t>
-            </a:r>
-          </a:p>
-          <a:p>
-            <a:pPr marL="285750" indent="-285750">
-              <a:buFont typeface="Arial" panose="020B0604020202020204" pitchFamily="34" charset="0"/>
-              <a:buChar char="•"/>
-            </a:pPr>
-            <a:r>
-              <a:rPr lang="en-US" altLang="ko-KR" dirty="0" err="1" smtClean="0">
-                <a:latin typeface="Times New Roman" panose="02020603050405020304" pitchFamily="18" charset="0"/>
-                <a:cs typeface="Times New Roman" panose="02020603050405020304" pitchFamily="18" charset="0"/>
-              </a:rPr>
-              <a:t>Hou</a:t>
-            </a:r>
-            <a:r>
-              <a:rPr lang="en-US" altLang="ko-KR" dirty="0" smtClean="0">
-                <a:latin typeface="Times New Roman" panose="02020603050405020304" pitchFamily="18" charset="0"/>
-                <a:cs typeface="Times New Roman" panose="02020603050405020304" pitchFamily="18" charset="0"/>
-              </a:rPr>
-              <a:t>, L., W. Shi, and S. Chen, “Noise Analysis and Optimization of Terahertz Photoconductive Emitters,” </a:t>
-            </a:r>
-            <a:r>
-              <a:rPr lang="en-US" altLang="ko-KR" i="1" dirty="0" smtClean="0">
-                <a:latin typeface="Times New Roman" panose="02020603050405020304" pitchFamily="18" charset="0"/>
-                <a:cs typeface="Times New Roman" panose="02020603050405020304" pitchFamily="18" charset="0"/>
-              </a:rPr>
-              <a:t>IEEE J. Selected Topics Quantum Electronics</a:t>
-            </a:r>
-            <a:r>
-              <a:rPr lang="en-US" altLang="ko-KR" dirty="0" smtClean="0">
-                <a:latin typeface="Times New Roman" panose="02020603050405020304" pitchFamily="18" charset="0"/>
-                <a:cs typeface="Times New Roman" panose="02020603050405020304" pitchFamily="18" charset="0"/>
-              </a:rPr>
-              <a:t>, Vol. 19, 2013, p. 8401305.</a:t>
-            </a:r>
-          </a:p>
-          <a:p>
-            <a:pPr marL="285750" indent="-285750">
-              <a:buFont typeface="Arial" panose="020B0604020202020204" pitchFamily="34" charset="0"/>
-              <a:buChar char="•"/>
-            </a:pPr>
-            <a:r>
-              <a:rPr lang="en-US" altLang="ko-KR" dirty="0" smtClean="0">
-                <a:latin typeface="Times New Roman" panose="02020603050405020304" pitchFamily="18" charset="0"/>
-                <a:cs typeface="Times New Roman" panose="02020603050405020304" pitchFamily="18" charset="0"/>
-              </a:rPr>
-              <a:t>Choi, D., et al., “Focused Beam Effect on Measuring Precise Optical Parameters of Liquid Water with Terahertz Time Domain Spectroscopy,” </a:t>
-            </a:r>
-            <a:r>
-              <a:rPr lang="en-US" altLang="ko-KR" i="1" dirty="0" smtClean="0">
-                <a:latin typeface="Times New Roman" panose="02020603050405020304" pitchFamily="18" charset="0"/>
-                <a:cs typeface="Times New Roman" panose="02020603050405020304" pitchFamily="18" charset="0"/>
-              </a:rPr>
-              <a:t>2011 36</a:t>
-            </a:r>
-            <a:r>
-              <a:rPr lang="en-US" altLang="ko-KR" i="1" baseline="30000" dirty="0" smtClean="0">
-                <a:latin typeface="Times New Roman" panose="02020603050405020304" pitchFamily="18" charset="0"/>
-                <a:cs typeface="Times New Roman" panose="02020603050405020304" pitchFamily="18" charset="0"/>
-              </a:rPr>
-              <a:t>th</a:t>
-            </a:r>
-            <a:r>
-              <a:rPr lang="en-US" altLang="ko-KR" i="1" dirty="0" smtClean="0">
-                <a:latin typeface="Times New Roman" panose="02020603050405020304" pitchFamily="18" charset="0"/>
-                <a:cs typeface="Times New Roman" panose="02020603050405020304" pitchFamily="18" charset="0"/>
-              </a:rPr>
-              <a:t> </a:t>
-            </a:r>
-            <a:r>
-              <a:rPr lang="en-US" altLang="ko-KR" i="1" dirty="0" err="1" smtClean="0">
-                <a:latin typeface="Times New Roman" panose="02020603050405020304" pitchFamily="18" charset="0"/>
-                <a:cs typeface="Times New Roman" panose="02020603050405020304" pitchFamily="18" charset="0"/>
-              </a:rPr>
-              <a:t>Onternational</a:t>
-            </a:r>
-            <a:r>
-              <a:rPr lang="en-US" altLang="ko-KR" i="1" dirty="0" smtClean="0">
-                <a:latin typeface="Times New Roman" panose="02020603050405020304" pitchFamily="18" charset="0"/>
-                <a:cs typeface="Times New Roman" panose="02020603050405020304" pitchFamily="18" charset="0"/>
-              </a:rPr>
-              <a:t> Conference on Infrared, Millimeter and Terahertz Waves (IRMMW-THz)</a:t>
-            </a:r>
-            <a:r>
-              <a:rPr lang="en-US" altLang="ko-KR" dirty="0" smtClean="0">
-                <a:latin typeface="Times New Roman" panose="02020603050405020304" pitchFamily="18" charset="0"/>
-                <a:cs typeface="Times New Roman" panose="02020603050405020304" pitchFamily="18" charset="0"/>
-              </a:rPr>
-              <a:t>, October 2011, pp. 1-7.</a:t>
-            </a:r>
+              <a:t>Sensitivity, Resolution, Precision, Accuracy, Dynamic Range, and SNR</a:t>
+            </a:r>
+            <a:endParaRPr lang="ko-KR" altLang="en-US" sz="3600" dirty="0"/>
           </a:p>
         </p:txBody>
       </p:sp>
@@ -10137,9 +9965,9 @@
           <a:bodyPr/>
           <a:lstStyle/>
           <a:p>
-            <a:fld id="{6509A91F-0059-474E-BAEC-65E67593FE25}" type="datetime1">
-              <a:rPr lang="ko-KR" altLang="en-US" smtClean="0"/>
-              <a:t>2018-03-18</a:t>
+            <a:fld id="{F85A177F-6FD3-496B-8A9C-B332CA04E863}" type="datetime1">
+              <a:rPr lang="ko-KR" altLang="en-US" smtClean="0"/>
+              <a:t>2018-03-19</a:t>
             </a:fld>
             <a:endParaRPr lang="ko-KR" altLang="en-US"/>
           </a:p>
@@ -10162,7 +9990,7 @@
           <a:p>
             <a:fld id="{8765F8EB-1186-4395-8E70-F957669279DD}" type="slidenum">
               <a:rPr lang="ko-KR" altLang="en-US" smtClean="0"/>
-              <a:t>20</a:t>
+              <a:t>3</a:t>
             </a:fld>
             <a:endParaRPr lang="ko-KR" altLang="en-US"/>
           </a:p>
@@ -10171,7 +9999,7 @@
     </p:spTree>
     <p:extLst>
       <p:ext uri="{BB962C8B-B14F-4D97-AF65-F5344CB8AC3E}">
-        <p14:creationId xmlns:p14="http://schemas.microsoft.com/office/powerpoint/2010/main" val="3518239763"/>
+        <p14:creationId xmlns:p14="http://schemas.microsoft.com/office/powerpoint/2010/main" val="2058520076"/>
       </p:ext>
     </p:extLst>
   </p:cSld>
@@ -10188,7 +10016,7 @@
 </p:sld>
 </file>
 
-<file path=ppt/slides/slide3.xml><?xml version="1.0" encoding="utf-8"?>
+<file path=ppt/slides/slide4.xml><?xml version="1.0" encoding="utf-8"?>
 <p:sld xmlns:a="http://schemas.openxmlformats.org/drawingml/2006/main" xmlns:r="http://schemas.openxmlformats.org/officeDocument/2006/relationships" xmlns:p="http://schemas.openxmlformats.org/presentationml/2006/main">
   <p:cSld>
     <p:spTree>
@@ -10255,215 +10083,6 @@
           <a:lstStyle/>
           <a:p>
             <a:pPr algn="ctr"/>
-            <a:endParaRPr lang="en-US" altLang="ko-KR" sz="2800" dirty="0">
-              <a:solidFill>
-                <a:schemeClr val="bg1"/>
-              </a:solidFill>
-              <a:latin typeface="Arial" panose="020B0604020202020204" pitchFamily="34" charset="0"/>
-            </a:endParaRPr>
-          </a:p>
-        </p:txBody>
-      </p:sp>
-      <p:sp>
-        <p:nvSpPr>
-          <p:cNvPr id="2" name="직사각형 1"/>
-          <p:cNvSpPr/>
-          <p:nvPr/>
-        </p:nvSpPr>
-        <p:spPr>
-          <a:xfrm>
-            <a:off x="1286256" y="2004529"/>
-            <a:ext cx="6571488" cy="2848942"/>
-          </a:xfrm>
-          <a:prstGeom prst="rect">
-            <a:avLst/>
-          </a:prstGeom>
-          <a:noFill/>
-          <a:ln w="38100">
-            <a:solidFill>
-              <a:srgbClr val="3333FF"/>
-            </a:solidFill>
-          </a:ln>
-        </p:spPr>
-        <p:style>
-          <a:lnRef idx="2">
-            <a:schemeClr val="accent1">
-              <a:shade val="50000"/>
-            </a:schemeClr>
-          </a:lnRef>
-          <a:fillRef idx="1">
-            <a:schemeClr val="accent1"/>
-          </a:fillRef>
-          <a:effectRef idx="0">
-            <a:schemeClr val="accent1"/>
-          </a:effectRef>
-          <a:fontRef idx="minor">
-            <a:schemeClr val="lt1"/>
-          </a:fontRef>
-        </p:style>
-        <p:txBody>
-          <a:bodyPr rtlCol="0" anchor="ctr"/>
-          <a:lstStyle/>
-          <a:p>
-            <a:pPr algn="ctr"/>
-            <a:r>
-              <a:rPr lang="en-US" altLang="ko-KR" sz="3600" dirty="0" smtClean="0">
-                <a:solidFill>
-                  <a:srgbClr val="3333FF"/>
-                </a:solidFill>
-                <a:latin typeface="Arial" panose="020B0604020202020204" pitchFamily="34" charset="0"/>
-              </a:rPr>
-              <a:t>Performance Parameters:</a:t>
-            </a:r>
-          </a:p>
-          <a:p>
-            <a:pPr algn="ctr"/>
-            <a:r>
-              <a:rPr lang="en-US" altLang="ko-KR" sz="3600" dirty="0" smtClean="0">
-                <a:solidFill>
-                  <a:srgbClr val="3333FF"/>
-                </a:solidFill>
-                <a:latin typeface="Arial" panose="020B0604020202020204" pitchFamily="34" charset="0"/>
-              </a:rPr>
-              <a:t>Sensitivity, Resolution, Precision, Accuracy, Dynamic Range, and SNR</a:t>
-            </a:r>
-            <a:endParaRPr lang="ko-KR" altLang="en-US" sz="3600" dirty="0"/>
-          </a:p>
-        </p:txBody>
-      </p:sp>
-      <p:sp>
-        <p:nvSpPr>
-          <p:cNvPr id="3" name="날짜 개체 틀 2"/>
-          <p:cNvSpPr>
-            <a:spLocks noGrp="1"/>
-          </p:cNvSpPr>
-          <p:nvPr>
-            <p:ph type="dt" sz="half" idx="10"/>
-          </p:nvPr>
-        </p:nvSpPr>
-        <p:spPr/>
-        <p:txBody>
-          <a:bodyPr/>
-          <a:lstStyle/>
-          <a:p>
-            <a:fld id="{F85A177F-6FD3-496B-8A9C-B332CA04E863}" type="datetime1">
-              <a:rPr lang="ko-KR" altLang="en-US" smtClean="0"/>
-              <a:t>2018-03-18</a:t>
-            </a:fld>
-            <a:endParaRPr lang="ko-KR" altLang="en-US"/>
-          </a:p>
-        </p:txBody>
-      </p:sp>
-      <p:sp>
-        <p:nvSpPr>
-          <p:cNvPr id="4" name="슬라이드 번호 개체 틀 3"/>
-          <p:cNvSpPr>
-            <a:spLocks noGrp="1"/>
-          </p:cNvSpPr>
-          <p:nvPr>
-            <p:ph type="sldNum" sz="quarter" idx="12"/>
-          </p:nvPr>
-        </p:nvSpPr>
-        <p:spPr/>
-        <p:txBody>
-          <a:bodyPr/>
-          <a:lstStyle/>
-          <a:p>
-            <a:fld id="{8765F8EB-1186-4395-8E70-F957669279DD}" type="slidenum">
-              <a:rPr lang="ko-KR" altLang="en-US" smtClean="0"/>
-              <a:t>3</a:t>
-            </a:fld>
-            <a:endParaRPr lang="ko-KR" altLang="en-US"/>
-          </a:p>
-        </p:txBody>
-      </p:sp>
-    </p:spTree>
-    <p:extLst>
-      <p:ext uri="{BB962C8B-B14F-4D97-AF65-F5344CB8AC3E}">
-        <p14:creationId xmlns:p14="http://schemas.microsoft.com/office/powerpoint/2010/main" val="2058520076"/>
-      </p:ext>
-    </p:extLst>
-  </p:cSld>
-  <p:clrMapOvr>
-    <a:masterClrMapping/>
-  </p:clrMapOvr>
-  <p:timing>
-    <p:tnLst>
-      <p:par>
-        <p:cTn id="1" dur="indefinite" restart="never" nodeType="tmRoot"/>
-      </p:par>
-    </p:tnLst>
-  </p:timing>
-</p:sld>
-</file>
-
-<file path=ppt/slides/slide4.xml><?xml version="1.0" encoding="utf-8"?>
-<p:sld xmlns:a="http://schemas.openxmlformats.org/drawingml/2006/main" xmlns:r="http://schemas.openxmlformats.org/officeDocument/2006/relationships" xmlns:p="http://schemas.openxmlformats.org/presentationml/2006/main">
-  <p:cSld>
-    <p:spTree>
-      <p:nvGrpSpPr>
-        <p:cNvPr id="1" name=""/>
-        <p:cNvGrpSpPr/>
-        <p:nvPr/>
-      </p:nvGrpSpPr>
-      <p:grpSpPr>
-        <a:xfrm>
-          <a:off x="0" y="0"/>
-          <a:ext cx="0" cy="0"/>
-          <a:chOff x="0" y="0"/>
-          <a:chExt cx="0" cy="0"/>
-        </a:xfrm>
-      </p:grpSpPr>
-      <p:sp>
-        <p:nvSpPr>
-          <p:cNvPr id="6199" name="Rectangle 55"/>
-          <p:cNvSpPr>
-            <a:spLocks noChangeArrowheads="1"/>
-          </p:cNvSpPr>
-          <p:nvPr/>
-        </p:nvSpPr>
-        <p:spPr bwMode="auto">
-          <a:xfrm>
-            <a:off x="0" y="0"/>
-            <a:ext cx="9144000" cy="692150"/>
-          </a:xfrm>
-          <a:prstGeom prst="rect">
-            <a:avLst/>
-          </a:prstGeom>
-          <a:solidFill>
-            <a:srgbClr val="3333FF"/>
-          </a:solidFill>
-          <a:ln>
-            <a:noFill/>
-          </a:ln>
-          <a:effectLst/>
-          <a:extLst>
-            <a:ext uri="{91240B29-F687-4F45-9708-019B960494DF}">
-              <a14:hiddenLine xmlns:a14="http://schemas.microsoft.com/office/drawing/2010/main" w="9525">
-                <a:solidFill>
-                  <a:schemeClr val="tx1"/>
-                </a:solidFill>
-                <a:miter lim="800000"/>
-                <a:headEnd/>
-                <a:tailEnd/>
-              </a14:hiddenLine>
-            </a:ext>
-            <a:ext uri="{AF507438-7753-43E0-B8FC-AC1667EBCBE1}">
-              <a14:hiddenEffects xmlns:a14="http://schemas.microsoft.com/office/drawing/2010/main">
-                <a:effectLst>
-                  <a:outerShdw dist="35921" dir="2700000" algn="ctr" rotWithShape="0">
-                    <a:schemeClr val="bg2"/>
-                  </a:outerShdw>
-                </a:effectLst>
-              </a14:hiddenEffects>
-            </a:ext>
-          </a:extLst>
-        </p:spPr>
-        <p:txBody>
-          <a:bodyPr wrap="none" anchor="ctr"/>
-          <a:lstStyle/>
-          <a:p>
-            <a:pPr algn="ctr"/>
             <a:r>
               <a:rPr lang="en-US" altLang="ko-KR" sz="1600" dirty="0" smtClean="0">
                 <a:solidFill>
@@ -10576,7 +10195,7 @@
           <a:p>
             <a:fld id="{53646E5C-8775-44A9-9523-40B6CCA06789}" type="datetime1">
               <a:rPr lang="ko-KR" altLang="en-US" smtClean="0"/>
-              <a:t>2018-03-18</a:t>
+              <a:t>2018-03-19</a:t>
             </a:fld>
             <a:endParaRPr lang="ko-KR" altLang="en-US"/>
           </a:p>
@@ -10878,6 +10497,45 @@
           <a:p>
             <a:pPr algn="ctr"/>
             <a:endParaRPr lang="ko-KR" altLang="en-US"/>
+          </a:p>
+        </p:txBody>
+      </p:sp>
+      <p:sp>
+        <p:nvSpPr>
+          <p:cNvPr id="3" name="TextBox 2"/>
+          <p:cNvSpPr txBox="1"/>
+          <p:nvPr/>
+        </p:nvSpPr>
+        <p:spPr>
+          <a:xfrm>
+            <a:off x="6216161" y="2674196"/>
+            <a:ext cx="2400300" cy="369332"/>
+          </a:xfrm>
+          <a:prstGeom prst="rect">
+            <a:avLst/>
+          </a:prstGeom>
+          <a:noFill/>
+        </p:spPr>
+        <p:txBody>
+          <a:bodyPr wrap="square" rtlCol="0">
+            <a:spAutoFit/>
+          </a:bodyPr>
+          <a:lstStyle/>
+          <a:p>
+            <a:r>
+              <a:rPr lang="en-US" altLang="ko-KR" dirty="0" smtClean="0">
+                <a:solidFill>
+                  <a:srgbClr val="FF0000"/>
+                </a:solidFill>
+                <a:sym typeface="Wingdings" panose="05000000000000000000" pitchFamily="2" charset="2"/>
+              </a:rPr>
+              <a:t> More detail in Ch. 4</a:t>
+            </a:r>
+            <a:endParaRPr lang="ko-KR" altLang="en-US" dirty="0">
+              <a:solidFill>
+                <a:srgbClr val="FF0000"/>
+              </a:solidFill>
+            </a:endParaRPr>
           </a:p>
         </p:txBody>
       </p:sp>
@@ -11324,7 +10982,7 @@
           <a:p>
             <a:fld id="{53646E5C-8775-44A9-9523-40B6CCA06789}" type="datetime1">
               <a:rPr lang="ko-KR" altLang="en-US" smtClean="0"/>
-              <a:t>2018-03-18</a:t>
+              <a:t>2018-03-19</a:t>
             </a:fld>
             <a:endParaRPr lang="ko-KR" altLang="en-US"/>
           </a:p>
@@ -11544,7 +11202,7 @@
           <a:p>
             <a:fld id="{F85A177F-6FD3-496B-8A9C-B332CA04E863}" type="datetime1">
               <a:rPr lang="ko-KR" altLang="en-US" smtClean="0"/>
-              <a:t>2018-03-18</a:t>
+              <a:t>2018-03-19</a:t>
             </a:fld>
             <a:endParaRPr lang="ko-KR" altLang="en-US"/>
           </a:p>
@@ -11689,7 +11347,7 @@
           <a:p>
             <a:fld id="{7C8D4B38-891E-4F54-A70A-6E9745DD623C}" type="datetime1">
               <a:rPr lang="ko-KR" altLang="en-US" smtClean="0"/>
-              <a:t>2018-03-18</a:t>
+              <a:t>2018-03-19</a:t>
             </a:fld>
             <a:endParaRPr lang="ko-KR" altLang="en-US"/>
           </a:p>
@@ -12211,6 +11869,40 @@
           </a:fontRef>
         </p:style>
       </p:cxnSp>
+      <p:sp>
+        <p:nvSpPr>
+          <p:cNvPr id="13" name="TextBox 12"/>
+          <p:cNvSpPr txBox="1"/>
+          <p:nvPr/>
+        </p:nvSpPr>
+        <p:spPr>
+          <a:xfrm>
+            <a:off x="5732585" y="4542998"/>
+            <a:ext cx="966931" cy="246221"/>
+          </a:xfrm>
+          <a:prstGeom prst="rect">
+            <a:avLst/>
+          </a:prstGeom>
+          <a:noFill/>
+        </p:spPr>
+        <p:txBody>
+          <a:bodyPr wrap="none" rtlCol="0">
+            <a:spAutoFit/>
+          </a:bodyPr>
+          <a:lstStyle/>
+          <a:p>
+            <a:r>
+              <a:rPr lang="en-US" altLang="ko-KR" sz="1000" dirty="0" smtClean="0"/>
+              <a:t>0.767mm </a:t>
+            </a:r>
+            <a:r>
+              <a:rPr lang="en-US" altLang="ko-KR" sz="1000" dirty="0" err="1" smtClean="0"/>
+              <a:t>ZnTe</a:t>
+            </a:r>
+            <a:endParaRPr lang="ko-KR" altLang="en-US" sz="1000" dirty="0"/>
+          </a:p>
+        </p:txBody>
+      </p:sp>
     </p:spTree>
     <p:extLst>
       <p:ext uri="{BB962C8B-B14F-4D97-AF65-F5344CB8AC3E}">
@@ -12441,7 +12133,7 @@
           <a:p>
             <a:fld id="{F85A177F-6FD3-496B-8A9C-B332CA04E863}" type="datetime1">
               <a:rPr lang="ko-KR" altLang="en-US" smtClean="0"/>
-              <a:t>2018-03-18</a:t>
+              <a:t>2018-03-19</a:t>
             </a:fld>
             <a:endParaRPr lang="ko-KR" altLang="en-US"/>
           </a:p>
@@ -12586,7 +12278,7 @@
           <a:p>
             <a:fld id="{7C8D4B38-891E-4F54-A70A-6E9745DD623C}" type="datetime1">
               <a:rPr lang="ko-KR" altLang="en-US" smtClean="0"/>
-              <a:t>2018-03-18</a:t>
+              <a:t>2018-03-19</a:t>
             </a:fld>
             <a:endParaRPr lang="ko-KR" altLang="en-US"/>
           </a:p>
@@ -12638,20 +12330,12 @@
           <a:lstStyle/>
           <a:p>
             <a:r>
-              <a:rPr lang="en-US" altLang="ko-KR" dirty="0" err="1" smtClean="0">
-                <a:solidFill>
-                  <a:srgbClr val="3333FF"/>
-                </a:solidFill>
-              </a:rPr>
-              <a:t>Zeor</a:t>
-            </a:r>
-            <a:r>
               <a:rPr lang="en-US" altLang="ko-KR" dirty="0" smtClean="0">
                 <a:solidFill>
                   <a:srgbClr val="3333FF"/>
                 </a:solidFill>
               </a:rPr>
-              <a:t>-padding</a:t>
+              <a:t>Zero-padding</a:t>
             </a:r>
             <a:endParaRPr lang="ko-KR" altLang="en-US" dirty="0">
               <a:solidFill>
@@ -12823,6 +12507,126 @@
           </a:p>
         </p:txBody>
       </p:sp>
+      <mc:AlternateContent xmlns:mc="http://schemas.openxmlformats.org/markup-compatibility/2006">
+        <mc:Choice xmlns:a14="http://schemas.microsoft.com/office/drawing/2010/main" Requires="a14">
+          <p:sp>
+            <p:nvSpPr>
+              <p:cNvPr id="7" name="TextBox 6"/>
+              <p:cNvSpPr txBox="1"/>
+              <p:nvPr/>
+            </p:nvSpPr>
+            <p:spPr>
+              <a:xfrm>
+                <a:off x="1262722" y="4507565"/>
+                <a:ext cx="789255" cy="518604"/>
+              </a:xfrm>
+              <a:prstGeom prst="rect">
+                <a:avLst/>
+              </a:prstGeom>
+              <a:noFill/>
+            </p:spPr>
+            <p:txBody>
+              <a:bodyPr wrap="none" lIns="0" tIns="0" rIns="0" bIns="0" rtlCol="0">
+                <a:spAutoFit/>
+              </a:bodyPr>
+              <a:lstStyle/>
+              <a:p>
+                <a14:m>
+                  <m:oMathPara xmlns:m="http://schemas.openxmlformats.org/officeDocument/2006/math">
+                    <m:oMathParaPr>
+                      <m:jc m:val="centerGroup"/>
+                    </m:oMathParaPr>
+                    <m:oMath xmlns:m="http://schemas.openxmlformats.org/officeDocument/2006/math">
+                      <m:r>
+                        <a:rPr lang="ko-KR" altLang="en-US" i="1" smtClean="0">
+                          <a:latin typeface="Cambria Math" panose="02040503050406030204" pitchFamily="18" charset="0"/>
+                        </a:rPr>
+                        <m:t>∆</m:t>
+                      </m:r>
+                      <m:r>
+                        <a:rPr lang="en-US" altLang="ko-KR" b="0" i="1" smtClean="0">
+                          <a:latin typeface="Cambria Math" panose="02040503050406030204" pitchFamily="18" charset="0"/>
+                        </a:rPr>
+                        <m:t>𝑅</m:t>
+                      </m:r>
+                      <m:r>
+                        <a:rPr lang="en-US" altLang="ko-KR" b="0" i="1" smtClean="0">
+                          <a:latin typeface="Cambria Math" panose="02040503050406030204" pitchFamily="18" charset="0"/>
+                        </a:rPr>
+                        <m:t>=</m:t>
+                      </m:r>
+                      <m:f>
+                        <m:fPr>
+                          <m:ctrlPr>
+                            <a:rPr lang="en-US" altLang="ko-KR" b="0" i="1" smtClean="0">
+                              <a:latin typeface="Cambria Math" panose="02040503050406030204" pitchFamily="18" charset="0"/>
+                            </a:rPr>
+                          </m:ctrlPr>
+                        </m:fPr>
+                        <m:num>
+                          <m:r>
+                            <a:rPr lang="en-US" altLang="ko-KR" b="0" i="1" smtClean="0">
+                              <a:latin typeface="Cambria Math" panose="02040503050406030204" pitchFamily="18" charset="0"/>
+                            </a:rPr>
+                            <m:t>1</m:t>
+                          </m:r>
+                        </m:num>
+                        <m:den>
+                          <m:r>
+                            <a:rPr lang="en-US" altLang="ko-KR" b="0" i="1" smtClean="0">
+                              <a:latin typeface="Cambria Math" panose="02040503050406030204" pitchFamily="18" charset="0"/>
+                            </a:rPr>
+                            <m:t>𝑇</m:t>
+                          </m:r>
+                        </m:den>
+                      </m:f>
+                    </m:oMath>
+                  </m:oMathPara>
+                </a14:m>
+                <a:endParaRPr lang="ko-KR" altLang="en-US" dirty="0"/>
+              </a:p>
+            </p:txBody>
+          </p:sp>
+        </mc:Choice>
+        <mc:Fallback>
+          <p:sp>
+            <p:nvSpPr>
+              <p:cNvPr id="7" name="TextBox 6"/>
+              <p:cNvSpPr txBox="1">
+                <a:spLocks noRot="1" noChangeAspect="1" noMove="1" noResize="1" noEditPoints="1" noAdjustHandles="1" noChangeArrowheads="1" noChangeShapeType="1" noTextEdit="1"/>
+              </p:cNvSpPr>
+              <p:nvPr/>
+            </p:nvSpPr>
+            <p:spPr>
+              <a:xfrm>
+                <a:off x="1262722" y="4507565"/>
+                <a:ext cx="789255" cy="518604"/>
+              </a:xfrm>
+              <a:prstGeom prst="rect">
+                <a:avLst/>
+              </a:prstGeom>
+              <a:blipFill rotWithShape="0">
+                <a:blip r:embed="rId6"/>
+                <a:stretch>
+                  <a:fillRect/>
+                </a:stretch>
+              </a:blipFill>
+            </p:spPr>
+            <p:txBody>
+              <a:bodyPr/>
+              <a:lstStyle/>
+              <a:p>
+                <a:r>
+                  <a:rPr lang="ko-KR" altLang="en-US">
+                    <a:noFill/>
+                  </a:rPr>
+                  <a:t> </a:t>
+                </a:r>
+              </a:p>
+            </p:txBody>
+          </p:sp>
+        </mc:Fallback>
+      </mc:AlternateContent>
     </p:spTree>
     <p:extLst>
       <p:ext uri="{BB962C8B-B14F-4D97-AF65-F5344CB8AC3E}">
